--- a/ML_Assignment_Poster_3308299.pptx
+++ b/ML_Assignment_Poster_3308299.pptx
@@ -4,14 +4,14 @@
   <p:sldMasterIdLst>
     <p:sldMasterId id="2147483648" r:id="rId1"/>
   </p:sldMasterIdLst>
+  <p:notesMasterIdLst>
+    <p:notesMasterId r:id="rId3"/>
+  </p:notesMasterIdLst>
   <p:sldIdLst>
     <p:sldId id="256" r:id="rId2"/>
   </p:sldIdLst>
-  <p:notesMasterIdLst>
-    <p:notesMasterId r:id="rId3"/>
-  </p:notesMasterIdLst>
-  <p:sldSz cx="15124176" cy="10689336"/>
-  <p:notesSz cx="10689336" cy="15124176"/>
+  <p:sldSz cx="15124113" cy="10688638"/>
+  <p:notesSz cx="10688638" cy="15124113"/>
   <p:defaultTextStyle>
     <a:lvl1pPr marL="0" algn="l" defTabSz="914400" rtl="0" eaLnBrk="1" latinLnBrk="0" hangingPunct="1">
       <a:defRPr sz="1800" kern="1200">
@@ -104,6 +104,11 @@
       </a:defRPr>
     </a:lvl9pPr>
   </p:defaultTextStyle>
+  <p:extLst>
+    <p:ext uri="{EFAFB233-063F-42B5-8137-9DF3F51BA10A}">
+      <p15:sldGuideLst xmlns:p15="http://schemas.microsoft.com/office/powerpoint/2012/main"/>
+    </p:ext>
+  </p:extLst>
 </p:presentation>
 </file>
 
@@ -129,234 +134,10 @@
           <a:chExt cx="0" cy="0"/>
         </a:xfrm>
       </p:grpSpPr>
-      <p:sp>
-        <p:nvSpPr>
-          <p:cNvPr id="2" name="Header Placeholder 1"/>
-          <p:cNvSpPr>
-            <a:spLocks noGrp="1"/>
-          </p:cNvSpPr>
-          <p:nvPr>
-            <p:ph type="hdr" sz="quarter"/>
-          </p:nvPr>
-        </p:nvSpPr>
-        <p:spPr>
-          <a:xfrm>
-            <a:off x="0" y="0"/>
-            <a:ext cx="2971800" cy="458788"/>
-          </a:xfrm>
-          <a:prstGeom prst="rect">
-            <a:avLst/>
-          </a:prstGeom>
-        </p:spPr>
-        <p:txBody>
-          <a:bodyPr vert="horz" lIns="91440" tIns="45720" rIns="91440" bIns="45720" rtlCol="0"/>
-          <a:lstStyle>
-            <a:lvl1pPr algn="l">
-              <a:defRPr sz="1200"/>
-            </a:lvl1pPr>
-          </a:lstStyle>
-          <a:p>
-            <a:endParaRPr lang="en-US"/>
-          </a:p>
-        </p:txBody>
-      </p:sp>
-      <p:sp>
-        <p:nvSpPr>
-          <p:cNvPr id="3" name="Date Placeholder 2"/>
-          <p:cNvSpPr>
-            <a:spLocks noGrp="1"/>
-          </p:cNvSpPr>
-          <p:nvPr>
-            <p:ph type="dt" idx="1"/>
-          </p:nvPr>
-        </p:nvSpPr>
-        <p:spPr>
-          <a:xfrm>
-            <a:off x="3884613" y="0"/>
-            <a:ext cx="2971800" cy="458788"/>
-          </a:xfrm>
-          <a:prstGeom prst="rect">
-            <a:avLst/>
-          </a:prstGeom>
-        </p:spPr>
-        <p:txBody>
-          <a:bodyPr vert="horz" lIns="91440" tIns="45720" rIns="91440" bIns="45720" rtlCol="0"/>
-          <a:lstStyle>
-            <a:lvl1pPr algn="r">
-              <a:defRPr sz="1200"/>
-            </a:lvl1pPr>
-          </a:lstStyle>
-          <a:p>
-            <a:fld id="{5282F153-3F37-0F45-9E97-73ACFA13230C}" type="datetimeFigureOut">
-              <a:rPr lang="en-US"/>
-              <a:t>7/23/19</a:t>
-            </a:fld>
-            <a:endParaRPr lang="en-US"/>
-          </a:p>
-        </p:txBody>
-      </p:sp>
-      <p:sp>
-        <p:nvSpPr>
-          <p:cNvPr id="4" name="Slide Image Placeholder 3"/>
-          <p:cNvSpPr>
-            <a:spLocks noGrp="1" noRot="1" noChangeAspect="1"/>
-          </p:cNvSpPr>
-          <p:nvPr>
-            <p:ph type="sldImg" idx="2"/>
-          </p:nvPr>
-        </p:nvSpPr>
-        <p:spPr>
-          <a:xfrm>
-            <a:off x="685800" y="1143000"/>
-            <a:ext cx="5486400" cy="3086100"/>
-          </a:xfrm>
-          <a:prstGeom prst="rect">
-            <a:avLst/>
-          </a:prstGeom>
-          <a:noFill/>
-          <a:ln w="12700">
-            <a:solidFill>
-              <a:prstClr val="black"/>
-            </a:solidFill>
-          </a:ln>
-        </p:spPr>
-        <p:txBody>
-          <a:bodyPr vert="horz" lIns="91440" tIns="45720" rIns="91440" bIns="45720" rtlCol="0" anchor="ctr"/>
-          <a:lstStyle/>
-          <a:p>
-            <a:endParaRPr lang="en-US"/>
-          </a:p>
-        </p:txBody>
-      </p:sp>
-      <p:sp>
-        <p:nvSpPr>
-          <p:cNvPr id="5" name="Notes Placeholder 4"/>
-          <p:cNvSpPr>
-            <a:spLocks noGrp="1"/>
-          </p:cNvSpPr>
-          <p:nvPr>
-            <p:ph type="body" sz="quarter" idx="3"/>
-          </p:nvPr>
-        </p:nvSpPr>
-        <p:spPr>
-          <a:xfrm>
-            <a:off x="685800" y="4400550"/>
-            <a:ext cx="5486400" cy="3600450"/>
-          </a:xfrm>
-          <a:prstGeom prst="rect">
-            <a:avLst/>
-          </a:prstGeom>
-        </p:spPr>
-        <p:txBody>
-          <a:bodyPr vert="horz" lIns="91440" tIns="45720" rIns="91440" bIns="45720" rtlCol="0"/>
-          <a:lstStyle/>
-          <a:p>
-            <a:pPr lvl="0"/>
-            <a:r>
-              <a:rPr lang="en-US"/>
-              <a:t>Click to edit Master text styles</a:t>
-            </a:r>
-          </a:p>
-          <a:p>
-            <a:pPr lvl="1"/>
-            <a:r>
-              <a:rPr lang="en-US"/>
-              <a:t>Second level</a:t>
-            </a:r>
-          </a:p>
-          <a:p>
-            <a:pPr lvl="2"/>
-            <a:r>
-              <a:rPr lang="en-US"/>
-              <a:t>Third level</a:t>
-            </a:r>
-          </a:p>
-          <a:p>
-            <a:pPr lvl="3"/>
-            <a:r>
-              <a:rPr lang="en-US"/>
-              <a:t>Fourth level</a:t>
-            </a:r>
-          </a:p>
-          <a:p>
-            <a:pPr lvl="4"/>
-            <a:r>
-              <a:rPr lang="en-US"/>
-              <a:t>Fifth level</a:t>
-            </a:r>
-          </a:p>
-        </p:txBody>
-      </p:sp>
-      <p:sp>
-        <p:nvSpPr>
-          <p:cNvPr id="6" name="Footer Placeholder 5"/>
-          <p:cNvSpPr>
-            <a:spLocks noGrp="1"/>
-          </p:cNvSpPr>
-          <p:nvPr>
-            <p:ph type="ftr" sz="quarter" idx="4"/>
-          </p:nvPr>
-        </p:nvSpPr>
-        <p:spPr>
-          <a:xfrm>
-            <a:off x="0" y="8685213"/>
-            <a:ext cx="2971800" cy="458787"/>
-          </a:xfrm>
-          <a:prstGeom prst="rect">
-            <a:avLst/>
-          </a:prstGeom>
-        </p:spPr>
-        <p:txBody>
-          <a:bodyPr vert="horz" lIns="91440" tIns="45720" rIns="91440" bIns="45720" rtlCol="0" anchor="b"/>
-          <a:lstStyle>
-            <a:lvl1pPr algn="l">
-              <a:defRPr sz="1200"/>
-            </a:lvl1pPr>
-          </a:lstStyle>
-          <a:p>
-            <a:endParaRPr lang="en-US"/>
-          </a:p>
-        </p:txBody>
-      </p:sp>
-      <p:sp>
-        <p:nvSpPr>
-          <p:cNvPr id="7" name="Slide Number Placeholder 6"/>
-          <p:cNvSpPr>
-            <a:spLocks noGrp="1"/>
-          </p:cNvSpPr>
-          <p:nvPr>
-            <p:ph type="sldNum" sz="quarter" idx="5"/>
-          </p:nvPr>
-        </p:nvSpPr>
-        <p:spPr>
-          <a:xfrm>
-            <a:off x="3884613" y="8685213"/>
-            <a:ext cx="2971800" cy="458787"/>
-          </a:xfrm>
-          <a:prstGeom prst="rect">
-            <a:avLst/>
-          </a:prstGeom>
-        </p:spPr>
-        <p:txBody>
-          <a:bodyPr vert="horz" lIns="91440" tIns="45720" rIns="91440" bIns="45720" rtlCol="0" anchor="b"/>
-          <a:lstStyle>
-            <a:lvl1pPr algn="r">
-              <a:defRPr sz="1200"/>
-            </a:lvl1pPr>
-          </a:lstStyle>
-          <a:p>
-            <a:fld id="{CE5E9CC1-C706-0F49-92D6-E571CC5EEA8F}" type="slidenum">
-              <a:rPr lang="en-US"/>
-              <a:t>‹#›</a:t>
-            </a:fld>
-            <a:endParaRPr lang="en-US"/>
-          </a:p>
-        </p:txBody>
-      </p:sp>
     </p:spTree>
     <p:extLst>
       <p:ext uri="{BB962C8B-B14F-4D97-AF65-F5344CB8AC3E}">
-        <p14:creationId xmlns:p14="http://schemas.microsoft.com/office/powerpoint/2010/main" val="1024086991"/>
+        <p14:creationId xmlns:p14="http://schemas.microsoft.com/office/powerpoint/2010/main" val="1652737445"/>
       </p:ext>
     </p:extLst>
   </p:cSld>
@@ -500,10 +281,6 @@
           <a:bodyPr/>
           <a:lstStyle/>
           <a:p>
-            <a:r>
-              <a:rPr lang="en-US" dirty="0"/>
-              <a:t/>
-            </a:r>
             <a:endParaRPr lang="en-US" dirty="0"/>
           </a:p>
         </p:txBody>
@@ -577,6 +354,11 @@
 <file path=ppt/slideMasters/slideMaster1.xml><?xml version="1.0" encoding="utf-8"?>
 <p:sldMaster xmlns:a="http://schemas.openxmlformats.org/drawingml/2006/main" xmlns:r="http://schemas.openxmlformats.org/officeDocument/2006/relationships" xmlns:p="http://schemas.openxmlformats.org/presentationml/2006/main">
   <p:cSld>
+    <p:bg>
+      <p:bgRef idx="1001">
+        <a:schemeClr val="bg1"/>
+      </p:bgRef>
+    </p:bg>
     <p:spTree>
       <p:nvGrpSpPr>
         <p:cNvPr id="1" name=""/>
@@ -859,6 +641,7 @@
         <a:solidFill>
           <a:srgbClr val="FFFFFF"/>
         </a:solidFill>
+        <a:effectLst/>
       </p:bgPr>
     </p:bg>
     <p:spTree>
@@ -896,7 +679,7 @@
           <a:bodyPr wrap="square" rtlCol="0" anchor="ctr"/>
           <a:lstStyle/>
           <a:p>
-            <a:pPr algn="ctr" indent="0" marL="0">
+            <a:pPr marL="0" indent="0" algn="ctr">
               <a:buNone/>
             </a:pPr>
             <a:r>
@@ -932,7 +715,7 @@
           <a:bodyPr wrap="square" rtlCol="0" anchor="ctr"/>
           <a:lstStyle/>
           <a:p>
-            <a:pPr algn="ctr" indent="0" marL="0">
+            <a:pPr marL="0" indent="0" algn="ctr">
               <a:buNone/>
             </a:pPr>
             <a:r>
@@ -949,7 +732,43 @@
       </p:sp>
       <p:sp>
         <p:nvSpPr>
-          <p:cNvPr id="4" name="Shape 2"/>
+          <p:cNvPr id="4" name="Text 2"/>
+          <p:cNvSpPr/>
+          <p:nvPr/>
+        </p:nvSpPr>
+        <p:spPr>
+          <a:xfrm>
+            <a:off x="457200" y="914400"/>
+            <a:ext cx="14173200" cy="274320"/>
+          </a:xfrm>
+          <a:prstGeom prst="rect">
+            <a:avLst/>
+          </a:prstGeom>
+          <a:noFill/>
+          <a:ln/>
+        </p:spPr>
+        <p:txBody>
+          <a:bodyPr wrap="square" rtlCol="0" anchor="ctr"/>
+          <a:lstStyle/>
+          <a:p>
+            <a:pPr marL="0" indent="0" algn="ctr">
+              <a:buNone/>
+            </a:pPr>
+            <a:r>
+              <a:rPr lang="en-US" sz="1400" dirty="0">
+                <a:solidFill>
+                  <a:srgbClr val="9CA3AF"/>
+                </a:solidFill>
+              </a:rPr>
+              <a:t>Predicting Burned Area Exceeding 4% Using CRISP-DM Methodology</a:t>
+            </a:r>
+            <a:endParaRPr lang="en-US" sz="1400" dirty="0"/>
+          </a:p>
+        </p:txBody>
+      </p:sp>
+      <p:sp>
+        <p:nvSpPr>
+          <p:cNvPr id="5" name="Shape 3"/>
           <p:cNvSpPr/>
           <p:nvPr/>
         </p:nvSpPr>
@@ -966,10 +785,17 @@
           </a:solidFill>
           <a:ln/>
         </p:spPr>
+        <p:txBody>
+          <a:bodyPr/>
+          <a:lstStyle/>
+          <a:p>
+            <a:endParaRPr lang="en-GB"/>
+          </a:p>
+        </p:txBody>
       </p:sp>
       <p:sp>
         <p:nvSpPr>
-          <p:cNvPr id="5" name="Text 3"/>
+          <p:cNvPr id="6" name="Text 4"/>
           <p:cNvSpPr/>
           <p:nvPr/>
         </p:nvSpPr>
@@ -988,7 +814,7 @@
           <a:bodyPr wrap="square" rtlCol="0" anchor="ctr"/>
           <a:lstStyle/>
           <a:p>
-            <a:pPr algn="ctr" indent="0" marL="0">
+            <a:pPr marL="0" indent="0" algn="ctr">
               <a:buNone/>
             </a:pPr>
             <a:r>
@@ -1005,7 +831,155 @@
       </p:sp>
       <p:sp>
         <p:nvSpPr>
-          <p:cNvPr id="6" name="Shape 4"/>
+          <p:cNvPr id="7" name="Text 5"/>
+          <p:cNvSpPr/>
+          <p:nvPr/>
+        </p:nvSpPr>
+        <p:spPr>
+          <a:xfrm>
+            <a:off x="457200" y="1737360"/>
+            <a:ext cx="4572000" cy="2103120"/>
+          </a:xfrm>
+          <a:prstGeom prst="rect">
+            <a:avLst/>
+          </a:prstGeom>
+          <a:noFill/>
+          <a:ln/>
+        </p:spPr>
+        <p:txBody>
+          <a:bodyPr wrap="square" rtlCol="0" anchor="t"/>
+          <a:lstStyle/>
+          <a:p>
+            <a:pPr marL="0" indent="0">
+              <a:buNone/>
+            </a:pPr>
+            <a:r>
+              <a:rPr lang="en-US" sz="1000" dirty="0">
+                <a:solidFill>
+                  <a:srgbClr val="111827"/>
+                </a:solidFill>
+              </a:rPr>
+              <a:t>• Data Loading &amp; Initial Exploration (517 samples, 13 features)</a:t>
+            </a:r>
+            <a:endParaRPr lang="en-US" sz="1000" dirty="0"/>
+          </a:p>
+          <a:p>
+            <a:pPr marL="0" indent="0">
+              <a:buNone/>
+            </a:pPr>
+            <a:r>
+              <a:rPr lang="en-US" sz="1000" dirty="0">
+                <a:solidFill>
+                  <a:srgbClr val="111827"/>
+                </a:solidFill>
+              </a:rPr>
+              <a:t>• Data Quality Assessment &amp; Outlier Detection</a:t>
+            </a:r>
+            <a:endParaRPr lang="en-US" sz="1000" dirty="0"/>
+          </a:p>
+          <a:p>
+            <a:pPr marL="0" indent="0">
+              <a:buNone/>
+            </a:pPr>
+            <a:r>
+              <a:rPr lang="en-US" sz="1000" dirty="0">
+                <a:solidFill>
+                  <a:srgbClr val="111827"/>
+                </a:solidFill>
+              </a:rPr>
+              <a:t>• Data Cleaning: Fixed FFMC outlier (18.7 → 91.6 median)</a:t>
+            </a:r>
+            <a:endParaRPr lang="en-US" sz="1000" dirty="0"/>
+          </a:p>
+          <a:p>
+            <a:pPr marL="0" indent="0">
+              <a:buNone/>
+            </a:pPr>
+            <a:r>
+              <a:rPr lang="en-US" sz="1000" dirty="0">
+                <a:solidFill>
+                  <a:srgbClr val="111827"/>
+                </a:solidFill>
+              </a:rPr>
+              <a:t>• Feature Engineering: Encoded categorical variables</a:t>
+            </a:r>
+            <a:endParaRPr lang="en-US" sz="1000" dirty="0"/>
+          </a:p>
+          <a:p>
+            <a:pPr marL="0" indent="0">
+              <a:buNone/>
+            </a:pPr>
+            <a:r>
+              <a:rPr lang="en-US" sz="1000" dirty="0">
+                <a:solidFill>
+                  <a:srgbClr val="111827"/>
+                </a:solidFill>
+              </a:rPr>
+              <a:t>• Data Split: 60% Train (309), 20% Validation (104), 20% Test (104)</a:t>
+            </a:r>
+            <a:endParaRPr lang="en-US" sz="1000" dirty="0"/>
+          </a:p>
+          <a:p>
+            <a:pPr marL="0" indent="0">
+              <a:buNone/>
+            </a:pPr>
+            <a:r>
+              <a:rPr lang="en-US" sz="1000" dirty="0">
+                <a:solidFill>
+                  <a:srgbClr val="111827"/>
+                </a:solidFill>
+              </a:rPr>
+              <a:t>• Model Training: 15 models across 3 algorithms</a:t>
+            </a:r>
+            <a:endParaRPr lang="en-US" sz="1000" dirty="0"/>
+          </a:p>
+          <a:p>
+            <a:pPr marL="0" indent="0">
+              <a:buNone/>
+            </a:pPr>
+            <a:r>
+              <a:rPr lang="en-US" sz="1000" dirty="0">
+                <a:solidFill>
+                  <a:srgbClr val="111827"/>
+                </a:solidFill>
+              </a:rPr>
+              <a:t>• Hyperparameter Search: Grid search with validation metrics</a:t>
+            </a:r>
+            <a:endParaRPr lang="en-US" sz="1000" dirty="0"/>
+          </a:p>
+          <a:p>
+            <a:pPr marL="0" indent="0">
+              <a:buNone/>
+            </a:pPr>
+            <a:r>
+              <a:rPr lang="en-US" sz="1000" dirty="0">
+                <a:solidFill>
+                  <a:srgbClr val="111827"/>
+                </a:solidFill>
+              </a:rPr>
+              <a:t>• Final Model: Trained on combined train+validation sets</a:t>
+            </a:r>
+            <a:endParaRPr lang="en-US" sz="1000" dirty="0"/>
+          </a:p>
+          <a:p>
+            <a:pPr marL="0" indent="0">
+              <a:buNone/>
+            </a:pPr>
+            <a:r>
+              <a:rPr lang="en-US" sz="1000" dirty="0">
+                <a:solidFill>
+                  <a:srgbClr val="111827"/>
+                </a:solidFill>
+              </a:rPr>
+              <a:t>• Evaluation: Confusion matrix &amp; performance metrics on test set</a:t>
+            </a:r>
+            <a:endParaRPr lang="en-US" sz="1000" dirty="0"/>
+          </a:p>
+        </p:txBody>
+      </p:sp>
+      <p:sp>
+        <p:nvSpPr>
+          <p:cNvPr id="8" name="Shape 6"/>
           <p:cNvSpPr/>
           <p:nvPr/>
         </p:nvSpPr>
@@ -1022,10 +996,17 @@
           </a:solidFill>
           <a:ln/>
         </p:spPr>
+        <p:txBody>
+          <a:bodyPr/>
+          <a:lstStyle/>
+          <a:p>
+            <a:endParaRPr lang="en-GB"/>
+          </a:p>
+        </p:txBody>
       </p:sp>
       <p:sp>
         <p:nvSpPr>
-          <p:cNvPr id="7" name="Text 5"/>
+          <p:cNvPr id="9" name="Text 7"/>
           <p:cNvSpPr/>
           <p:nvPr/>
         </p:nvSpPr>
@@ -1044,7 +1025,7 @@
           <a:bodyPr wrap="square" rtlCol="0" anchor="ctr"/>
           <a:lstStyle/>
           <a:p>
-            <a:pPr algn="ctr" indent="0" marL="0">
+            <a:pPr marL="0" indent="0" algn="ctr">
               <a:buNone/>
             </a:pPr>
             <a:r>
@@ -1059,9 +1040,1958 @@
           </a:p>
         </p:txBody>
       </p:sp>
+      <p:graphicFrame>
+        <p:nvGraphicFramePr>
+          <p:cNvPr id="10" name="Table 0"/>
+          <p:cNvGraphicFramePr>
+            <a:graphicFrameLocks noGrp="1"/>
+          </p:cNvGraphicFramePr>
+          <p:nvPr>
+            <p:extLst>
+              <p:ext uri="{D42A27DB-BD31-4B8C-83A1-F6EECF244321}">
+                <p14:modId xmlns:p14="http://schemas.microsoft.com/office/powerpoint/2010/main" val="3328138445"/>
+              </p:ext>
+            </p:extLst>
+          </p:nvPr>
+        </p:nvGraphicFramePr>
+        <p:xfrm>
+          <a:off x="5303520" y="1737360"/>
+          <a:ext cx="4572000" cy="2286000"/>
+        </p:xfrm>
+        <a:graphic>
+          <a:graphicData uri="http://schemas.openxmlformats.org/drawingml/2006/table">
+            <a:tbl>
+              <a:tblPr/>
+              <a:tblGrid>
+                <a:gridCol w="1828800">
+                  <a:extLst>
+                    <a:ext uri="{9D8B030D-6E8A-4147-A177-3AD203B41FA5}">
+                      <a16:colId xmlns:a16="http://schemas.microsoft.com/office/drawing/2014/main" val="20000"/>
+                    </a:ext>
+                  </a:extLst>
+                </a:gridCol>
+                <a:gridCol w="1645920">
+                  <a:extLst>
+                    <a:ext uri="{9D8B030D-6E8A-4147-A177-3AD203B41FA5}">
+                      <a16:colId xmlns:a16="http://schemas.microsoft.com/office/drawing/2014/main" val="20001"/>
+                    </a:ext>
+                  </a:extLst>
+                </a:gridCol>
+                <a:gridCol w="1097280">
+                  <a:extLst>
+                    <a:ext uri="{9D8B030D-6E8A-4147-A177-3AD203B41FA5}">
+                      <a16:colId xmlns:a16="http://schemas.microsoft.com/office/drawing/2014/main" val="20002"/>
+                    </a:ext>
+                  </a:extLst>
+                </a:gridCol>
+              </a:tblGrid>
+              <a:tr h="187452">
+                <a:tc>
+                  <a:txBody>
+                    <a:bodyPr/>
+                    <a:lstStyle/>
+                    <a:p>
+                      <a:pPr marL="0" indent="0">
+                        <a:buNone/>
+                      </a:pPr>
+                      <a:r>
+                        <a:rPr lang="en-US" sz="900" dirty="0">
+                          <a:solidFill>
+                            <a:srgbClr val="000000"/>
+                          </a:solidFill>
+                        </a:rPr>
+                        <a:t>Variable</a:t>
+                      </a:r>
+                      <a:endParaRPr lang="en-US" sz="900" dirty="0"/>
+                    </a:p>
+                  </a:txBody>
+                  <a:tcPr>
+                    <a:lnL w="6350" cap="flat" cmpd="sng" algn="ctr">
+                      <a:solidFill>
+                        <a:srgbClr val="E5E7EB"/>
+                      </a:solidFill>
+                      <a:prstDash val="solid"/>
+                      <a:round/>
+                      <a:headEnd type="none" w="med" len="med"/>
+                      <a:tailEnd type="none" w="med" len="med"/>
+                    </a:lnL>
+                    <a:lnR w="6350" cap="flat" cmpd="sng" algn="ctr">
+                      <a:solidFill>
+                        <a:srgbClr val="E5E7EB"/>
+                      </a:solidFill>
+                      <a:prstDash val="solid"/>
+                      <a:round/>
+                      <a:headEnd type="none" w="med" len="med"/>
+                      <a:tailEnd type="none" w="med" len="med"/>
+                    </a:lnR>
+                    <a:lnT w="6350" cap="flat" cmpd="sng" algn="ctr">
+                      <a:solidFill>
+                        <a:srgbClr val="E5E7EB"/>
+                      </a:solidFill>
+                      <a:prstDash val="solid"/>
+                      <a:round/>
+                      <a:headEnd type="none" w="med" len="med"/>
+                      <a:tailEnd type="none" w="med" len="med"/>
+                    </a:lnT>
+                    <a:lnB w="6350" cap="flat" cmpd="sng" algn="ctr">
+                      <a:solidFill>
+                        <a:srgbClr val="E5E7EB"/>
+                      </a:solidFill>
+                      <a:prstDash val="solid"/>
+                      <a:round/>
+                      <a:headEnd type="none" w="med" len="med"/>
+                      <a:tailEnd type="none" w="med" len="med"/>
+                    </a:lnB>
+                    <a:solidFill>
+                      <a:srgbClr val="FFFFFF"/>
+                    </a:solidFill>
+                  </a:tcPr>
+                </a:tc>
+                <a:tc>
+                  <a:txBody>
+                    <a:bodyPr/>
+                    <a:lstStyle/>
+                    <a:p>
+                      <a:pPr marL="0" indent="0">
+                        <a:buNone/>
+                      </a:pPr>
+                      <a:r>
+                        <a:rPr lang="en-US" sz="900" dirty="0">
+                          <a:solidFill>
+                            <a:srgbClr val="000000"/>
+                          </a:solidFill>
+                        </a:rPr>
+                        <a:t>Type Used</a:t>
+                      </a:r>
+                      <a:endParaRPr lang="en-US" sz="900" dirty="0"/>
+                    </a:p>
+                  </a:txBody>
+                  <a:tcPr>
+                    <a:lnL w="6350" cap="flat" cmpd="sng" algn="ctr">
+                      <a:solidFill>
+                        <a:srgbClr val="E5E7EB"/>
+                      </a:solidFill>
+                      <a:prstDash val="solid"/>
+                      <a:round/>
+                      <a:headEnd type="none" w="med" len="med"/>
+                      <a:tailEnd type="none" w="med" len="med"/>
+                    </a:lnL>
+                    <a:lnR w="6350" cap="flat" cmpd="sng" algn="ctr">
+                      <a:solidFill>
+                        <a:srgbClr val="E5E7EB"/>
+                      </a:solidFill>
+                      <a:prstDash val="solid"/>
+                      <a:round/>
+                      <a:headEnd type="none" w="med" len="med"/>
+                      <a:tailEnd type="none" w="med" len="med"/>
+                    </a:lnR>
+                    <a:lnT w="6350" cap="flat" cmpd="sng" algn="ctr">
+                      <a:solidFill>
+                        <a:srgbClr val="E5E7EB"/>
+                      </a:solidFill>
+                      <a:prstDash val="solid"/>
+                      <a:round/>
+                      <a:headEnd type="none" w="med" len="med"/>
+                      <a:tailEnd type="none" w="med" len="med"/>
+                    </a:lnT>
+                    <a:lnB w="6350" cap="flat" cmpd="sng" algn="ctr">
+                      <a:solidFill>
+                        <a:srgbClr val="E5E7EB"/>
+                      </a:solidFill>
+                      <a:prstDash val="solid"/>
+                      <a:round/>
+                      <a:headEnd type="none" w="med" len="med"/>
+                      <a:tailEnd type="none" w="med" len="med"/>
+                    </a:lnB>
+                    <a:solidFill>
+                      <a:srgbClr val="FFFFFF"/>
+                    </a:solidFill>
+                  </a:tcPr>
+                </a:tc>
+                <a:tc>
+                  <a:txBody>
+                    <a:bodyPr/>
+                    <a:lstStyle/>
+                    <a:p>
+                      <a:pPr marL="0" indent="0">
+                        <a:buNone/>
+                      </a:pPr>
+                      <a:r>
+                        <a:rPr lang="en-US" sz="900" dirty="0">
+                          <a:solidFill>
+                            <a:srgbClr val="000000"/>
+                          </a:solidFill>
+                        </a:rPr>
+                        <a:t>Include</a:t>
+                      </a:r>
+                      <a:endParaRPr lang="en-US" sz="900" dirty="0"/>
+                    </a:p>
+                  </a:txBody>
+                  <a:tcPr>
+                    <a:lnL w="6350" cap="flat" cmpd="sng" algn="ctr">
+                      <a:solidFill>
+                        <a:srgbClr val="E5E7EB"/>
+                      </a:solidFill>
+                      <a:prstDash val="solid"/>
+                      <a:round/>
+                      <a:headEnd type="none" w="med" len="med"/>
+                      <a:tailEnd type="none" w="med" len="med"/>
+                    </a:lnL>
+                    <a:lnR w="6350" cap="flat" cmpd="sng" algn="ctr">
+                      <a:solidFill>
+                        <a:srgbClr val="E5E7EB"/>
+                      </a:solidFill>
+                      <a:prstDash val="solid"/>
+                      <a:round/>
+                      <a:headEnd type="none" w="med" len="med"/>
+                      <a:tailEnd type="none" w="med" len="med"/>
+                    </a:lnR>
+                    <a:lnT w="6350" cap="flat" cmpd="sng" algn="ctr">
+                      <a:solidFill>
+                        <a:srgbClr val="E5E7EB"/>
+                      </a:solidFill>
+                      <a:prstDash val="solid"/>
+                      <a:round/>
+                      <a:headEnd type="none" w="med" len="med"/>
+                      <a:tailEnd type="none" w="med" len="med"/>
+                    </a:lnT>
+                    <a:lnB w="6350" cap="flat" cmpd="sng" algn="ctr">
+                      <a:solidFill>
+                        <a:srgbClr val="E5E7EB"/>
+                      </a:solidFill>
+                      <a:prstDash val="solid"/>
+                      <a:round/>
+                      <a:headEnd type="none" w="med" len="med"/>
+                      <a:tailEnd type="none" w="med" len="med"/>
+                    </a:lnB>
+                    <a:solidFill>
+                      <a:srgbClr val="FFFFFF"/>
+                    </a:solidFill>
+                  </a:tcPr>
+                </a:tc>
+                <a:extLst>
+                  <a:ext uri="{0D108BD9-81ED-4DB2-BD59-A6C34878D82A}">
+                    <a16:rowId xmlns:a16="http://schemas.microsoft.com/office/drawing/2014/main" val="10000"/>
+                  </a:ext>
+                </a:extLst>
+              </a:tr>
+              <a:tr h="187452">
+                <a:tc>
+                  <a:txBody>
+                    <a:bodyPr/>
+                    <a:lstStyle/>
+                    <a:p>
+                      <a:pPr marL="0" indent="0">
+                        <a:buNone/>
+                      </a:pPr>
+                      <a:r>
+                        <a:rPr lang="en-US" sz="900" dirty="0">
+                          <a:solidFill>
+                            <a:srgbClr val="000000"/>
+                          </a:solidFill>
+                        </a:rPr>
+                        <a:t>X, Y</a:t>
+                      </a:r>
+                      <a:endParaRPr lang="en-US" sz="900" dirty="0"/>
+                    </a:p>
+                  </a:txBody>
+                  <a:tcPr>
+                    <a:lnL w="6350" cap="flat" cmpd="sng" algn="ctr">
+                      <a:solidFill>
+                        <a:srgbClr val="E5E7EB"/>
+                      </a:solidFill>
+                      <a:prstDash val="solid"/>
+                      <a:round/>
+                      <a:headEnd type="none" w="med" len="med"/>
+                      <a:tailEnd type="none" w="med" len="med"/>
+                    </a:lnL>
+                    <a:lnR w="6350" cap="flat" cmpd="sng" algn="ctr">
+                      <a:solidFill>
+                        <a:srgbClr val="E5E7EB"/>
+                      </a:solidFill>
+                      <a:prstDash val="solid"/>
+                      <a:round/>
+                      <a:headEnd type="none" w="med" len="med"/>
+                      <a:tailEnd type="none" w="med" len="med"/>
+                    </a:lnR>
+                    <a:lnT w="6350" cap="flat" cmpd="sng" algn="ctr">
+                      <a:solidFill>
+                        <a:srgbClr val="E5E7EB"/>
+                      </a:solidFill>
+                      <a:prstDash val="solid"/>
+                      <a:round/>
+                      <a:headEnd type="none" w="med" len="med"/>
+                      <a:tailEnd type="none" w="med" len="med"/>
+                    </a:lnT>
+                    <a:lnB w="6350" cap="flat" cmpd="sng" algn="ctr">
+                      <a:solidFill>
+                        <a:srgbClr val="E5E7EB"/>
+                      </a:solidFill>
+                      <a:prstDash val="solid"/>
+                      <a:round/>
+                      <a:headEnd type="none" w="med" len="med"/>
+                      <a:tailEnd type="none" w="med" len="med"/>
+                    </a:lnB>
+                    <a:solidFill>
+                      <a:srgbClr val="FFFFFF"/>
+                    </a:solidFill>
+                  </a:tcPr>
+                </a:tc>
+                <a:tc>
+                  <a:txBody>
+                    <a:bodyPr/>
+                    <a:lstStyle/>
+                    <a:p>
+                      <a:pPr marL="0" indent="0">
+                        <a:buNone/>
+                      </a:pPr>
+                      <a:r>
+                        <a:rPr lang="en-US" sz="900" dirty="0">
+                          <a:solidFill>
+                            <a:srgbClr val="000000"/>
+                          </a:solidFill>
+                        </a:rPr>
+                        <a:t>Numeric (Discrete)</a:t>
+                      </a:r>
+                      <a:endParaRPr lang="en-US" sz="900" dirty="0"/>
+                    </a:p>
+                  </a:txBody>
+                  <a:tcPr>
+                    <a:lnL w="6350" cap="flat" cmpd="sng" algn="ctr">
+                      <a:solidFill>
+                        <a:srgbClr val="E5E7EB"/>
+                      </a:solidFill>
+                      <a:prstDash val="solid"/>
+                      <a:round/>
+                      <a:headEnd type="none" w="med" len="med"/>
+                      <a:tailEnd type="none" w="med" len="med"/>
+                    </a:lnL>
+                    <a:lnR w="6350" cap="flat" cmpd="sng" algn="ctr">
+                      <a:solidFill>
+                        <a:srgbClr val="E5E7EB"/>
+                      </a:solidFill>
+                      <a:prstDash val="solid"/>
+                      <a:round/>
+                      <a:headEnd type="none" w="med" len="med"/>
+                      <a:tailEnd type="none" w="med" len="med"/>
+                    </a:lnR>
+                    <a:lnT w="6350" cap="flat" cmpd="sng" algn="ctr">
+                      <a:solidFill>
+                        <a:srgbClr val="E5E7EB"/>
+                      </a:solidFill>
+                      <a:prstDash val="solid"/>
+                      <a:round/>
+                      <a:headEnd type="none" w="med" len="med"/>
+                      <a:tailEnd type="none" w="med" len="med"/>
+                    </a:lnT>
+                    <a:lnB w="6350" cap="flat" cmpd="sng" algn="ctr">
+                      <a:solidFill>
+                        <a:srgbClr val="E5E7EB"/>
+                      </a:solidFill>
+                      <a:prstDash val="solid"/>
+                      <a:round/>
+                      <a:headEnd type="none" w="med" len="med"/>
+                      <a:tailEnd type="none" w="med" len="med"/>
+                    </a:lnB>
+                    <a:solidFill>
+                      <a:srgbClr val="FFFFFF"/>
+                    </a:solidFill>
+                  </a:tcPr>
+                </a:tc>
+                <a:tc>
+                  <a:txBody>
+                    <a:bodyPr/>
+                    <a:lstStyle/>
+                    <a:p>
+                      <a:pPr marL="0" indent="0">
+                        <a:buNone/>
+                      </a:pPr>
+                      <a:r>
+                        <a:rPr lang="en-US" sz="900" dirty="0">
+                          <a:solidFill>
+                            <a:srgbClr val="000000"/>
+                          </a:solidFill>
+                        </a:rPr>
+                        <a:t>Yes</a:t>
+                      </a:r>
+                      <a:endParaRPr lang="en-US" sz="900" dirty="0"/>
+                    </a:p>
+                  </a:txBody>
+                  <a:tcPr>
+                    <a:lnL w="6350" cap="flat" cmpd="sng" algn="ctr">
+                      <a:solidFill>
+                        <a:srgbClr val="E5E7EB"/>
+                      </a:solidFill>
+                      <a:prstDash val="solid"/>
+                      <a:round/>
+                      <a:headEnd type="none" w="med" len="med"/>
+                      <a:tailEnd type="none" w="med" len="med"/>
+                    </a:lnL>
+                    <a:lnR w="6350" cap="flat" cmpd="sng" algn="ctr">
+                      <a:solidFill>
+                        <a:srgbClr val="E5E7EB"/>
+                      </a:solidFill>
+                      <a:prstDash val="solid"/>
+                      <a:round/>
+                      <a:headEnd type="none" w="med" len="med"/>
+                      <a:tailEnd type="none" w="med" len="med"/>
+                    </a:lnR>
+                    <a:lnT w="6350" cap="flat" cmpd="sng" algn="ctr">
+                      <a:solidFill>
+                        <a:srgbClr val="E5E7EB"/>
+                      </a:solidFill>
+                      <a:prstDash val="solid"/>
+                      <a:round/>
+                      <a:headEnd type="none" w="med" len="med"/>
+                      <a:tailEnd type="none" w="med" len="med"/>
+                    </a:lnT>
+                    <a:lnB w="6350" cap="flat" cmpd="sng" algn="ctr">
+                      <a:solidFill>
+                        <a:srgbClr val="E5E7EB"/>
+                      </a:solidFill>
+                      <a:prstDash val="solid"/>
+                      <a:round/>
+                      <a:headEnd type="none" w="med" len="med"/>
+                      <a:tailEnd type="none" w="med" len="med"/>
+                    </a:lnB>
+                    <a:solidFill>
+                      <a:srgbClr val="FFFFFF"/>
+                    </a:solidFill>
+                  </a:tcPr>
+                </a:tc>
+                <a:extLst>
+                  <a:ext uri="{0D108BD9-81ED-4DB2-BD59-A6C34878D82A}">
+                    <a16:rowId xmlns:a16="http://schemas.microsoft.com/office/drawing/2014/main" val="10001"/>
+                  </a:ext>
+                </a:extLst>
+              </a:tr>
+              <a:tr h="187452">
+                <a:tc>
+                  <a:txBody>
+                    <a:bodyPr/>
+                    <a:lstStyle/>
+                    <a:p>
+                      <a:pPr marL="0" indent="0">
+                        <a:buNone/>
+                      </a:pPr>
+                      <a:r>
+                        <a:rPr lang="en-US" sz="900" dirty="0">
+                          <a:solidFill>
+                            <a:srgbClr val="000000"/>
+                          </a:solidFill>
+                        </a:rPr>
+                        <a:t>month, day</a:t>
+                      </a:r>
+                      <a:endParaRPr lang="en-US" sz="900" dirty="0"/>
+                    </a:p>
+                  </a:txBody>
+                  <a:tcPr>
+                    <a:lnL w="6350" cap="flat" cmpd="sng" algn="ctr">
+                      <a:solidFill>
+                        <a:srgbClr val="E5E7EB"/>
+                      </a:solidFill>
+                      <a:prstDash val="solid"/>
+                      <a:round/>
+                      <a:headEnd type="none" w="med" len="med"/>
+                      <a:tailEnd type="none" w="med" len="med"/>
+                    </a:lnL>
+                    <a:lnR w="6350" cap="flat" cmpd="sng" algn="ctr">
+                      <a:solidFill>
+                        <a:srgbClr val="E5E7EB"/>
+                      </a:solidFill>
+                      <a:prstDash val="solid"/>
+                      <a:round/>
+                      <a:headEnd type="none" w="med" len="med"/>
+                      <a:tailEnd type="none" w="med" len="med"/>
+                    </a:lnR>
+                    <a:lnT w="6350" cap="flat" cmpd="sng" algn="ctr">
+                      <a:solidFill>
+                        <a:srgbClr val="E5E7EB"/>
+                      </a:solidFill>
+                      <a:prstDash val="solid"/>
+                      <a:round/>
+                      <a:headEnd type="none" w="med" len="med"/>
+                      <a:tailEnd type="none" w="med" len="med"/>
+                    </a:lnT>
+                    <a:lnB w="6350" cap="flat" cmpd="sng" algn="ctr">
+                      <a:solidFill>
+                        <a:srgbClr val="E5E7EB"/>
+                      </a:solidFill>
+                      <a:prstDash val="solid"/>
+                      <a:round/>
+                      <a:headEnd type="none" w="med" len="med"/>
+                      <a:tailEnd type="none" w="med" len="med"/>
+                    </a:lnB>
+                    <a:solidFill>
+                      <a:srgbClr val="FFFFFF"/>
+                    </a:solidFill>
+                  </a:tcPr>
+                </a:tc>
+                <a:tc>
+                  <a:txBody>
+                    <a:bodyPr/>
+                    <a:lstStyle/>
+                    <a:p>
+                      <a:pPr marL="0" indent="0">
+                        <a:buNone/>
+                      </a:pPr>
+                      <a:r>
+                        <a:rPr lang="en-US" sz="900" dirty="0">
+                          <a:solidFill>
+                            <a:srgbClr val="000000"/>
+                          </a:solidFill>
+                        </a:rPr>
+                        <a:t>Categorical</a:t>
+                      </a:r>
+                      <a:endParaRPr lang="en-US" sz="900" dirty="0"/>
+                    </a:p>
+                  </a:txBody>
+                  <a:tcPr>
+                    <a:lnL w="6350" cap="flat" cmpd="sng" algn="ctr">
+                      <a:solidFill>
+                        <a:srgbClr val="E5E7EB"/>
+                      </a:solidFill>
+                      <a:prstDash val="solid"/>
+                      <a:round/>
+                      <a:headEnd type="none" w="med" len="med"/>
+                      <a:tailEnd type="none" w="med" len="med"/>
+                    </a:lnL>
+                    <a:lnR w="6350" cap="flat" cmpd="sng" algn="ctr">
+                      <a:solidFill>
+                        <a:srgbClr val="E5E7EB"/>
+                      </a:solidFill>
+                      <a:prstDash val="solid"/>
+                      <a:round/>
+                      <a:headEnd type="none" w="med" len="med"/>
+                      <a:tailEnd type="none" w="med" len="med"/>
+                    </a:lnR>
+                    <a:lnT w="6350" cap="flat" cmpd="sng" algn="ctr">
+                      <a:solidFill>
+                        <a:srgbClr val="E5E7EB"/>
+                      </a:solidFill>
+                      <a:prstDash val="solid"/>
+                      <a:round/>
+                      <a:headEnd type="none" w="med" len="med"/>
+                      <a:tailEnd type="none" w="med" len="med"/>
+                    </a:lnT>
+                    <a:lnB w="6350" cap="flat" cmpd="sng" algn="ctr">
+                      <a:solidFill>
+                        <a:srgbClr val="E5E7EB"/>
+                      </a:solidFill>
+                      <a:prstDash val="solid"/>
+                      <a:round/>
+                      <a:headEnd type="none" w="med" len="med"/>
+                      <a:tailEnd type="none" w="med" len="med"/>
+                    </a:lnB>
+                    <a:solidFill>
+                      <a:srgbClr val="FFFFFF"/>
+                    </a:solidFill>
+                  </a:tcPr>
+                </a:tc>
+                <a:tc>
+                  <a:txBody>
+                    <a:bodyPr/>
+                    <a:lstStyle/>
+                    <a:p>
+                      <a:pPr marL="0" indent="0">
+                        <a:buNone/>
+                      </a:pPr>
+                      <a:r>
+                        <a:rPr lang="en-US" sz="900" dirty="0">
+                          <a:solidFill>
+                            <a:srgbClr val="000000"/>
+                          </a:solidFill>
+                        </a:rPr>
+                        <a:t>Yes (Encoded)</a:t>
+                      </a:r>
+                      <a:endParaRPr lang="en-US" sz="900" dirty="0"/>
+                    </a:p>
+                  </a:txBody>
+                  <a:tcPr>
+                    <a:lnL w="6350" cap="flat" cmpd="sng" algn="ctr">
+                      <a:solidFill>
+                        <a:srgbClr val="E5E7EB"/>
+                      </a:solidFill>
+                      <a:prstDash val="solid"/>
+                      <a:round/>
+                      <a:headEnd type="none" w="med" len="med"/>
+                      <a:tailEnd type="none" w="med" len="med"/>
+                    </a:lnL>
+                    <a:lnR w="6350" cap="flat" cmpd="sng" algn="ctr">
+                      <a:solidFill>
+                        <a:srgbClr val="E5E7EB"/>
+                      </a:solidFill>
+                      <a:prstDash val="solid"/>
+                      <a:round/>
+                      <a:headEnd type="none" w="med" len="med"/>
+                      <a:tailEnd type="none" w="med" len="med"/>
+                    </a:lnR>
+                    <a:lnT w="6350" cap="flat" cmpd="sng" algn="ctr">
+                      <a:solidFill>
+                        <a:srgbClr val="E5E7EB"/>
+                      </a:solidFill>
+                      <a:prstDash val="solid"/>
+                      <a:round/>
+                      <a:headEnd type="none" w="med" len="med"/>
+                      <a:tailEnd type="none" w="med" len="med"/>
+                    </a:lnT>
+                    <a:lnB w="6350" cap="flat" cmpd="sng" algn="ctr">
+                      <a:solidFill>
+                        <a:srgbClr val="E5E7EB"/>
+                      </a:solidFill>
+                      <a:prstDash val="solid"/>
+                      <a:round/>
+                      <a:headEnd type="none" w="med" len="med"/>
+                      <a:tailEnd type="none" w="med" len="med"/>
+                    </a:lnB>
+                    <a:solidFill>
+                      <a:srgbClr val="FFFFFF"/>
+                    </a:solidFill>
+                  </a:tcPr>
+                </a:tc>
+                <a:extLst>
+                  <a:ext uri="{0D108BD9-81ED-4DB2-BD59-A6C34878D82A}">
+                    <a16:rowId xmlns:a16="http://schemas.microsoft.com/office/drawing/2014/main" val="10002"/>
+                  </a:ext>
+                </a:extLst>
+              </a:tr>
+              <a:tr h="187452">
+                <a:tc>
+                  <a:txBody>
+                    <a:bodyPr/>
+                    <a:lstStyle/>
+                    <a:p>
+                      <a:pPr marL="0" indent="0">
+                        <a:buNone/>
+                      </a:pPr>
+                      <a:r>
+                        <a:rPr lang="en-US" sz="900" dirty="0">
+                          <a:solidFill>
+                            <a:srgbClr val="000000"/>
+                          </a:solidFill>
+                        </a:rPr>
+                        <a:t>FFMC</a:t>
+                      </a:r>
+                      <a:endParaRPr lang="en-US" sz="900" dirty="0"/>
+                    </a:p>
+                  </a:txBody>
+                  <a:tcPr>
+                    <a:lnL w="6350" cap="flat" cmpd="sng" algn="ctr">
+                      <a:solidFill>
+                        <a:srgbClr val="E5E7EB"/>
+                      </a:solidFill>
+                      <a:prstDash val="solid"/>
+                      <a:round/>
+                      <a:headEnd type="none" w="med" len="med"/>
+                      <a:tailEnd type="none" w="med" len="med"/>
+                    </a:lnL>
+                    <a:lnR w="6350" cap="flat" cmpd="sng" algn="ctr">
+                      <a:solidFill>
+                        <a:srgbClr val="E5E7EB"/>
+                      </a:solidFill>
+                      <a:prstDash val="solid"/>
+                      <a:round/>
+                      <a:headEnd type="none" w="med" len="med"/>
+                      <a:tailEnd type="none" w="med" len="med"/>
+                    </a:lnR>
+                    <a:lnT w="6350" cap="flat" cmpd="sng" algn="ctr">
+                      <a:solidFill>
+                        <a:srgbClr val="E5E7EB"/>
+                      </a:solidFill>
+                      <a:prstDash val="solid"/>
+                      <a:round/>
+                      <a:headEnd type="none" w="med" len="med"/>
+                      <a:tailEnd type="none" w="med" len="med"/>
+                    </a:lnT>
+                    <a:lnB w="6350" cap="flat" cmpd="sng" algn="ctr">
+                      <a:solidFill>
+                        <a:srgbClr val="E5E7EB"/>
+                      </a:solidFill>
+                      <a:prstDash val="solid"/>
+                      <a:round/>
+                      <a:headEnd type="none" w="med" len="med"/>
+                      <a:tailEnd type="none" w="med" len="med"/>
+                    </a:lnB>
+                    <a:solidFill>
+                      <a:srgbClr val="FFFFFF"/>
+                    </a:solidFill>
+                  </a:tcPr>
+                </a:tc>
+                <a:tc>
+                  <a:txBody>
+                    <a:bodyPr/>
+                    <a:lstStyle/>
+                    <a:p>
+                      <a:pPr marL="0" indent="0">
+                        <a:buNone/>
+                      </a:pPr>
+                      <a:r>
+                        <a:rPr lang="en-US" sz="900" dirty="0">
+                          <a:solidFill>
+                            <a:srgbClr val="000000"/>
+                          </a:solidFill>
+                        </a:rPr>
+                        <a:t>Numeric (Continuous)</a:t>
+                      </a:r>
+                      <a:endParaRPr lang="en-US" sz="900" dirty="0"/>
+                    </a:p>
+                  </a:txBody>
+                  <a:tcPr>
+                    <a:lnL w="6350" cap="flat" cmpd="sng" algn="ctr">
+                      <a:solidFill>
+                        <a:srgbClr val="E5E7EB"/>
+                      </a:solidFill>
+                      <a:prstDash val="solid"/>
+                      <a:round/>
+                      <a:headEnd type="none" w="med" len="med"/>
+                      <a:tailEnd type="none" w="med" len="med"/>
+                    </a:lnL>
+                    <a:lnR w="6350" cap="flat" cmpd="sng" algn="ctr">
+                      <a:solidFill>
+                        <a:srgbClr val="E5E7EB"/>
+                      </a:solidFill>
+                      <a:prstDash val="solid"/>
+                      <a:round/>
+                      <a:headEnd type="none" w="med" len="med"/>
+                      <a:tailEnd type="none" w="med" len="med"/>
+                    </a:lnR>
+                    <a:lnT w="6350" cap="flat" cmpd="sng" algn="ctr">
+                      <a:solidFill>
+                        <a:srgbClr val="E5E7EB"/>
+                      </a:solidFill>
+                      <a:prstDash val="solid"/>
+                      <a:round/>
+                      <a:headEnd type="none" w="med" len="med"/>
+                      <a:tailEnd type="none" w="med" len="med"/>
+                    </a:lnT>
+                    <a:lnB w="6350" cap="flat" cmpd="sng" algn="ctr">
+                      <a:solidFill>
+                        <a:srgbClr val="E5E7EB"/>
+                      </a:solidFill>
+                      <a:prstDash val="solid"/>
+                      <a:round/>
+                      <a:headEnd type="none" w="med" len="med"/>
+                      <a:tailEnd type="none" w="med" len="med"/>
+                    </a:lnB>
+                    <a:solidFill>
+                      <a:srgbClr val="FFFFFF"/>
+                    </a:solidFill>
+                  </a:tcPr>
+                </a:tc>
+                <a:tc>
+                  <a:txBody>
+                    <a:bodyPr/>
+                    <a:lstStyle/>
+                    <a:p>
+                      <a:pPr marL="0" indent="0">
+                        <a:buNone/>
+                      </a:pPr>
+                      <a:r>
+                        <a:rPr lang="en-US" sz="900" dirty="0">
+                          <a:solidFill>
+                            <a:srgbClr val="000000"/>
+                          </a:solidFill>
+                        </a:rPr>
+                        <a:t>Yes</a:t>
+                      </a:r>
+                      <a:endParaRPr lang="en-US" sz="900" dirty="0"/>
+                    </a:p>
+                  </a:txBody>
+                  <a:tcPr>
+                    <a:lnL w="6350" cap="flat" cmpd="sng" algn="ctr">
+                      <a:solidFill>
+                        <a:srgbClr val="E5E7EB"/>
+                      </a:solidFill>
+                      <a:prstDash val="solid"/>
+                      <a:round/>
+                      <a:headEnd type="none" w="med" len="med"/>
+                      <a:tailEnd type="none" w="med" len="med"/>
+                    </a:lnL>
+                    <a:lnR w="6350" cap="flat" cmpd="sng" algn="ctr">
+                      <a:solidFill>
+                        <a:srgbClr val="E5E7EB"/>
+                      </a:solidFill>
+                      <a:prstDash val="solid"/>
+                      <a:round/>
+                      <a:headEnd type="none" w="med" len="med"/>
+                      <a:tailEnd type="none" w="med" len="med"/>
+                    </a:lnR>
+                    <a:lnT w="6350" cap="flat" cmpd="sng" algn="ctr">
+                      <a:solidFill>
+                        <a:srgbClr val="E5E7EB"/>
+                      </a:solidFill>
+                      <a:prstDash val="solid"/>
+                      <a:round/>
+                      <a:headEnd type="none" w="med" len="med"/>
+                      <a:tailEnd type="none" w="med" len="med"/>
+                    </a:lnT>
+                    <a:lnB w="6350" cap="flat" cmpd="sng" algn="ctr">
+                      <a:solidFill>
+                        <a:srgbClr val="E5E7EB"/>
+                      </a:solidFill>
+                      <a:prstDash val="solid"/>
+                      <a:round/>
+                      <a:headEnd type="none" w="med" len="med"/>
+                      <a:tailEnd type="none" w="med" len="med"/>
+                    </a:lnB>
+                    <a:solidFill>
+                      <a:srgbClr val="FFFFFF"/>
+                    </a:solidFill>
+                  </a:tcPr>
+                </a:tc>
+                <a:extLst>
+                  <a:ext uri="{0D108BD9-81ED-4DB2-BD59-A6C34878D82A}">
+                    <a16:rowId xmlns:a16="http://schemas.microsoft.com/office/drawing/2014/main" val="10003"/>
+                  </a:ext>
+                </a:extLst>
+              </a:tr>
+              <a:tr h="187452">
+                <a:tc>
+                  <a:txBody>
+                    <a:bodyPr/>
+                    <a:lstStyle/>
+                    <a:p>
+                      <a:pPr marL="0" indent="0">
+                        <a:buNone/>
+                      </a:pPr>
+                      <a:r>
+                        <a:rPr lang="en-US" sz="900" dirty="0">
+                          <a:solidFill>
+                            <a:srgbClr val="000000"/>
+                          </a:solidFill>
+                        </a:rPr>
+                        <a:t>DMC, DC</a:t>
+                      </a:r>
+                      <a:endParaRPr lang="en-US" sz="900" dirty="0"/>
+                    </a:p>
+                  </a:txBody>
+                  <a:tcPr>
+                    <a:lnL w="6350" cap="flat" cmpd="sng" algn="ctr">
+                      <a:solidFill>
+                        <a:srgbClr val="E5E7EB"/>
+                      </a:solidFill>
+                      <a:prstDash val="solid"/>
+                      <a:round/>
+                      <a:headEnd type="none" w="med" len="med"/>
+                      <a:tailEnd type="none" w="med" len="med"/>
+                    </a:lnL>
+                    <a:lnR w="6350" cap="flat" cmpd="sng" algn="ctr">
+                      <a:solidFill>
+                        <a:srgbClr val="E5E7EB"/>
+                      </a:solidFill>
+                      <a:prstDash val="solid"/>
+                      <a:round/>
+                      <a:headEnd type="none" w="med" len="med"/>
+                      <a:tailEnd type="none" w="med" len="med"/>
+                    </a:lnR>
+                    <a:lnT w="6350" cap="flat" cmpd="sng" algn="ctr">
+                      <a:solidFill>
+                        <a:srgbClr val="E5E7EB"/>
+                      </a:solidFill>
+                      <a:prstDash val="solid"/>
+                      <a:round/>
+                      <a:headEnd type="none" w="med" len="med"/>
+                      <a:tailEnd type="none" w="med" len="med"/>
+                    </a:lnT>
+                    <a:lnB w="6350" cap="flat" cmpd="sng" algn="ctr">
+                      <a:solidFill>
+                        <a:srgbClr val="E5E7EB"/>
+                      </a:solidFill>
+                      <a:prstDash val="solid"/>
+                      <a:round/>
+                      <a:headEnd type="none" w="med" len="med"/>
+                      <a:tailEnd type="none" w="med" len="med"/>
+                    </a:lnB>
+                    <a:solidFill>
+                      <a:srgbClr val="FFFFFF"/>
+                    </a:solidFill>
+                  </a:tcPr>
+                </a:tc>
+                <a:tc>
+                  <a:txBody>
+                    <a:bodyPr/>
+                    <a:lstStyle/>
+                    <a:p>
+                      <a:pPr marL="0" indent="0">
+                        <a:buNone/>
+                      </a:pPr>
+                      <a:r>
+                        <a:rPr lang="en-US" sz="900" dirty="0">
+                          <a:solidFill>
+                            <a:srgbClr val="000000"/>
+                          </a:solidFill>
+                        </a:rPr>
+                        <a:t>Numeric (Continuous)</a:t>
+                      </a:r>
+                      <a:endParaRPr lang="en-US" sz="900" dirty="0"/>
+                    </a:p>
+                  </a:txBody>
+                  <a:tcPr>
+                    <a:lnL w="6350" cap="flat" cmpd="sng" algn="ctr">
+                      <a:solidFill>
+                        <a:srgbClr val="E5E7EB"/>
+                      </a:solidFill>
+                      <a:prstDash val="solid"/>
+                      <a:round/>
+                      <a:headEnd type="none" w="med" len="med"/>
+                      <a:tailEnd type="none" w="med" len="med"/>
+                    </a:lnL>
+                    <a:lnR w="6350" cap="flat" cmpd="sng" algn="ctr">
+                      <a:solidFill>
+                        <a:srgbClr val="E5E7EB"/>
+                      </a:solidFill>
+                      <a:prstDash val="solid"/>
+                      <a:round/>
+                      <a:headEnd type="none" w="med" len="med"/>
+                      <a:tailEnd type="none" w="med" len="med"/>
+                    </a:lnR>
+                    <a:lnT w="6350" cap="flat" cmpd="sng" algn="ctr">
+                      <a:solidFill>
+                        <a:srgbClr val="E5E7EB"/>
+                      </a:solidFill>
+                      <a:prstDash val="solid"/>
+                      <a:round/>
+                      <a:headEnd type="none" w="med" len="med"/>
+                      <a:tailEnd type="none" w="med" len="med"/>
+                    </a:lnT>
+                    <a:lnB w="6350" cap="flat" cmpd="sng" algn="ctr">
+                      <a:solidFill>
+                        <a:srgbClr val="E5E7EB"/>
+                      </a:solidFill>
+                      <a:prstDash val="solid"/>
+                      <a:round/>
+                      <a:headEnd type="none" w="med" len="med"/>
+                      <a:tailEnd type="none" w="med" len="med"/>
+                    </a:lnB>
+                    <a:solidFill>
+                      <a:srgbClr val="FFFFFF"/>
+                    </a:solidFill>
+                  </a:tcPr>
+                </a:tc>
+                <a:tc>
+                  <a:txBody>
+                    <a:bodyPr/>
+                    <a:lstStyle/>
+                    <a:p>
+                      <a:pPr marL="0" indent="0">
+                        <a:buNone/>
+                      </a:pPr>
+                      <a:r>
+                        <a:rPr lang="en-US" sz="900" dirty="0">
+                          <a:solidFill>
+                            <a:srgbClr val="000000"/>
+                          </a:solidFill>
+                        </a:rPr>
+                        <a:t>Yes</a:t>
+                      </a:r>
+                      <a:endParaRPr lang="en-US" sz="900" dirty="0"/>
+                    </a:p>
+                  </a:txBody>
+                  <a:tcPr>
+                    <a:lnL w="6350" cap="flat" cmpd="sng" algn="ctr">
+                      <a:solidFill>
+                        <a:srgbClr val="E5E7EB"/>
+                      </a:solidFill>
+                      <a:prstDash val="solid"/>
+                      <a:round/>
+                      <a:headEnd type="none" w="med" len="med"/>
+                      <a:tailEnd type="none" w="med" len="med"/>
+                    </a:lnL>
+                    <a:lnR w="6350" cap="flat" cmpd="sng" algn="ctr">
+                      <a:solidFill>
+                        <a:srgbClr val="E5E7EB"/>
+                      </a:solidFill>
+                      <a:prstDash val="solid"/>
+                      <a:round/>
+                      <a:headEnd type="none" w="med" len="med"/>
+                      <a:tailEnd type="none" w="med" len="med"/>
+                    </a:lnR>
+                    <a:lnT w="6350" cap="flat" cmpd="sng" algn="ctr">
+                      <a:solidFill>
+                        <a:srgbClr val="E5E7EB"/>
+                      </a:solidFill>
+                      <a:prstDash val="solid"/>
+                      <a:round/>
+                      <a:headEnd type="none" w="med" len="med"/>
+                      <a:tailEnd type="none" w="med" len="med"/>
+                    </a:lnT>
+                    <a:lnB w="6350" cap="flat" cmpd="sng" algn="ctr">
+                      <a:solidFill>
+                        <a:srgbClr val="E5E7EB"/>
+                      </a:solidFill>
+                      <a:prstDash val="solid"/>
+                      <a:round/>
+                      <a:headEnd type="none" w="med" len="med"/>
+                      <a:tailEnd type="none" w="med" len="med"/>
+                    </a:lnB>
+                    <a:solidFill>
+                      <a:srgbClr val="FFFFFF"/>
+                    </a:solidFill>
+                  </a:tcPr>
+                </a:tc>
+                <a:extLst>
+                  <a:ext uri="{0D108BD9-81ED-4DB2-BD59-A6C34878D82A}">
+                    <a16:rowId xmlns:a16="http://schemas.microsoft.com/office/drawing/2014/main" val="10004"/>
+                  </a:ext>
+                </a:extLst>
+              </a:tr>
+              <a:tr h="187452">
+                <a:tc>
+                  <a:txBody>
+                    <a:bodyPr/>
+                    <a:lstStyle/>
+                    <a:p>
+                      <a:pPr marL="0" indent="0">
+                        <a:buNone/>
+                      </a:pPr>
+                      <a:r>
+                        <a:rPr lang="en-US" sz="900" dirty="0">
+                          <a:solidFill>
+                            <a:srgbClr val="000000"/>
+                          </a:solidFill>
+                        </a:rPr>
+                        <a:t>ISI</a:t>
+                      </a:r>
+                      <a:endParaRPr lang="en-US" sz="900" dirty="0"/>
+                    </a:p>
+                  </a:txBody>
+                  <a:tcPr>
+                    <a:lnL w="6350" cap="flat" cmpd="sng" algn="ctr">
+                      <a:solidFill>
+                        <a:srgbClr val="E5E7EB"/>
+                      </a:solidFill>
+                      <a:prstDash val="solid"/>
+                      <a:round/>
+                      <a:headEnd type="none" w="med" len="med"/>
+                      <a:tailEnd type="none" w="med" len="med"/>
+                    </a:lnL>
+                    <a:lnR w="6350" cap="flat" cmpd="sng" algn="ctr">
+                      <a:solidFill>
+                        <a:srgbClr val="E5E7EB"/>
+                      </a:solidFill>
+                      <a:prstDash val="solid"/>
+                      <a:round/>
+                      <a:headEnd type="none" w="med" len="med"/>
+                      <a:tailEnd type="none" w="med" len="med"/>
+                    </a:lnR>
+                    <a:lnT w="6350" cap="flat" cmpd="sng" algn="ctr">
+                      <a:solidFill>
+                        <a:srgbClr val="E5E7EB"/>
+                      </a:solidFill>
+                      <a:prstDash val="solid"/>
+                      <a:round/>
+                      <a:headEnd type="none" w="med" len="med"/>
+                      <a:tailEnd type="none" w="med" len="med"/>
+                    </a:lnT>
+                    <a:lnB w="6350" cap="flat" cmpd="sng" algn="ctr">
+                      <a:solidFill>
+                        <a:srgbClr val="E5E7EB"/>
+                      </a:solidFill>
+                      <a:prstDash val="solid"/>
+                      <a:round/>
+                      <a:headEnd type="none" w="med" len="med"/>
+                      <a:tailEnd type="none" w="med" len="med"/>
+                    </a:lnB>
+                    <a:solidFill>
+                      <a:srgbClr val="FFFFFF"/>
+                    </a:solidFill>
+                  </a:tcPr>
+                </a:tc>
+                <a:tc>
+                  <a:txBody>
+                    <a:bodyPr/>
+                    <a:lstStyle/>
+                    <a:p>
+                      <a:pPr marL="0" indent="0">
+                        <a:buNone/>
+                      </a:pPr>
+                      <a:r>
+                        <a:rPr lang="en-US" sz="900" dirty="0">
+                          <a:solidFill>
+                            <a:srgbClr val="000000"/>
+                          </a:solidFill>
+                        </a:rPr>
+                        <a:t>Numeric (Continuous)</a:t>
+                      </a:r>
+                      <a:endParaRPr lang="en-US" sz="900" dirty="0"/>
+                    </a:p>
+                  </a:txBody>
+                  <a:tcPr>
+                    <a:lnL w="6350" cap="flat" cmpd="sng" algn="ctr">
+                      <a:solidFill>
+                        <a:srgbClr val="E5E7EB"/>
+                      </a:solidFill>
+                      <a:prstDash val="solid"/>
+                      <a:round/>
+                      <a:headEnd type="none" w="med" len="med"/>
+                      <a:tailEnd type="none" w="med" len="med"/>
+                    </a:lnL>
+                    <a:lnR w="6350" cap="flat" cmpd="sng" algn="ctr">
+                      <a:solidFill>
+                        <a:srgbClr val="E5E7EB"/>
+                      </a:solidFill>
+                      <a:prstDash val="solid"/>
+                      <a:round/>
+                      <a:headEnd type="none" w="med" len="med"/>
+                      <a:tailEnd type="none" w="med" len="med"/>
+                    </a:lnR>
+                    <a:lnT w="6350" cap="flat" cmpd="sng" algn="ctr">
+                      <a:solidFill>
+                        <a:srgbClr val="E5E7EB"/>
+                      </a:solidFill>
+                      <a:prstDash val="solid"/>
+                      <a:round/>
+                      <a:headEnd type="none" w="med" len="med"/>
+                      <a:tailEnd type="none" w="med" len="med"/>
+                    </a:lnT>
+                    <a:lnB w="6350" cap="flat" cmpd="sng" algn="ctr">
+                      <a:solidFill>
+                        <a:srgbClr val="E5E7EB"/>
+                      </a:solidFill>
+                      <a:prstDash val="solid"/>
+                      <a:round/>
+                      <a:headEnd type="none" w="med" len="med"/>
+                      <a:tailEnd type="none" w="med" len="med"/>
+                    </a:lnB>
+                    <a:solidFill>
+                      <a:srgbClr val="FFFFFF"/>
+                    </a:solidFill>
+                  </a:tcPr>
+                </a:tc>
+                <a:tc>
+                  <a:txBody>
+                    <a:bodyPr/>
+                    <a:lstStyle/>
+                    <a:p>
+                      <a:pPr marL="0" indent="0">
+                        <a:buNone/>
+                      </a:pPr>
+                      <a:r>
+                        <a:rPr lang="en-US" sz="900" dirty="0">
+                          <a:solidFill>
+                            <a:srgbClr val="000000"/>
+                          </a:solidFill>
+                        </a:rPr>
+                        <a:t>Yes</a:t>
+                      </a:r>
+                      <a:endParaRPr lang="en-US" sz="900" dirty="0"/>
+                    </a:p>
+                  </a:txBody>
+                  <a:tcPr>
+                    <a:lnL w="6350" cap="flat" cmpd="sng" algn="ctr">
+                      <a:solidFill>
+                        <a:srgbClr val="E5E7EB"/>
+                      </a:solidFill>
+                      <a:prstDash val="solid"/>
+                      <a:round/>
+                      <a:headEnd type="none" w="med" len="med"/>
+                      <a:tailEnd type="none" w="med" len="med"/>
+                    </a:lnL>
+                    <a:lnR w="6350" cap="flat" cmpd="sng" algn="ctr">
+                      <a:solidFill>
+                        <a:srgbClr val="E5E7EB"/>
+                      </a:solidFill>
+                      <a:prstDash val="solid"/>
+                      <a:round/>
+                      <a:headEnd type="none" w="med" len="med"/>
+                      <a:tailEnd type="none" w="med" len="med"/>
+                    </a:lnR>
+                    <a:lnT w="6350" cap="flat" cmpd="sng" algn="ctr">
+                      <a:solidFill>
+                        <a:srgbClr val="E5E7EB"/>
+                      </a:solidFill>
+                      <a:prstDash val="solid"/>
+                      <a:round/>
+                      <a:headEnd type="none" w="med" len="med"/>
+                      <a:tailEnd type="none" w="med" len="med"/>
+                    </a:lnT>
+                    <a:lnB w="6350" cap="flat" cmpd="sng" algn="ctr">
+                      <a:solidFill>
+                        <a:srgbClr val="E5E7EB"/>
+                      </a:solidFill>
+                      <a:prstDash val="solid"/>
+                      <a:round/>
+                      <a:headEnd type="none" w="med" len="med"/>
+                      <a:tailEnd type="none" w="med" len="med"/>
+                    </a:lnB>
+                    <a:solidFill>
+                      <a:srgbClr val="FFFFFF"/>
+                    </a:solidFill>
+                  </a:tcPr>
+                </a:tc>
+                <a:extLst>
+                  <a:ext uri="{0D108BD9-81ED-4DB2-BD59-A6C34878D82A}">
+                    <a16:rowId xmlns:a16="http://schemas.microsoft.com/office/drawing/2014/main" val="10005"/>
+                  </a:ext>
+                </a:extLst>
+              </a:tr>
+              <a:tr h="187452">
+                <a:tc>
+                  <a:txBody>
+                    <a:bodyPr/>
+                    <a:lstStyle/>
+                    <a:p>
+                      <a:pPr marL="0" indent="0">
+                        <a:buNone/>
+                      </a:pPr>
+                      <a:r>
+                        <a:rPr lang="en-US" sz="900" dirty="0">
+                          <a:solidFill>
+                            <a:srgbClr val="000000"/>
+                          </a:solidFill>
+                        </a:rPr>
+                        <a:t>temp</a:t>
+                      </a:r>
+                      <a:endParaRPr lang="en-US" sz="900" dirty="0"/>
+                    </a:p>
+                  </a:txBody>
+                  <a:tcPr>
+                    <a:lnL w="6350" cap="flat" cmpd="sng" algn="ctr">
+                      <a:solidFill>
+                        <a:srgbClr val="E5E7EB"/>
+                      </a:solidFill>
+                      <a:prstDash val="solid"/>
+                      <a:round/>
+                      <a:headEnd type="none" w="med" len="med"/>
+                      <a:tailEnd type="none" w="med" len="med"/>
+                    </a:lnL>
+                    <a:lnR w="6350" cap="flat" cmpd="sng" algn="ctr">
+                      <a:solidFill>
+                        <a:srgbClr val="E5E7EB"/>
+                      </a:solidFill>
+                      <a:prstDash val="solid"/>
+                      <a:round/>
+                      <a:headEnd type="none" w="med" len="med"/>
+                      <a:tailEnd type="none" w="med" len="med"/>
+                    </a:lnR>
+                    <a:lnT w="6350" cap="flat" cmpd="sng" algn="ctr">
+                      <a:solidFill>
+                        <a:srgbClr val="E5E7EB"/>
+                      </a:solidFill>
+                      <a:prstDash val="solid"/>
+                      <a:round/>
+                      <a:headEnd type="none" w="med" len="med"/>
+                      <a:tailEnd type="none" w="med" len="med"/>
+                    </a:lnT>
+                    <a:lnB w="6350" cap="flat" cmpd="sng" algn="ctr">
+                      <a:solidFill>
+                        <a:srgbClr val="E5E7EB"/>
+                      </a:solidFill>
+                      <a:prstDash val="solid"/>
+                      <a:round/>
+                      <a:headEnd type="none" w="med" len="med"/>
+                      <a:tailEnd type="none" w="med" len="med"/>
+                    </a:lnB>
+                    <a:solidFill>
+                      <a:srgbClr val="FFFFFF"/>
+                    </a:solidFill>
+                  </a:tcPr>
+                </a:tc>
+                <a:tc>
+                  <a:txBody>
+                    <a:bodyPr/>
+                    <a:lstStyle/>
+                    <a:p>
+                      <a:pPr marL="0" indent="0">
+                        <a:buNone/>
+                      </a:pPr>
+                      <a:r>
+                        <a:rPr lang="en-US" sz="900" dirty="0">
+                          <a:solidFill>
+                            <a:srgbClr val="000000"/>
+                          </a:solidFill>
+                        </a:rPr>
+                        <a:t>Numeric (Continuous)</a:t>
+                      </a:r>
+                      <a:endParaRPr lang="en-US" sz="900" dirty="0"/>
+                    </a:p>
+                  </a:txBody>
+                  <a:tcPr>
+                    <a:lnL w="6350" cap="flat" cmpd="sng" algn="ctr">
+                      <a:solidFill>
+                        <a:srgbClr val="E5E7EB"/>
+                      </a:solidFill>
+                      <a:prstDash val="solid"/>
+                      <a:round/>
+                      <a:headEnd type="none" w="med" len="med"/>
+                      <a:tailEnd type="none" w="med" len="med"/>
+                    </a:lnL>
+                    <a:lnR w="6350" cap="flat" cmpd="sng" algn="ctr">
+                      <a:solidFill>
+                        <a:srgbClr val="E5E7EB"/>
+                      </a:solidFill>
+                      <a:prstDash val="solid"/>
+                      <a:round/>
+                      <a:headEnd type="none" w="med" len="med"/>
+                      <a:tailEnd type="none" w="med" len="med"/>
+                    </a:lnR>
+                    <a:lnT w="6350" cap="flat" cmpd="sng" algn="ctr">
+                      <a:solidFill>
+                        <a:srgbClr val="E5E7EB"/>
+                      </a:solidFill>
+                      <a:prstDash val="solid"/>
+                      <a:round/>
+                      <a:headEnd type="none" w="med" len="med"/>
+                      <a:tailEnd type="none" w="med" len="med"/>
+                    </a:lnT>
+                    <a:lnB w="6350" cap="flat" cmpd="sng" algn="ctr">
+                      <a:solidFill>
+                        <a:srgbClr val="E5E7EB"/>
+                      </a:solidFill>
+                      <a:prstDash val="solid"/>
+                      <a:round/>
+                      <a:headEnd type="none" w="med" len="med"/>
+                      <a:tailEnd type="none" w="med" len="med"/>
+                    </a:lnB>
+                    <a:solidFill>
+                      <a:srgbClr val="FFFFFF"/>
+                    </a:solidFill>
+                  </a:tcPr>
+                </a:tc>
+                <a:tc>
+                  <a:txBody>
+                    <a:bodyPr/>
+                    <a:lstStyle/>
+                    <a:p>
+                      <a:pPr marL="0" indent="0">
+                        <a:buNone/>
+                      </a:pPr>
+                      <a:r>
+                        <a:rPr lang="en-US" sz="900" dirty="0">
+                          <a:solidFill>
+                            <a:srgbClr val="000000"/>
+                          </a:solidFill>
+                        </a:rPr>
+                        <a:t>Yes</a:t>
+                      </a:r>
+                      <a:endParaRPr lang="en-US" sz="900" dirty="0"/>
+                    </a:p>
+                  </a:txBody>
+                  <a:tcPr>
+                    <a:lnL w="6350" cap="flat" cmpd="sng" algn="ctr">
+                      <a:solidFill>
+                        <a:srgbClr val="E5E7EB"/>
+                      </a:solidFill>
+                      <a:prstDash val="solid"/>
+                      <a:round/>
+                      <a:headEnd type="none" w="med" len="med"/>
+                      <a:tailEnd type="none" w="med" len="med"/>
+                    </a:lnL>
+                    <a:lnR w="6350" cap="flat" cmpd="sng" algn="ctr">
+                      <a:solidFill>
+                        <a:srgbClr val="E5E7EB"/>
+                      </a:solidFill>
+                      <a:prstDash val="solid"/>
+                      <a:round/>
+                      <a:headEnd type="none" w="med" len="med"/>
+                      <a:tailEnd type="none" w="med" len="med"/>
+                    </a:lnR>
+                    <a:lnT w="6350" cap="flat" cmpd="sng" algn="ctr">
+                      <a:solidFill>
+                        <a:srgbClr val="E5E7EB"/>
+                      </a:solidFill>
+                      <a:prstDash val="solid"/>
+                      <a:round/>
+                      <a:headEnd type="none" w="med" len="med"/>
+                      <a:tailEnd type="none" w="med" len="med"/>
+                    </a:lnT>
+                    <a:lnB w="6350" cap="flat" cmpd="sng" algn="ctr">
+                      <a:solidFill>
+                        <a:srgbClr val="E5E7EB"/>
+                      </a:solidFill>
+                      <a:prstDash val="solid"/>
+                      <a:round/>
+                      <a:headEnd type="none" w="med" len="med"/>
+                      <a:tailEnd type="none" w="med" len="med"/>
+                    </a:lnB>
+                    <a:solidFill>
+                      <a:srgbClr val="FFFFFF"/>
+                    </a:solidFill>
+                  </a:tcPr>
+                </a:tc>
+                <a:extLst>
+                  <a:ext uri="{0D108BD9-81ED-4DB2-BD59-A6C34878D82A}">
+                    <a16:rowId xmlns:a16="http://schemas.microsoft.com/office/drawing/2014/main" val="10006"/>
+                  </a:ext>
+                </a:extLst>
+              </a:tr>
+              <a:tr h="187452">
+                <a:tc>
+                  <a:txBody>
+                    <a:bodyPr/>
+                    <a:lstStyle/>
+                    <a:p>
+                      <a:pPr marL="0" indent="0">
+                        <a:buNone/>
+                      </a:pPr>
+                      <a:r>
+                        <a:rPr lang="en-US" sz="900" dirty="0">
+                          <a:solidFill>
+                            <a:srgbClr val="000000"/>
+                          </a:solidFill>
+                        </a:rPr>
+                        <a:t>RH</a:t>
+                      </a:r>
+                      <a:endParaRPr lang="en-US" sz="900" dirty="0"/>
+                    </a:p>
+                  </a:txBody>
+                  <a:tcPr>
+                    <a:lnL w="6350" cap="flat" cmpd="sng" algn="ctr">
+                      <a:solidFill>
+                        <a:srgbClr val="E5E7EB"/>
+                      </a:solidFill>
+                      <a:prstDash val="solid"/>
+                      <a:round/>
+                      <a:headEnd type="none" w="med" len="med"/>
+                      <a:tailEnd type="none" w="med" len="med"/>
+                    </a:lnL>
+                    <a:lnR w="6350" cap="flat" cmpd="sng" algn="ctr">
+                      <a:solidFill>
+                        <a:srgbClr val="E5E7EB"/>
+                      </a:solidFill>
+                      <a:prstDash val="solid"/>
+                      <a:round/>
+                      <a:headEnd type="none" w="med" len="med"/>
+                      <a:tailEnd type="none" w="med" len="med"/>
+                    </a:lnR>
+                    <a:lnT w="6350" cap="flat" cmpd="sng" algn="ctr">
+                      <a:solidFill>
+                        <a:srgbClr val="E5E7EB"/>
+                      </a:solidFill>
+                      <a:prstDash val="solid"/>
+                      <a:round/>
+                      <a:headEnd type="none" w="med" len="med"/>
+                      <a:tailEnd type="none" w="med" len="med"/>
+                    </a:lnT>
+                    <a:lnB w="6350" cap="flat" cmpd="sng" algn="ctr">
+                      <a:solidFill>
+                        <a:srgbClr val="E5E7EB"/>
+                      </a:solidFill>
+                      <a:prstDash val="solid"/>
+                      <a:round/>
+                      <a:headEnd type="none" w="med" len="med"/>
+                      <a:tailEnd type="none" w="med" len="med"/>
+                    </a:lnB>
+                    <a:solidFill>
+                      <a:srgbClr val="FFFFFF"/>
+                    </a:solidFill>
+                  </a:tcPr>
+                </a:tc>
+                <a:tc>
+                  <a:txBody>
+                    <a:bodyPr/>
+                    <a:lstStyle/>
+                    <a:p>
+                      <a:pPr marL="0" indent="0">
+                        <a:buNone/>
+                      </a:pPr>
+                      <a:r>
+                        <a:rPr lang="en-US" sz="900" dirty="0">
+                          <a:solidFill>
+                            <a:srgbClr val="000000"/>
+                          </a:solidFill>
+                        </a:rPr>
+                        <a:t>Numeric (Discrete)</a:t>
+                      </a:r>
+                      <a:endParaRPr lang="en-US" sz="900" dirty="0"/>
+                    </a:p>
+                  </a:txBody>
+                  <a:tcPr>
+                    <a:lnL w="6350" cap="flat" cmpd="sng" algn="ctr">
+                      <a:solidFill>
+                        <a:srgbClr val="E5E7EB"/>
+                      </a:solidFill>
+                      <a:prstDash val="solid"/>
+                      <a:round/>
+                      <a:headEnd type="none" w="med" len="med"/>
+                      <a:tailEnd type="none" w="med" len="med"/>
+                    </a:lnL>
+                    <a:lnR w="6350" cap="flat" cmpd="sng" algn="ctr">
+                      <a:solidFill>
+                        <a:srgbClr val="E5E7EB"/>
+                      </a:solidFill>
+                      <a:prstDash val="solid"/>
+                      <a:round/>
+                      <a:headEnd type="none" w="med" len="med"/>
+                      <a:tailEnd type="none" w="med" len="med"/>
+                    </a:lnR>
+                    <a:lnT w="6350" cap="flat" cmpd="sng" algn="ctr">
+                      <a:solidFill>
+                        <a:srgbClr val="E5E7EB"/>
+                      </a:solidFill>
+                      <a:prstDash val="solid"/>
+                      <a:round/>
+                      <a:headEnd type="none" w="med" len="med"/>
+                      <a:tailEnd type="none" w="med" len="med"/>
+                    </a:lnT>
+                    <a:lnB w="6350" cap="flat" cmpd="sng" algn="ctr">
+                      <a:solidFill>
+                        <a:srgbClr val="E5E7EB"/>
+                      </a:solidFill>
+                      <a:prstDash val="solid"/>
+                      <a:round/>
+                      <a:headEnd type="none" w="med" len="med"/>
+                      <a:tailEnd type="none" w="med" len="med"/>
+                    </a:lnB>
+                    <a:solidFill>
+                      <a:srgbClr val="FFFFFF"/>
+                    </a:solidFill>
+                  </a:tcPr>
+                </a:tc>
+                <a:tc>
+                  <a:txBody>
+                    <a:bodyPr/>
+                    <a:lstStyle/>
+                    <a:p>
+                      <a:pPr marL="0" indent="0">
+                        <a:buNone/>
+                      </a:pPr>
+                      <a:r>
+                        <a:rPr lang="en-US" sz="900" dirty="0">
+                          <a:solidFill>
+                            <a:srgbClr val="000000"/>
+                          </a:solidFill>
+                        </a:rPr>
+                        <a:t>Yes</a:t>
+                      </a:r>
+                      <a:endParaRPr lang="en-US" sz="900" dirty="0"/>
+                    </a:p>
+                  </a:txBody>
+                  <a:tcPr>
+                    <a:lnL w="6350" cap="flat" cmpd="sng" algn="ctr">
+                      <a:solidFill>
+                        <a:srgbClr val="E5E7EB"/>
+                      </a:solidFill>
+                      <a:prstDash val="solid"/>
+                      <a:round/>
+                      <a:headEnd type="none" w="med" len="med"/>
+                      <a:tailEnd type="none" w="med" len="med"/>
+                    </a:lnL>
+                    <a:lnR w="6350" cap="flat" cmpd="sng" algn="ctr">
+                      <a:solidFill>
+                        <a:srgbClr val="E5E7EB"/>
+                      </a:solidFill>
+                      <a:prstDash val="solid"/>
+                      <a:round/>
+                      <a:headEnd type="none" w="med" len="med"/>
+                      <a:tailEnd type="none" w="med" len="med"/>
+                    </a:lnR>
+                    <a:lnT w="6350" cap="flat" cmpd="sng" algn="ctr">
+                      <a:solidFill>
+                        <a:srgbClr val="E5E7EB"/>
+                      </a:solidFill>
+                      <a:prstDash val="solid"/>
+                      <a:round/>
+                      <a:headEnd type="none" w="med" len="med"/>
+                      <a:tailEnd type="none" w="med" len="med"/>
+                    </a:lnT>
+                    <a:lnB w="6350" cap="flat" cmpd="sng" algn="ctr">
+                      <a:solidFill>
+                        <a:srgbClr val="E5E7EB"/>
+                      </a:solidFill>
+                      <a:prstDash val="solid"/>
+                      <a:round/>
+                      <a:headEnd type="none" w="med" len="med"/>
+                      <a:tailEnd type="none" w="med" len="med"/>
+                    </a:lnB>
+                    <a:solidFill>
+                      <a:srgbClr val="FFFFFF"/>
+                    </a:solidFill>
+                  </a:tcPr>
+                </a:tc>
+                <a:extLst>
+                  <a:ext uri="{0D108BD9-81ED-4DB2-BD59-A6C34878D82A}">
+                    <a16:rowId xmlns:a16="http://schemas.microsoft.com/office/drawing/2014/main" val="10007"/>
+                  </a:ext>
+                </a:extLst>
+              </a:tr>
+              <a:tr h="187452">
+                <a:tc>
+                  <a:txBody>
+                    <a:bodyPr/>
+                    <a:lstStyle/>
+                    <a:p>
+                      <a:pPr marL="0" indent="0">
+                        <a:buNone/>
+                      </a:pPr>
+                      <a:r>
+                        <a:rPr lang="en-US" sz="900" dirty="0">
+                          <a:solidFill>
+                            <a:srgbClr val="000000"/>
+                          </a:solidFill>
+                        </a:rPr>
+                        <a:t>wind, rain</a:t>
+                      </a:r>
+                      <a:endParaRPr lang="en-US" sz="900" dirty="0"/>
+                    </a:p>
+                  </a:txBody>
+                  <a:tcPr>
+                    <a:lnL w="6350" cap="flat" cmpd="sng" algn="ctr">
+                      <a:solidFill>
+                        <a:srgbClr val="E5E7EB"/>
+                      </a:solidFill>
+                      <a:prstDash val="solid"/>
+                      <a:round/>
+                      <a:headEnd type="none" w="med" len="med"/>
+                      <a:tailEnd type="none" w="med" len="med"/>
+                    </a:lnL>
+                    <a:lnR w="6350" cap="flat" cmpd="sng" algn="ctr">
+                      <a:solidFill>
+                        <a:srgbClr val="E5E7EB"/>
+                      </a:solidFill>
+                      <a:prstDash val="solid"/>
+                      <a:round/>
+                      <a:headEnd type="none" w="med" len="med"/>
+                      <a:tailEnd type="none" w="med" len="med"/>
+                    </a:lnR>
+                    <a:lnT w="6350" cap="flat" cmpd="sng" algn="ctr">
+                      <a:solidFill>
+                        <a:srgbClr val="E5E7EB"/>
+                      </a:solidFill>
+                      <a:prstDash val="solid"/>
+                      <a:round/>
+                      <a:headEnd type="none" w="med" len="med"/>
+                      <a:tailEnd type="none" w="med" len="med"/>
+                    </a:lnT>
+                    <a:lnB w="6350" cap="flat" cmpd="sng" algn="ctr">
+                      <a:solidFill>
+                        <a:srgbClr val="E5E7EB"/>
+                      </a:solidFill>
+                      <a:prstDash val="solid"/>
+                      <a:round/>
+                      <a:headEnd type="none" w="med" len="med"/>
+                      <a:tailEnd type="none" w="med" len="med"/>
+                    </a:lnB>
+                    <a:solidFill>
+                      <a:srgbClr val="FFFFFF"/>
+                    </a:solidFill>
+                  </a:tcPr>
+                </a:tc>
+                <a:tc>
+                  <a:txBody>
+                    <a:bodyPr/>
+                    <a:lstStyle/>
+                    <a:p>
+                      <a:pPr marL="0" indent="0">
+                        <a:buNone/>
+                      </a:pPr>
+                      <a:r>
+                        <a:rPr lang="en-US" sz="900" dirty="0">
+                          <a:solidFill>
+                            <a:srgbClr val="000000"/>
+                          </a:solidFill>
+                        </a:rPr>
+                        <a:t>Numeric (Continuous)</a:t>
+                      </a:r>
+                      <a:endParaRPr lang="en-US" sz="900" dirty="0"/>
+                    </a:p>
+                  </a:txBody>
+                  <a:tcPr>
+                    <a:lnL w="6350" cap="flat" cmpd="sng" algn="ctr">
+                      <a:solidFill>
+                        <a:srgbClr val="E5E7EB"/>
+                      </a:solidFill>
+                      <a:prstDash val="solid"/>
+                      <a:round/>
+                      <a:headEnd type="none" w="med" len="med"/>
+                      <a:tailEnd type="none" w="med" len="med"/>
+                    </a:lnL>
+                    <a:lnR w="6350" cap="flat" cmpd="sng" algn="ctr">
+                      <a:solidFill>
+                        <a:srgbClr val="E5E7EB"/>
+                      </a:solidFill>
+                      <a:prstDash val="solid"/>
+                      <a:round/>
+                      <a:headEnd type="none" w="med" len="med"/>
+                      <a:tailEnd type="none" w="med" len="med"/>
+                    </a:lnR>
+                    <a:lnT w="6350" cap="flat" cmpd="sng" algn="ctr">
+                      <a:solidFill>
+                        <a:srgbClr val="E5E7EB"/>
+                      </a:solidFill>
+                      <a:prstDash val="solid"/>
+                      <a:round/>
+                      <a:headEnd type="none" w="med" len="med"/>
+                      <a:tailEnd type="none" w="med" len="med"/>
+                    </a:lnT>
+                    <a:lnB w="6350" cap="flat" cmpd="sng" algn="ctr">
+                      <a:solidFill>
+                        <a:srgbClr val="E5E7EB"/>
+                      </a:solidFill>
+                      <a:prstDash val="solid"/>
+                      <a:round/>
+                      <a:headEnd type="none" w="med" len="med"/>
+                      <a:tailEnd type="none" w="med" len="med"/>
+                    </a:lnB>
+                    <a:solidFill>
+                      <a:srgbClr val="FFFFFF"/>
+                    </a:solidFill>
+                  </a:tcPr>
+                </a:tc>
+                <a:tc>
+                  <a:txBody>
+                    <a:bodyPr/>
+                    <a:lstStyle/>
+                    <a:p>
+                      <a:pPr marL="0" indent="0">
+                        <a:buNone/>
+                      </a:pPr>
+                      <a:r>
+                        <a:rPr lang="en-US" sz="900" dirty="0">
+                          <a:solidFill>
+                            <a:srgbClr val="000000"/>
+                          </a:solidFill>
+                        </a:rPr>
+                        <a:t>Yes</a:t>
+                      </a:r>
+                      <a:endParaRPr lang="en-US" sz="900" dirty="0"/>
+                    </a:p>
+                  </a:txBody>
+                  <a:tcPr>
+                    <a:lnL w="6350" cap="flat" cmpd="sng" algn="ctr">
+                      <a:solidFill>
+                        <a:srgbClr val="E5E7EB"/>
+                      </a:solidFill>
+                      <a:prstDash val="solid"/>
+                      <a:round/>
+                      <a:headEnd type="none" w="med" len="med"/>
+                      <a:tailEnd type="none" w="med" len="med"/>
+                    </a:lnL>
+                    <a:lnR w="6350" cap="flat" cmpd="sng" algn="ctr">
+                      <a:solidFill>
+                        <a:srgbClr val="E5E7EB"/>
+                      </a:solidFill>
+                      <a:prstDash val="solid"/>
+                      <a:round/>
+                      <a:headEnd type="none" w="med" len="med"/>
+                      <a:tailEnd type="none" w="med" len="med"/>
+                    </a:lnR>
+                    <a:lnT w="6350" cap="flat" cmpd="sng" algn="ctr">
+                      <a:solidFill>
+                        <a:srgbClr val="E5E7EB"/>
+                      </a:solidFill>
+                      <a:prstDash val="solid"/>
+                      <a:round/>
+                      <a:headEnd type="none" w="med" len="med"/>
+                      <a:tailEnd type="none" w="med" len="med"/>
+                    </a:lnT>
+                    <a:lnB w="6350" cap="flat" cmpd="sng" algn="ctr">
+                      <a:solidFill>
+                        <a:srgbClr val="E5E7EB"/>
+                      </a:solidFill>
+                      <a:prstDash val="solid"/>
+                      <a:round/>
+                      <a:headEnd type="none" w="med" len="med"/>
+                      <a:tailEnd type="none" w="med" len="med"/>
+                    </a:lnB>
+                    <a:solidFill>
+                      <a:srgbClr val="FFFFFF"/>
+                    </a:solidFill>
+                  </a:tcPr>
+                </a:tc>
+                <a:extLst>
+                  <a:ext uri="{0D108BD9-81ED-4DB2-BD59-A6C34878D82A}">
+                    <a16:rowId xmlns:a16="http://schemas.microsoft.com/office/drawing/2014/main" val="10008"/>
+                  </a:ext>
+                </a:extLst>
+              </a:tr>
+              <a:tr h="187452">
+                <a:tc>
+                  <a:txBody>
+                    <a:bodyPr/>
+                    <a:lstStyle/>
+                    <a:p>
+                      <a:pPr marL="0" indent="0">
+                        <a:buNone/>
+                      </a:pPr>
+                      <a:r>
+                        <a:rPr lang="en-US" sz="900" dirty="0">
+                          <a:solidFill>
+                            <a:srgbClr val="000000"/>
+                          </a:solidFill>
+                        </a:rPr>
+                        <a:t>area</a:t>
+                      </a:r>
+                      <a:endParaRPr lang="en-US" sz="900" dirty="0"/>
+                    </a:p>
+                  </a:txBody>
+                  <a:tcPr>
+                    <a:lnL w="6350" cap="flat" cmpd="sng" algn="ctr">
+                      <a:solidFill>
+                        <a:srgbClr val="E5E7EB"/>
+                      </a:solidFill>
+                      <a:prstDash val="solid"/>
+                      <a:round/>
+                      <a:headEnd type="none" w="med" len="med"/>
+                      <a:tailEnd type="none" w="med" len="med"/>
+                    </a:lnL>
+                    <a:lnR w="6350" cap="flat" cmpd="sng" algn="ctr">
+                      <a:solidFill>
+                        <a:srgbClr val="E5E7EB"/>
+                      </a:solidFill>
+                      <a:prstDash val="solid"/>
+                      <a:round/>
+                      <a:headEnd type="none" w="med" len="med"/>
+                      <a:tailEnd type="none" w="med" len="med"/>
+                    </a:lnR>
+                    <a:lnT w="6350" cap="flat" cmpd="sng" algn="ctr">
+                      <a:solidFill>
+                        <a:srgbClr val="E5E7EB"/>
+                      </a:solidFill>
+                      <a:prstDash val="solid"/>
+                      <a:round/>
+                      <a:headEnd type="none" w="med" len="med"/>
+                      <a:tailEnd type="none" w="med" len="med"/>
+                    </a:lnT>
+                    <a:lnB w="6350" cap="flat" cmpd="sng" algn="ctr">
+                      <a:solidFill>
+                        <a:srgbClr val="E5E7EB"/>
+                      </a:solidFill>
+                      <a:prstDash val="solid"/>
+                      <a:round/>
+                      <a:headEnd type="none" w="med" len="med"/>
+                      <a:tailEnd type="none" w="med" len="med"/>
+                    </a:lnB>
+                    <a:solidFill>
+                      <a:srgbClr val="FFFFFF"/>
+                    </a:solidFill>
+                  </a:tcPr>
+                </a:tc>
+                <a:tc>
+                  <a:txBody>
+                    <a:bodyPr/>
+                    <a:lstStyle/>
+                    <a:p>
+                      <a:pPr marL="0" indent="0">
+                        <a:buNone/>
+                      </a:pPr>
+                      <a:r>
+                        <a:rPr lang="en-US" sz="900" dirty="0">
+                          <a:solidFill>
+                            <a:srgbClr val="000000"/>
+                          </a:solidFill>
+                        </a:rPr>
+                        <a:t>Categorical</a:t>
+                      </a:r>
+                      <a:endParaRPr lang="en-US" sz="900" dirty="0"/>
+                    </a:p>
+                  </a:txBody>
+                  <a:tcPr>
+                    <a:lnL w="6350" cap="flat" cmpd="sng" algn="ctr">
+                      <a:solidFill>
+                        <a:srgbClr val="E5E7EB"/>
+                      </a:solidFill>
+                      <a:prstDash val="solid"/>
+                      <a:round/>
+                      <a:headEnd type="none" w="med" len="med"/>
+                      <a:tailEnd type="none" w="med" len="med"/>
+                    </a:lnL>
+                    <a:lnR w="6350" cap="flat" cmpd="sng" algn="ctr">
+                      <a:solidFill>
+                        <a:srgbClr val="E5E7EB"/>
+                      </a:solidFill>
+                      <a:prstDash val="solid"/>
+                      <a:round/>
+                      <a:headEnd type="none" w="med" len="med"/>
+                      <a:tailEnd type="none" w="med" len="med"/>
+                    </a:lnR>
+                    <a:lnT w="6350" cap="flat" cmpd="sng" algn="ctr">
+                      <a:solidFill>
+                        <a:srgbClr val="E5E7EB"/>
+                      </a:solidFill>
+                      <a:prstDash val="solid"/>
+                      <a:round/>
+                      <a:headEnd type="none" w="med" len="med"/>
+                      <a:tailEnd type="none" w="med" len="med"/>
+                    </a:lnT>
+                    <a:lnB w="6350" cap="flat" cmpd="sng" algn="ctr">
+                      <a:solidFill>
+                        <a:srgbClr val="E5E7EB"/>
+                      </a:solidFill>
+                      <a:prstDash val="solid"/>
+                      <a:round/>
+                      <a:headEnd type="none" w="med" len="med"/>
+                      <a:tailEnd type="none" w="med" len="med"/>
+                    </a:lnB>
+                    <a:solidFill>
+                      <a:srgbClr val="FFFFFF"/>
+                    </a:solidFill>
+                  </a:tcPr>
+                </a:tc>
+                <a:tc>
+                  <a:txBody>
+                    <a:bodyPr/>
+                    <a:lstStyle/>
+                    <a:p>
+                      <a:pPr marL="0" indent="0">
+                        <a:buNone/>
+                      </a:pPr>
+                      <a:r>
+                        <a:rPr lang="en-US" sz="900" dirty="0">
+                          <a:solidFill>
+                            <a:srgbClr val="000000"/>
+                          </a:solidFill>
+                        </a:rPr>
+                        <a:t>Target (T/F)</a:t>
+                      </a:r>
+                      <a:endParaRPr lang="en-US" sz="900" dirty="0"/>
+                    </a:p>
+                  </a:txBody>
+                  <a:tcPr>
+                    <a:lnL w="6350" cap="flat" cmpd="sng" algn="ctr">
+                      <a:solidFill>
+                        <a:srgbClr val="E5E7EB"/>
+                      </a:solidFill>
+                      <a:prstDash val="solid"/>
+                      <a:round/>
+                      <a:headEnd type="none" w="med" len="med"/>
+                      <a:tailEnd type="none" w="med" len="med"/>
+                    </a:lnL>
+                    <a:lnR w="6350" cap="flat" cmpd="sng" algn="ctr">
+                      <a:solidFill>
+                        <a:srgbClr val="E5E7EB"/>
+                      </a:solidFill>
+                      <a:prstDash val="solid"/>
+                      <a:round/>
+                      <a:headEnd type="none" w="med" len="med"/>
+                      <a:tailEnd type="none" w="med" len="med"/>
+                    </a:lnR>
+                    <a:lnT w="6350" cap="flat" cmpd="sng" algn="ctr">
+                      <a:solidFill>
+                        <a:srgbClr val="E5E7EB"/>
+                      </a:solidFill>
+                      <a:prstDash val="solid"/>
+                      <a:round/>
+                      <a:headEnd type="none" w="med" len="med"/>
+                      <a:tailEnd type="none" w="med" len="med"/>
+                    </a:lnT>
+                    <a:lnB w="6350" cap="flat" cmpd="sng" algn="ctr">
+                      <a:solidFill>
+                        <a:srgbClr val="E5E7EB"/>
+                      </a:solidFill>
+                      <a:prstDash val="solid"/>
+                      <a:round/>
+                      <a:headEnd type="none" w="med" len="med"/>
+                      <a:tailEnd type="none" w="med" len="med"/>
+                    </a:lnB>
+                    <a:solidFill>
+                      <a:srgbClr val="FFFFFF"/>
+                    </a:solidFill>
+                  </a:tcPr>
+                </a:tc>
+                <a:extLst>
+                  <a:ext uri="{0D108BD9-81ED-4DB2-BD59-A6C34878D82A}">
+                    <a16:rowId xmlns:a16="http://schemas.microsoft.com/office/drawing/2014/main" val="10009"/>
+                  </a:ext>
+                </a:extLst>
+              </a:tr>
+            </a:tbl>
+          </a:graphicData>
+        </a:graphic>
+      </p:graphicFrame>
       <p:sp>
         <p:nvSpPr>
-          <p:cNvPr id="8" name="Shape 6"/>
+          <p:cNvPr id="12" name="Shape 9"/>
           <p:cNvSpPr/>
           <p:nvPr/>
         </p:nvSpPr>
@@ -1078,10 +3008,17 @@
           </a:solidFill>
           <a:ln/>
         </p:spPr>
+        <p:txBody>
+          <a:bodyPr/>
+          <a:lstStyle/>
+          <a:p>
+            <a:endParaRPr lang="en-GB"/>
+          </a:p>
+        </p:txBody>
       </p:sp>
       <p:sp>
         <p:nvSpPr>
-          <p:cNvPr id="9" name="Text 7"/>
+          <p:cNvPr id="13" name="Text 10"/>
           <p:cNvSpPr/>
           <p:nvPr/>
         </p:nvSpPr>
@@ -1100,7 +3037,7 @@
           <a:bodyPr wrap="square" rtlCol="0" anchor="ctr"/>
           <a:lstStyle/>
           <a:p>
-            <a:pPr algn="ctr" indent="0" marL="0">
+            <a:pPr marL="0" indent="0" algn="ctr">
               <a:buNone/>
             </a:pPr>
             <a:r>
@@ -1115,9 +3052,69 @@
           </a:p>
         </p:txBody>
       </p:sp>
+      <p:pic>
+        <p:nvPicPr>
+          <p:cNvPr id="14" name="Image 0" descr="/home/claude/ffmc_before_after.png"/>
+          <p:cNvPicPr>
+            <a:picLocks noChangeAspect="1"/>
+          </p:cNvPicPr>
+          <p:nvPr/>
+        </p:nvPicPr>
+        <p:blipFill>
+          <a:blip r:embed="rId3"/>
+          <a:stretch>
+            <a:fillRect/>
+          </a:stretch>
+        </p:blipFill>
+        <p:spPr>
+          <a:xfrm>
+            <a:off x="10149840" y="1737360"/>
+            <a:ext cx="4572000" cy="1828800"/>
+          </a:xfrm>
+          <a:prstGeom prst="rect">
+            <a:avLst/>
+          </a:prstGeom>
+        </p:spPr>
+      </p:pic>
       <p:sp>
         <p:nvSpPr>
-          <p:cNvPr id="10" name="Shape 8"/>
+          <p:cNvPr id="15" name="Text 11"/>
+          <p:cNvSpPr/>
+          <p:nvPr/>
+        </p:nvSpPr>
+        <p:spPr>
+          <a:xfrm>
+            <a:off x="10149840" y="3611880"/>
+            <a:ext cx="4572000" cy="228600"/>
+          </a:xfrm>
+          <a:prstGeom prst="rect">
+            <a:avLst/>
+          </a:prstGeom>
+          <a:noFill/>
+          <a:ln/>
+        </p:spPr>
+        <p:txBody>
+          <a:bodyPr wrap="square" rtlCol="0" anchor="ctr"/>
+          <a:lstStyle/>
+          <a:p>
+            <a:pPr marL="0" indent="0">
+              <a:buNone/>
+            </a:pPr>
+            <a:r>
+              <a:rPr lang="en-US" sz="900" i="1" dirty="0">
+                <a:solidFill>
+                  <a:srgbClr val="111827"/>
+                </a:solidFill>
+              </a:rPr>
+              <a:t>Data Cleaning Operation: Replaced FFMC outlier (18.7) with median (91.6) - FFMC typically ranges 80-95 in forest fire conditions</a:t>
+            </a:r>
+            <a:endParaRPr lang="en-US" sz="900" dirty="0"/>
+          </a:p>
+        </p:txBody>
+      </p:sp>
+      <p:sp>
+        <p:nvSpPr>
+          <p:cNvPr id="16" name="Shape 12"/>
           <p:cNvSpPr/>
           <p:nvPr/>
         </p:nvSpPr>
@@ -1134,10 +3131,17 @@
           </a:solidFill>
           <a:ln/>
         </p:spPr>
+        <p:txBody>
+          <a:bodyPr/>
+          <a:lstStyle/>
+          <a:p>
+            <a:endParaRPr lang="en-GB"/>
+          </a:p>
+        </p:txBody>
       </p:sp>
       <p:sp>
         <p:nvSpPr>
-          <p:cNvPr id="11" name="Text 9"/>
+          <p:cNvPr id="17" name="Text 13"/>
           <p:cNvSpPr/>
           <p:nvPr/>
         </p:nvSpPr>
@@ -1156,7 +3160,7 @@
           <a:bodyPr wrap="square" rtlCol="0" anchor="ctr"/>
           <a:lstStyle/>
           <a:p>
-            <a:pPr algn="ctr" indent="0" marL="0">
+            <a:pPr marL="0" indent="0" algn="ctr">
               <a:buNone/>
             </a:pPr>
             <a:r>
@@ -1173,7 +3177,7 @@
       </p:sp>
       <p:sp>
         <p:nvSpPr>
-          <p:cNvPr id="12" name="Shape 10"/>
+          <p:cNvPr id="18" name="Shape 14"/>
           <p:cNvSpPr/>
           <p:nvPr/>
         </p:nvSpPr>
@@ -1190,10 +3194,17 @@
           </a:solidFill>
           <a:ln/>
         </p:spPr>
+        <p:txBody>
+          <a:bodyPr/>
+          <a:lstStyle/>
+          <a:p>
+            <a:endParaRPr lang="en-GB"/>
+          </a:p>
+        </p:txBody>
       </p:sp>
       <p:sp>
         <p:nvSpPr>
-          <p:cNvPr id="13" name="Text 11"/>
+          <p:cNvPr id="19" name="Text 15"/>
           <p:cNvSpPr/>
           <p:nvPr/>
         </p:nvSpPr>
@@ -1212,7 +3223,7 @@
           <a:bodyPr wrap="square" rtlCol="0" anchor="ctr"/>
           <a:lstStyle/>
           <a:p>
-            <a:pPr algn="ctr" indent="0" marL="0">
+            <a:pPr marL="0" indent="0" algn="ctr">
               <a:buNone/>
             </a:pPr>
             <a:r>
@@ -1229,7 +3240,7 @@
       </p:sp>
       <p:sp>
         <p:nvSpPr>
-          <p:cNvPr id="14" name="Shape 12"/>
+          <p:cNvPr id="20" name="Shape 16"/>
           <p:cNvSpPr/>
           <p:nvPr/>
         </p:nvSpPr>
@@ -1246,10 +3257,17 @@
           </a:solidFill>
           <a:ln/>
         </p:spPr>
+        <p:txBody>
+          <a:bodyPr/>
+          <a:lstStyle/>
+          <a:p>
+            <a:endParaRPr lang="en-GB"/>
+          </a:p>
+        </p:txBody>
       </p:sp>
       <p:sp>
         <p:nvSpPr>
-          <p:cNvPr id="15" name="Text 13"/>
+          <p:cNvPr id="21" name="Text 17"/>
           <p:cNvSpPr/>
           <p:nvPr/>
         </p:nvSpPr>
@@ -1268,7 +3286,7 @@
           <a:bodyPr wrap="square" rtlCol="0" anchor="ctr"/>
           <a:lstStyle/>
           <a:p>
-            <a:pPr algn="ctr" indent="0" marL="0">
+            <a:pPr marL="0" indent="0" algn="ctr">
               <a:buNone/>
             </a:pPr>
             <a:r>
@@ -1285,7 +3303,7 @@
       </p:sp>
       <p:sp>
         <p:nvSpPr>
-          <p:cNvPr id="16" name="Shape 14"/>
+          <p:cNvPr id="22" name="Shape 18"/>
           <p:cNvSpPr/>
           <p:nvPr/>
         </p:nvSpPr>
@@ -1302,10 +3320,17 @@
           </a:solidFill>
           <a:ln/>
         </p:spPr>
+        <p:txBody>
+          <a:bodyPr/>
+          <a:lstStyle/>
+          <a:p>
+            <a:endParaRPr lang="en-GB"/>
+          </a:p>
+        </p:txBody>
       </p:sp>
       <p:sp>
         <p:nvSpPr>
-          <p:cNvPr id="17" name="Text 15"/>
+          <p:cNvPr id="23" name="Text 19"/>
           <p:cNvSpPr/>
           <p:nvPr/>
         </p:nvSpPr>
@@ -1324,7 +3349,7 @@
           <a:bodyPr wrap="square" rtlCol="0" anchor="ctr"/>
           <a:lstStyle/>
           <a:p>
-            <a:pPr algn="ctr" indent="0" marL="0">
+            <a:pPr marL="0" indent="0" algn="ctr">
               <a:buNone/>
             </a:pPr>
             <a:r>
@@ -1341,7 +3366,7 @@
       </p:sp>
       <p:sp>
         <p:nvSpPr>
-          <p:cNvPr id="18" name="Text 16"/>
+          <p:cNvPr id="24" name="Text 20"/>
           <p:cNvSpPr/>
           <p:nvPr/>
         </p:nvSpPr>
@@ -1360,7 +3385,7 @@
           <a:bodyPr wrap="square" rtlCol="0" anchor="ctr"/>
           <a:lstStyle/>
           <a:p>
-            <a:pPr algn="ctr" indent="0" marL="0">
+            <a:pPr marL="0" indent="0" algn="ctr">
               <a:buNone/>
             </a:pPr>
             <a:r>
@@ -1676,4 +3701,319 @@
     </a:ext>
   </a:extLst>
 </a:theme>
+</file>
+
+<file path=ppt/theme/theme2.xml><?xml version="1.0" encoding="utf-8"?>
+<a:theme xmlns:a="http://schemas.openxmlformats.org/drawingml/2006/main" name="Office Theme">
+  <a:themeElements>
+    <a:clrScheme name="Office">
+      <a:dk1>
+        <a:sysClr val="windowText" lastClr="000000"/>
+      </a:dk1>
+      <a:lt1>
+        <a:sysClr val="window" lastClr="FFFFFF"/>
+      </a:lt1>
+      <a:dk2>
+        <a:srgbClr val="0E2841"/>
+      </a:dk2>
+      <a:lt2>
+        <a:srgbClr val="E8E8E8"/>
+      </a:lt2>
+      <a:accent1>
+        <a:srgbClr val="156082"/>
+      </a:accent1>
+      <a:accent2>
+        <a:srgbClr val="E97132"/>
+      </a:accent2>
+      <a:accent3>
+        <a:srgbClr val="196B24"/>
+      </a:accent3>
+      <a:accent4>
+        <a:srgbClr val="0F9ED5"/>
+      </a:accent4>
+      <a:accent5>
+        <a:srgbClr val="A02B93"/>
+      </a:accent5>
+      <a:accent6>
+        <a:srgbClr val="4EA72E"/>
+      </a:accent6>
+      <a:hlink>
+        <a:srgbClr val="467886"/>
+      </a:hlink>
+      <a:folHlink>
+        <a:srgbClr val="96607D"/>
+      </a:folHlink>
+    </a:clrScheme>
+    <a:fontScheme name="Office">
+      <a:majorFont>
+        <a:latin typeface="Aptos Display" panose="02110004020202020204"/>
+        <a:ea typeface=""/>
+        <a:cs typeface=""/>
+        <a:font script="Jpan" typeface="游ゴシック Light"/>
+        <a:font script="Hang" typeface="맑은 고딕"/>
+        <a:font script="Hans" typeface="等线 Light"/>
+        <a:font script="Hant" typeface="新細明體"/>
+        <a:font script="Arab" typeface="Times New Roman"/>
+        <a:font script="Hebr" typeface="Times New Roman"/>
+        <a:font script="Thai" typeface="Angsana New"/>
+        <a:font script="Ethi" typeface="Nyala"/>
+        <a:font script="Beng" typeface="Vrinda"/>
+        <a:font script="Gujr" typeface="Shruti"/>
+        <a:font script="Khmr" typeface="MoolBoran"/>
+        <a:font script="Knda" typeface="Tunga"/>
+        <a:font script="Guru" typeface="Raavi"/>
+        <a:font script="Cans" typeface="Euphemia"/>
+        <a:font script="Cher" typeface="Plantagenet Cherokee"/>
+        <a:font script="Yiii" typeface="Microsoft Yi Baiti"/>
+        <a:font script="Tibt" typeface="Microsoft Himalaya"/>
+        <a:font script="Thaa" typeface="MV Boli"/>
+        <a:font script="Deva" typeface="Mangal"/>
+        <a:font script="Telu" typeface="Gautami"/>
+        <a:font script="Taml" typeface="Latha"/>
+        <a:font script="Syrc" typeface="Estrangelo Edessa"/>
+        <a:font script="Orya" typeface="Kalinga"/>
+        <a:font script="Mlym" typeface="Kartika"/>
+        <a:font script="Laoo" typeface="DokChampa"/>
+        <a:font script="Sinh" typeface="Iskoola Pota"/>
+        <a:font script="Mong" typeface="Mongolian Baiti"/>
+        <a:font script="Viet" typeface="Times New Roman"/>
+        <a:font script="Uigh" typeface="Microsoft Uighur"/>
+        <a:font script="Geor" typeface="Sylfaen"/>
+        <a:font script="Armn" typeface="Arial"/>
+        <a:font script="Bugi" typeface="Leelawadee UI"/>
+        <a:font script="Bopo" typeface="Microsoft JhengHei"/>
+        <a:font script="Java" typeface="Javanese Text"/>
+        <a:font script="Lisu" typeface="Segoe UI"/>
+        <a:font script="Mymr" typeface="Myanmar Text"/>
+        <a:font script="Nkoo" typeface="Ebrima"/>
+        <a:font script="Olck" typeface="Nirmala UI"/>
+        <a:font script="Osma" typeface="Ebrima"/>
+        <a:font script="Phag" typeface="Phagspa"/>
+        <a:font script="Syrn" typeface="Estrangelo Edessa"/>
+        <a:font script="Syrj" typeface="Estrangelo Edessa"/>
+        <a:font script="Syre" typeface="Estrangelo Edessa"/>
+        <a:font script="Sora" typeface="Nirmala UI"/>
+        <a:font script="Tale" typeface="Microsoft Tai Le"/>
+        <a:font script="Talu" typeface="Microsoft New Tai Lue"/>
+        <a:font script="Tfng" typeface="Ebrima"/>
+      </a:majorFont>
+      <a:minorFont>
+        <a:latin typeface="Aptos" panose="02110004020202020204"/>
+        <a:ea typeface=""/>
+        <a:cs typeface=""/>
+        <a:font script="Jpan" typeface="游ゴシック"/>
+        <a:font script="Hang" typeface="맑은 고딕"/>
+        <a:font script="Hans" typeface="等线"/>
+        <a:font script="Hant" typeface="新細明體"/>
+        <a:font script="Arab" typeface="Arial"/>
+        <a:font script="Hebr" typeface="Arial"/>
+        <a:font script="Thai" typeface="Cordia New"/>
+        <a:font script="Ethi" typeface="Nyala"/>
+        <a:font script="Beng" typeface="Vrinda"/>
+        <a:font script="Gujr" typeface="Shruti"/>
+        <a:font script="Khmr" typeface="DaunPenh"/>
+        <a:font script="Knda" typeface="Tunga"/>
+        <a:font script="Guru" typeface="Raavi"/>
+        <a:font script="Cans" typeface="Euphemia"/>
+        <a:font script="Cher" typeface="Plantagenet Cherokee"/>
+        <a:font script="Yiii" typeface="Microsoft Yi Baiti"/>
+        <a:font script="Tibt" typeface="Microsoft Himalaya"/>
+        <a:font script="Thaa" typeface="MV Boli"/>
+        <a:font script="Deva" typeface="Mangal"/>
+        <a:font script="Telu" typeface="Gautami"/>
+        <a:font script="Taml" typeface="Latha"/>
+        <a:font script="Syrc" typeface="Estrangelo Edessa"/>
+        <a:font script="Orya" typeface="Kalinga"/>
+        <a:font script="Mlym" typeface="Kartika"/>
+        <a:font script="Laoo" typeface="DokChampa"/>
+        <a:font script="Sinh" typeface="Iskoola Pota"/>
+        <a:font script="Mong" typeface="Mongolian Baiti"/>
+        <a:font script="Viet" typeface="Arial"/>
+        <a:font script="Uigh" typeface="Microsoft Uighur"/>
+        <a:font script="Geor" typeface="Sylfaen"/>
+        <a:font script="Armn" typeface="Arial"/>
+        <a:font script="Bugi" typeface="Leelawadee UI"/>
+        <a:font script="Bopo" typeface="Microsoft JhengHei"/>
+        <a:font script="Java" typeface="Javanese Text"/>
+        <a:font script="Lisu" typeface="Segoe UI"/>
+        <a:font script="Mymr" typeface="Myanmar Text"/>
+        <a:font script="Nkoo" typeface="Ebrima"/>
+        <a:font script="Olck" typeface="Nirmala UI"/>
+        <a:font script="Osma" typeface="Ebrima"/>
+        <a:font script="Phag" typeface="Phagspa"/>
+        <a:font script="Syrn" typeface="Estrangelo Edessa"/>
+        <a:font script="Syrj" typeface="Estrangelo Edessa"/>
+        <a:font script="Syre" typeface="Estrangelo Edessa"/>
+        <a:font script="Sora" typeface="Nirmala UI"/>
+        <a:font script="Tale" typeface="Microsoft Tai Le"/>
+        <a:font script="Talu" typeface="Microsoft New Tai Lue"/>
+        <a:font script="Tfng" typeface="Ebrima"/>
+      </a:minorFont>
+    </a:fontScheme>
+    <a:fmtScheme name="Office">
+      <a:fillStyleLst>
+        <a:solidFill>
+          <a:schemeClr val="phClr"/>
+        </a:solidFill>
+        <a:gradFill rotWithShape="1">
+          <a:gsLst>
+            <a:gs pos="0">
+              <a:schemeClr val="phClr">
+                <a:lumMod val="110000"/>
+                <a:satMod val="105000"/>
+                <a:tint val="67000"/>
+              </a:schemeClr>
+            </a:gs>
+            <a:gs pos="50000">
+              <a:schemeClr val="phClr">
+                <a:lumMod val="105000"/>
+                <a:satMod val="103000"/>
+                <a:tint val="73000"/>
+              </a:schemeClr>
+            </a:gs>
+            <a:gs pos="100000">
+              <a:schemeClr val="phClr">
+                <a:lumMod val="105000"/>
+                <a:satMod val="109000"/>
+                <a:tint val="81000"/>
+              </a:schemeClr>
+            </a:gs>
+          </a:gsLst>
+          <a:lin ang="5400000" scaled="0"/>
+        </a:gradFill>
+        <a:gradFill rotWithShape="1">
+          <a:gsLst>
+            <a:gs pos="0">
+              <a:schemeClr val="phClr">
+                <a:satMod val="103000"/>
+                <a:lumMod val="102000"/>
+                <a:tint val="94000"/>
+              </a:schemeClr>
+            </a:gs>
+            <a:gs pos="50000">
+              <a:schemeClr val="phClr">
+                <a:satMod val="110000"/>
+                <a:lumMod val="100000"/>
+                <a:shade val="100000"/>
+              </a:schemeClr>
+            </a:gs>
+            <a:gs pos="100000">
+              <a:schemeClr val="phClr">
+                <a:lumMod val="99000"/>
+                <a:satMod val="120000"/>
+                <a:shade val="78000"/>
+              </a:schemeClr>
+            </a:gs>
+          </a:gsLst>
+          <a:lin ang="5400000" scaled="0"/>
+        </a:gradFill>
+      </a:fillStyleLst>
+      <a:lnStyleLst>
+        <a:ln w="12700" cap="flat" cmpd="sng" algn="ctr">
+          <a:solidFill>
+            <a:schemeClr val="phClr"/>
+          </a:solidFill>
+          <a:prstDash val="solid"/>
+          <a:miter lim="800000"/>
+        </a:ln>
+        <a:ln w="19050" cap="flat" cmpd="sng" algn="ctr">
+          <a:solidFill>
+            <a:schemeClr val="phClr"/>
+          </a:solidFill>
+          <a:prstDash val="solid"/>
+          <a:miter lim="800000"/>
+        </a:ln>
+        <a:ln w="25400" cap="flat" cmpd="sng" algn="ctr">
+          <a:solidFill>
+            <a:schemeClr val="phClr"/>
+          </a:solidFill>
+          <a:prstDash val="solid"/>
+          <a:miter lim="800000"/>
+        </a:ln>
+      </a:lnStyleLst>
+      <a:effectStyleLst>
+        <a:effectStyle>
+          <a:effectLst/>
+        </a:effectStyle>
+        <a:effectStyle>
+          <a:effectLst/>
+        </a:effectStyle>
+        <a:effectStyle>
+          <a:effectLst>
+            <a:outerShdw blurRad="57150" dist="19050" dir="5400000" algn="ctr" rotWithShape="0">
+              <a:srgbClr val="000000">
+                <a:alpha val="63000"/>
+              </a:srgbClr>
+            </a:outerShdw>
+          </a:effectLst>
+        </a:effectStyle>
+      </a:effectStyleLst>
+      <a:bgFillStyleLst>
+        <a:solidFill>
+          <a:schemeClr val="phClr"/>
+        </a:solidFill>
+        <a:solidFill>
+          <a:schemeClr val="phClr">
+            <a:tint val="95000"/>
+            <a:satMod val="170000"/>
+          </a:schemeClr>
+        </a:solidFill>
+        <a:gradFill rotWithShape="1">
+          <a:gsLst>
+            <a:gs pos="0">
+              <a:schemeClr val="phClr">
+                <a:tint val="93000"/>
+                <a:satMod val="150000"/>
+                <a:shade val="98000"/>
+                <a:lumMod val="102000"/>
+              </a:schemeClr>
+            </a:gs>
+            <a:gs pos="50000">
+              <a:schemeClr val="phClr">
+                <a:tint val="98000"/>
+                <a:satMod val="130000"/>
+                <a:shade val="90000"/>
+                <a:lumMod val="103000"/>
+              </a:schemeClr>
+            </a:gs>
+            <a:gs pos="100000">
+              <a:schemeClr val="phClr">
+                <a:shade val="63000"/>
+                <a:satMod val="120000"/>
+              </a:schemeClr>
+            </a:gs>
+          </a:gsLst>
+          <a:lin ang="5400000" scaled="0"/>
+        </a:gradFill>
+      </a:bgFillStyleLst>
+    </a:fmtScheme>
+  </a:themeElements>
+  <a:objectDefaults>
+    <a:lnDef>
+      <a:spPr/>
+      <a:bodyPr/>
+      <a:lstStyle/>
+      <a:style>
+        <a:lnRef idx="2">
+          <a:schemeClr val="accent1"/>
+        </a:lnRef>
+        <a:fillRef idx="0">
+          <a:schemeClr val="accent1"/>
+        </a:fillRef>
+        <a:effectRef idx="1">
+          <a:schemeClr val="accent1"/>
+        </a:effectRef>
+        <a:fontRef idx="minor">
+          <a:schemeClr val="tx1"/>
+        </a:fontRef>
+      </a:style>
+    </a:lnDef>
+  </a:objectDefaults>
+  <a:extraClrSchemeLst/>
+  <a:extLst>
+    <a:ext uri="{05A4C25C-085E-4340-85A3-A5531E510DB2}">
+      <thm15:themeFamily xmlns:thm15="http://schemas.microsoft.com/office/thememl/2012/main" name="Office Theme" id="{2E142A2C-CD16-42D6-873A-C26D2A0506FA}" vid="{1BDDFF52-6CD6-40A5-AB3C-68EB2F1E4D0A}"/>
+    </a:ext>
+  </a:extLst>
+</a:theme>
 </file>
--- a/ML_Assignment_Poster_3308299.pptx
+++ b/ML_Assignment_Poster_3308299.pptx
@@ -137,7 +137,7 @@
     </p:spTree>
     <p:extLst>
       <p:ext uri="{BB962C8B-B14F-4D97-AF65-F5344CB8AC3E}">
-        <p14:creationId xmlns:p14="http://schemas.microsoft.com/office/powerpoint/2010/main" val="1652737445"/>
+        <p14:creationId xmlns:p14="http://schemas.microsoft.com/office/powerpoint/2010/main" val="834285917"/>
       </p:ext>
     </p:extLst>
   </p:cSld>
@@ -1049,7 +1049,7 @@
           <p:nvPr>
             <p:extLst>
               <p:ext uri="{D42A27DB-BD31-4B8C-83A1-F6EECF244321}">
-                <p14:modId xmlns:p14="http://schemas.microsoft.com/office/powerpoint/2010/main" val="3328138445"/>
+                <p14:modId xmlns:p14="http://schemas.microsoft.com/office/powerpoint/2010/main" val="1579011935"/>
               </p:ext>
             </p:extLst>
           </p:nvPr>
@@ -1085,7 +1085,7 @@
                   </a:extLst>
                 </a:gridCol>
               </a:tblGrid>
-              <a:tr h="187452">
+              <a:tr h="182880">
                 <a:tc>
                   <a:txBody>
                     <a:bodyPr/>
@@ -1275,7 +1275,7 @@
                   </a:ext>
                 </a:extLst>
               </a:tr>
-              <a:tr h="187452">
+              <a:tr h="182880">
                 <a:tc>
                   <a:txBody>
                     <a:bodyPr/>
@@ -1465,7 +1465,7 @@
                   </a:ext>
                 </a:extLst>
               </a:tr>
-              <a:tr h="187452">
+              <a:tr h="182880">
                 <a:tc>
                   <a:txBody>
                     <a:bodyPr/>
@@ -1655,7 +1655,7 @@
                   </a:ext>
                 </a:extLst>
               </a:tr>
-              <a:tr h="187452">
+              <a:tr h="182880">
                 <a:tc>
                   <a:txBody>
                     <a:bodyPr/>
@@ -1845,7 +1845,7 @@
                   </a:ext>
                 </a:extLst>
               </a:tr>
-              <a:tr h="187452">
+              <a:tr h="182880">
                 <a:tc>
                   <a:txBody>
                     <a:bodyPr/>
@@ -2035,7 +2035,7 @@
                   </a:ext>
                 </a:extLst>
               </a:tr>
-              <a:tr h="187452">
+              <a:tr h="182880">
                 <a:tc>
                   <a:txBody>
                     <a:bodyPr/>
@@ -2225,7 +2225,7 @@
                   </a:ext>
                 </a:extLst>
               </a:tr>
-              <a:tr h="187452">
+              <a:tr h="182880">
                 <a:tc>
                   <a:txBody>
                     <a:bodyPr/>
@@ -2415,7 +2415,7 @@
                   </a:ext>
                 </a:extLst>
               </a:tr>
-              <a:tr h="187452">
+              <a:tr h="182880">
                 <a:tc>
                   <a:txBody>
                     <a:bodyPr/>
@@ -2605,7 +2605,7 @@
                   </a:ext>
                 </a:extLst>
               </a:tr>
-              <a:tr h="187452">
+              <a:tr h="182880">
                 <a:tc>
                   <a:txBody>
                     <a:bodyPr/>
@@ -2795,7 +2795,7 @@
                   </a:ext>
                 </a:extLst>
               </a:tr>
-              <a:tr h="187452">
+              <a:tr h="182880">
                 <a:tc>
                   <a:txBody>
                     <a:bodyPr/>
@@ -3175,9 +3175,3852 @@
           </a:p>
         </p:txBody>
       </p:sp>
+      <p:graphicFrame>
+        <p:nvGraphicFramePr>
+          <p:cNvPr id="18" name="Table 1"/>
+          <p:cNvGraphicFramePr>
+            <a:graphicFrameLocks noGrp="1"/>
+          </p:cNvGraphicFramePr>
+          <p:nvPr>
+            <p:extLst>
+              <p:ext uri="{D42A27DB-BD31-4B8C-83A1-F6EECF244321}">
+                <p14:modId xmlns:p14="http://schemas.microsoft.com/office/powerpoint/2010/main" val="1579011935"/>
+              </p:ext>
+            </p:extLst>
+          </p:nvPr>
+        </p:nvGraphicFramePr>
+        <p:xfrm>
+          <a:off x="457200" y="4480560"/>
+          <a:ext cx="8046720" cy="2743200"/>
+        </p:xfrm>
+        <a:graphic>
+          <a:graphicData uri="http://schemas.openxmlformats.org/drawingml/2006/table">
+            <a:tbl>
+              <a:tblPr/>
+              <a:tblGrid>
+                <a:gridCol w="914400">
+                  <a:extLst>
+                    <a:ext uri="{9D8B030D-6E8A-4147-A177-3AD203B41FA5}">
+                      <a16:colId xmlns:a16="http://schemas.microsoft.com/office/drawing/2014/main" val="20000"/>
+                    </a:ext>
+                  </a:extLst>
+                </a:gridCol>
+                <a:gridCol w="1645920">
+                  <a:extLst>
+                    <a:ext uri="{9D8B030D-6E8A-4147-A177-3AD203B41FA5}">
+                      <a16:colId xmlns:a16="http://schemas.microsoft.com/office/drawing/2014/main" val="20001"/>
+                    </a:ext>
+                  </a:extLst>
+                </a:gridCol>
+                <a:gridCol w="3657600">
+                  <a:extLst>
+                    <a:ext uri="{9D8B030D-6E8A-4147-A177-3AD203B41FA5}">
+                      <a16:colId xmlns:a16="http://schemas.microsoft.com/office/drawing/2014/main" val="20002"/>
+                    </a:ext>
+                  </a:extLst>
+                </a:gridCol>
+                <a:gridCol w="914400">
+                  <a:extLst>
+                    <a:ext uri="{9D8B030D-6E8A-4147-A177-3AD203B41FA5}">
+                      <a16:colId xmlns:a16="http://schemas.microsoft.com/office/drawing/2014/main" val="20003"/>
+                    </a:ext>
+                  </a:extLst>
+                </a:gridCol>
+                <a:gridCol w="914400">
+                  <a:extLst>
+                    <a:ext uri="{9D8B030D-6E8A-4147-A177-3AD203B41FA5}">
+                      <a16:colId xmlns:a16="http://schemas.microsoft.com/office/drawing/2014/main" val="20004"/>
+                    </a:ext>
+                  </a:extLst>
+                </a:gridCol>
+              </a:tblGrid>
+              <a:tr h="228600">
+                <a:tc>
+                  <a:txBody>
+                    <a:bodyPr/>
+                    <a:lstStyle/>
+                    <a:p>
+                      <a:pPr marL="0" indent="0">
+                        <a:buNone/>
+                      </a:pPr>
+                      <a:r>
+                        <a:rPr lang="en-US" sz="900" dirty="0">
+                          <a:solidFill>
+                            <a:srgbClr val="000000"/>
+                          </a:solidFill>
+                        </a:rPr>
+                        <a:t>Model</a:t>
+                      </a:r>
+                      <a:endParaRPr lang="en-US" sz="900" dirty="0"/>
+                    </a:p>
+                  </a:txBody>
+                  <a:tcPr>
+                    <a:lnL w="6350" cap="flat" cmpd="sng" algn="ctr">
+                      <a:solidFill>
+                        <a:srgbClr val="E5E7EB"/>
+                      </a:solidFill>
+                      <a:prstDash val="solid"/>
+                      <a:round/>
+                      <a:headEnd type="none" w="med" len="med"/>
+                      <a:tailEnd type="none" w="med" len="med"/>
+                    </a:lnL>
+                    <a:lnR w="6350" cap="flat" cmpd="sng" algn="ctr">
+                      <a:solidFill>
+                        <a:srgbClr val="E5E7EB"/>
+                      </a:solidFill>
+                      <a:prstDash val="solid"/>
+                      <a:round/>
+                      <a:headEnd type="none" w="med" len="med"/>
+                      <a:tailEnd type="none" w="med" len="med"/>
+                    </a:lnR>
+                    <a:lnT w="6350" cap="flat" cmpd="sng" algn="ctr">
+                      <a:solidFill>
+                        <a:srgbClr val="E5E7EB"/>
+                      </a:solidFill>
+                      <a:prstDash val="solid"/>
+                      <a:round/>
+                      <a:headEnd type="none" w="med" len="med"/>
+                      <a:tailEnd type="none" w="med" len="med"/>
+                    </a:lnT>
+                    <a:lnB w="6350" cap="flat" cmpd="sng" algn="ctr">
+                      <a:solidFill>
+                        <a:srgbClr val="E5E7EB"/>
+                      </a:solidFill>
+                      <a:prstDash val="solid"/>
+                      <a:round/>
+                      <a:headEnd type="none" w="med" len="med"/>
+                      <a:tailEnd type="none" w="med" len="med"/>
+                    </a:lnB>
+                    <a:solidFill>
+                      <a:srgbClr val="FFFFFF"/>
+                    </a:solidFill>
+                  </a:tcPr>
+                </a:tc>
+                <a:tc>
+                  <a:txBody>
+                    <a:bodyPr/>
+                    <a:lstStyle/>
+                    <a:p>
+                      <a:pPr marL="0" indent="0">
+                        <a:buNone/>
+                      </a:pPr>
+                      <a:r>
+                        <a:rPr lang="en-US" sz="900" dirty="0">
+                          <a:solidFill>
+                            <a:srgbClr val="000000"/>
+                          </a:solidFill>
+                        </a:rPr>
+                        <a:t>Algorithm</a:t>
+                      </a:r>
+                      <a:endParaRPr lang="en-US" sz="900" dirty="0"/>
+                    </a:p>
+                  </a:txBody>
+                  <a:tcPr>
+                    <a:lnL w="6350" cap="flat" cmpd="sng" algn="ctr">
+                      <a:solidFill>
+                        <a:srgbClr val="E5E7EB"/>
+                      </a:solidFill>
+                      <a:prstDash val="solid"/>
+                      <a:round/>
+                      <a:headEnd type="none" w="med" len="med"/>
+                      <a:tailEnd type="none" w="med" len="med"/>
+                    </a:lnL>
+                    <a:lnR w="6350" cap="flat" cmpd="sng" algn="ctr">
+                      <a:solidFill>
+                        <a:srgbClr val="E5E7EB"/>
+                      </a:solidFill>
+                      <a:prstDash val="solid"/>
+                      <a:round/>
+                      <a:headEnd type="none" w="med" len="med"/>
+                      <a:tailEnd type="none" w="med" len="med"/>
+                    </a:lnR>
+                    <a:lnT w="6350" cap="flat" cmpd="sng" algn="ctr">
+                      <a:solidFill>
+                        <a:srgbClr val="E5E7EB"/>
+                      </a:solidFill>
+                      <a:prstDash val="solid"/>
+                      <a:round/>
+                      <a:headEnd type="none" w="med" len="med"/>
+                      <a:tailEnd type="none" w="med" len="med"/>
+                    </a:lnT>
+                    <a:lnB w="6350" cap="flat" cmpd="sng" algn="ctr">
+                      <a:solidFill>
+                        <a:srgbClr val="E5E7EB"/>
+                      </a:solidFill>
+                      <a:prstDash val="solid"/>
+                      <a:round/>
+                      <a:headEnd type="none" w="med" len="med"/>
+                      <a:tailEnd type="none" w="med" len="med"/>
+                    </a:lnB>
+                    <a:solidFill>
+                      <a:srgbClr val="FFFFFF"/>
+                    </a:solidFill>
+                  </a:tcPr>
+                </a:tc>
+                <a:tc>
+                  <a:txBody>
+                    <a:bodyPr/>
+                    <a:lstStyle/>
+                    <a:p>
+                      <a:pPr marL="0" indent="0">
+                        <a:buNone/>
+                      </a:pPr>
+                      <a:r>
+                        <a:rPr lang="en-US" sz="900" dirty="0">
+                          <a:solidFill>
+                            <a:srgbClr val="000000"/>
+                          </a:solidFill>
+                        </a:rPr>
+                        <a:t>Hyperparameters</a:t>
+                      </a:r>
+                      <a:endParaRPr lang="en-US" sz="900" dirty="0"/>
+                    </a:p>
+                  </a:txBody>
+                  <a:tcPr>
+                    <a:lnL w="6350" cap="flat" cmpd="sng" algn="ctr">
+                      <a:solidFill>
+                        <a:srgbClr val="E5E7EB"/>
+                      </a:solidFill>
+                      <a:prstDash val="solid"/>
+                      <a:round/>
+                      <a:headEnd type="none" w="med" len="med"/>
+                      <a:tailEnd type="none" w="med" len="med"/>
+                    </a:lnL>
+                    <a:lnR w="6350" cap="flat" cmpd="sng" algn="ctr">
+                      <a:solidFill>
+                        <a:srgbClr val="E5E7EB"/>
+                      </a:solidFill>
+                      <a:prstDash val="solid"/>
+                      <a:round/>
+                      <a:headEnd type="none" w="med" len="med"/>
+                      <a:tailEnd type="none" w="med" len="med"/>
+                    </a:lnR>
+                    <a:lnT w="6350" cap="flat" cmpd="sng" algn="ctr">
+                      <a:solidFill>
+                        <a:srgbClr val="E5E7EB"/>
+                      </a:solidFill>
+                      <a:prstDash val="solid"/>
+                      <a:round/>
+                      <a:headEnd type="none" w="med" len="med"/>
+                      <a:tailEnd type="none" w="med" len="med"/>
+                    </a:lnT>
+                    <a:lnB w="6350" cap="flat" cmpd="sng" algn="ctr">
+                      <a:solidFill>
+                        <a:srgbClr val="E5E7EB"/>
+                      </a:solidFill>
+                      <a:prstDash val="solid"/>
+                      <a:round/>
+                      <a:headEnd type="none" w="med" len="med"/>
+                      <a:tailEnd type="none" w="med" len="med"/>
+                    </a:lnB>
+                    <a:solidFill>
+                      <a:srgbClr val="FFFFFF"/>
+                    </a:solidFill>
+                  </a:tcPr>
+                </a:tc>
+                <a:tc>
+                  <a:txBody>
+                    <a:bodyPr/>
+                    <a:lstStyle/>
+                    <a:p>
+                      <a:pPr marL="0" indent="0">
+                        <a:buNone/>
+                      </a:pPr>
+                      <a:r>
+                        <a:rPr lang="en-US" sz="900" dirty="0">
+                          <a:solidFill>
+                            <a:srgbClr val="000000"/>
+                          </a:solidFill>
+                        </a:rPr>
+                        <a:t>Val Acc</a:t>
+                      </a:r>
+                      <a:endParaRPr lang="en-US" sz="900" dirty="0"/>
+                    </a:p>
+                  </a:txBody>
+                  <a:tcPr>
+                    <a:lnL w="6350" cap="flat" cmpd="sng" algn="ctr">
+                      <a:solidFill>
+                        <a:srgbClr val="E5E7EB"/>
+                      </a:solidFill>
+                      <a:prstDash val="solid"/>
+                      <a:round/>
+                      <a:headEnd type="none" w="med" len="med"/>
+                      <a:tailEnd type="none" w="med" len="med"/>
+                    </a:lnL>
+                    <a:lnR w="6350" cap="flat" cmpd="sng" algn="ctr">
+                      <a:solidFill>
+                        <a:srgbClr val="E5E7EB"/>
+                      </a:solidFill>
+                      <a:prstDash val="solid"/>
+                      <a:round/>
+                      <a:headEnd type="none" w="med" len="med"/>
+                      <a:tailEnd type="none" w="med" len="med"/>
+                    </a:lnR>
+                    <a:lnT w="6350" cap="flat" cmpd="sng" algn="ctr">
+                      <a:solidFill>
+                        <a:srgbClr val="E5E7EB"/>
+                      </a:solidFill>
+                      <a:prstDash val="solid"/>
+                      <a:round/>
+                      <a:headEnd type="none" w="med" len="med"/>
+                      <a:tailEnd type="none" w="med" len="med"/>
+                    </a:lnT>
+                    <a:lnB w="6350" cap="flat" cmpd="sng" algn="ctr">
+                      <a:solidFill>
+                        <a:srgbClr val="E5E7EB"/>
+                      </a:solidFill>
+                      <a:prstDash val="solid"/>
+                      <a:round/>
+                      <a:headEnd type="none" w="med" len="med"/>
+                      <a:tailEnd type="none" w="med" len="med"/>
+                    </a:lnB>
+                    <a:solidFill>
+                      <a:srgbClr val="FFFFFF"/>
+                    </a:solidFill>
+                  </a:tcPr>
+                </a:tc>
+                <a:tc>
+                  <a:txBody>
+                    <a:bodyPr/>
+                    <a:lstStyle/>
+                    <a:p>
+                      <a:pPr marL="0" indent="0">
+                        <a:buNone/>
+                      </a:pPr>
+                      <a:r>
+                        <a:rPr lang="en-US" sz="900" dirty="0">
+                          <a:solidFill>
+                            <a:srgbClr val="000000"/>
+                          </a:solidFill>
+                        </a:rPr>
+                        <a:t>Val F1</a:t>
+                      </a:r>
+                      <a:endParaRPr lang="en-US" sz="900" dirty="0"/>
+                    </a:p>
+                  </a:txBody>
+                  <a:tcPr>
+                    <a:lnL w="6350" cap="flat" cmpd="sng" algn="ctr">
+                      <a:solidFill>
+                        <a:srgbClr val="E5E7EB"/>
+                      </a:solidFill>
+                      <a:prstDash val="solid"/>
+                      <a:round/>
+                      <a:headEnd type="none" w="med" len="med"/>
+                      <a:tailEnd type="none" w="med" len="med"/>
+                    </a:lnL>
+                    <a:lnR w="6350" cap="flat" cmpd="sng" algn="ctr">
+                      <a:solidFill>
+                        <a:srgbClr val="E5E7EB"/>
+                      </a:solidFill>
+                      <a:prstDash val="solid"/>
+                      <a:round/>
+                      <a:headEnd type="none" w="med" len="med"/>
+                      <a:tailEnd type="none" w="med" len="med"/>
+                    </a:lnR>
+                    <a:lnT w="6350" cap="flat" cmpd="sng" algn="ctr">
+                      <a:solidFill>
+                        <a:srgbClr val="E5E7EB"/>
+                      </a:solidFill>
+                      <a:prstDash val="solid"/>
+                      <a:round/>
+                      <a:headEnd type="none" w="med" len="med"/>
+                      <a:tailEnd type="none" w="med" len="med"/>
+                    </a:lnT>
+                    <a:lnB w="6350" cap="flat" cmpd="sng" algn="ctr">
+                      <a:solidFill>
+                        <a:srgbClr val="E5E7EB"/>
+                      </a:solidFill>
+                      <a:prstDash val="solid"/>
+                      <a:round/>
+                      <a:headEnd type="none" w="med" len="med"/>
+                      <a:tailEnd type="none" w="med" len="med"/>
+                    </a:lnB>
+                    <a:solidFill>
+                      <a:srgbClr val="FFFFFF"/>
+                    </a:solidFill>
+                  </a:tcPr>
+                </a:tc>
+                <a:extLst>
+                  <a:ext uri="{0D108BD9-81ED-4DB2-BD59-A6C34878D82A}">
+                    <a16:rowId xmlns:a16="http://schemas.microsoft.com/office/drawing/2014/main" val="10000"/>
+                  </a:ext>
+                </a:extLst>
+              </a:tr>
+              <a:tr h="210312">
+                <a:tc>
+                  <a:txBody>
+                    <a:bodyPr/>
+                    <a:lstStyle/>
+                    <a:p>
+                      <a:pPr marL="0" indent="0">
+                        <a:buNone/>
+                      </a:pPr>
+                      <a:r>
+                        <a:rPr lang="en-US" sz="900" dirty="0">
+                          <a:solidFill>
+                            <a:srgbClr val="000000"/>
+                          </a:solidFill>
+                        </a:rPr>
+                        <a:t>RF_1</a:t>
+                      </a:r>
+                      <a:endParaRPr lang="en-US" sz="900" dirty="0"/>
+                    </a:p>
+                  </a:txBody>
+                  <a:tcPr>
+                    <a:lnL w="6350" cap="flat" cmpd="sng" algn="ctr">
+                      <a:solidFill>
+                        <a:srgbClr val="E5E7EB"/>
+                      </a:solidFill>
+                      <a:prstDash val="solid"/>
+                      <a:round/>
+                      <a:headEnd type="none" w="med" len="med"/>
+                      <a:tailEnd type="none" w="med" len="med"/>
+                    </a:lnL>
+                    <a:lnR w="6350" cap="flat" cmpd="sng" algn="ctr">
+                      <a:solidFill>
+                        <a:srgbClr val="E5E7EB"/>
+                      </a:solidFill>
+                      <a:prstDash val="solid"/>
+                      <a:round/>
+                      <a:headEnd type="none" w="med" len="med"/>
+                      <a:tailEnd type="none" w="med" len="med"/>
+                    </a:lnR>
+                    <a:lnT w="6350" cap="flat" cmpd="sng" algn="ctr">
+                      <a:solidFill>
+                        <a:srgbClr val="E5E7EB"/>
+                      </a:solidFill>
+                      <a:prstDash val="solid"/>
+                      <a:round/>
+                      <a:headEnd type="none" w="med" len="med"/>
+                      <a:tailEnd type="none" w="med" len="med"/>
+                    </a:lnT>
+                    <a:lnB w="6350" cap="flat" cmpd="sng" algn="ctr">
+                      <a:solidFill>
+                        <a:srgbClr val="E5E7EB"/>
+                      </a:solidFill>
+                      <a:prstDash val="solid"/>
+                      <a:round/>
+                      <a:headEnd type="none" w="med" len="med"/>
+                      <a:tailEnd type="none" w="med" len="med"/>
+                    </a:lnB>
+                    <a:solidFill>
+                      <a:srgbClr val="FFFFFF"/>
+                    </a:solidFill>
+                  </a:tcPr>
+                </a:tc>
+                <a:tc>
+                  <a:txBody>
+                    <a:bodyPr/>
+                    <a:lstStyle/>
+                    <a:p>
+                      <a:pPr marL="0" indent="0">
+                        <a:buNone/>
+                      </a:pPr>
+                      <a:r>
+                        <a:rPr lang="en-US" sz="900" dirty="0">
+                          <a:solidFill>
+                            <a:srgbClr val="000000"/>
+                          </a:solidFill>
+                        </a:rPr>
+                        <a:t>Random Forest</a:t>
+                      </a:r>
+                      <a:endParaRPr lang="en-US" sz="900" dirty="0"/>
+                    </a:p>
+                  </a:txBody>
+                  <a:tcPr>
+                    <a:lnL w="6350" cap="flat" cmpd="sng" algn="ctr">
+                      <a:solidFill>
+                        <a:srgbClr val="E5E7EB"/>
+                      </a:solidFill>
+                      <a:prstDash val="solid"/>
+                      <a:round/>
+                      <a:headEnd type="none" w="med" len="med"/>
+                      <a:tailEnd type="none" w="med" len="med"/>
+                    </a:lnL>
+                    <a:lnR w="6350" cap="flat" cmpd="sng" algn="ctr">
+                      <a:solidFill>
+                        <a:srgbClr val="E5E7EB"/>
+                      </a:solidFill>
+                      <a:prstDash val="solid"/>
+                      <a:round/>
+                      <a:headEnd type="none" w="med" len="med"/>
+                      <a:tailEnd type="none" w="med" len="med"/>
+                    </a:lnR>
+                    <a:lnT w="6350" cap="flat" cmpd="sng" algn="ctr">
+                      <a:solidFill>
+                        <a:srgbClr val="E5E7EB"/>
+                      </a:solidFill>
+                      <a:prstDash val="solid"/>
+                      <a:round/>
+                      <a:headEnd type="none" w="med" len="med"/>
+                      <a:tailEnd type="none" w="med" len="med"/>
+                    </a:lnT>
+                    <a:lnB w="6350" cap="flat" cmpd="sng" algn="ctr">
+                      <a:solidFill>
+                        <a:srgbClr val="E5E7EB"/>
+                      </a:solidFill>
+                      <a:prstDash val="solid"/>
+                      <a:round/>
+                      <a:headEnd type="none" w="med" len="med"/>
+                      <a:tailEnd type="none" w="med" len="med"/>
+                    </a:lnB>
+                    <a:solidFill>
+                      <a:srgbClr val="FFFFFF"/>
+                    </a:solidFill>
+                  </a:tcPr>
+                </a:tc>
+                <a:tc>
+                  <a:txBody>
+                    <a:bodyPr/>
+                    <a:lstStyle/>
+                    <a:p>
+                      <a:pPr marL="0" indent="0">
+                        <a:buNone/>
+                      </a:pPr>
+                      <a:r>
+                        <a:rPr lang="en-US" sz="900" dirty="0">
+                          <a:solidFill>
+                            <a:srgbClr val="000000"/>
+                          </a:solidFill>
+                        </a:rPr>
+                        <a:t>n_est=50, depth=5, split=5</a:t>
+                      </a:r>
+                      <a:endParaRPr lang="en-US" sz="900" dirty="0"/>
+                    </a:p>
+                  </a:txBody>
+                  <a:tcPr>
+                    <a:lnL w="6350" cap="flat" cmpd="sng" algn="ctr">
+                      <a:solidFill>
+                        <a:srgbClr val="E5E7EB"/>
+                      </a:solidFill>
+                      <a:prstDash val="solid"/>
+                      <a:round/>
+                      <a:headEnd type="none" w="med" len="med"/>
+                      <a:tailEnd type="none" w="med" len="med"/>
+                    </a:lnL>
+                    <a:lnR w="6350" cap="flat" cmpd="sng" algn="ctr">
+                      <a:solidFill>
+                        <a:srgbClr val="E5E7EB"/>
+                      </a:solidFill>
+                      <a:prstDash val="solid"/>
+                      <a:round/>
+                      <a:headEnd type="none" w="med" len="med"/>
+                      <a:tailEnd type="none" w="med" len="med"/>
+                    </a:lnR>
+                    <a:lnT w="6350" cap="flat" cmpd="sng" algn="ctr">
+                      <a:solidFill>
+                        <a:srgbClr val="E5E7EB"/>
+                      </a:solidFill>
+                      <a:prstDash val="solid"/>
+                      <a:round/>
+                      <a:headEnd type="none" w="med" len="med"/>
+                      <a:tailEnd type="none" w="med" len="med"/>
+                    </a:lnT>
+                    <a:lnB w="6350" cap="flat" cmpd="sng" algn="ctr">
+                      <a:solidFill>
+                        <a:srgbClr val="E5E7EB"/>
+                      </a:solidFill>
+                      <a:prstDash val="solid"/>
+                      <a:round/>
+                      <a:headEnd type="none" w="med" len="med"/>
+                      <a:tailEnd type="none" w="med" len="med"/>
+                    </a:lnB>
+                    <a:solidFill>
+                      <a:srgbClr val="FFFFFF"/>
+                    </a:solidFill>
+                  </a:tcPr>
+                </a:tc>
+                <a:tc>
+                  <a:txBody>
+                    <a:bodyPr/>
+                    <a:lstStyle/>
+                    <a:p>
+                      <a:pPr marL="0" indent="0">
+                        <a:buNone/>
+                      </a:pPr>
+                      <a:r>
+                        <a:rPr lang="en-US" sz="900" dirty="0">
+                          <a:solidFill>
+                            <a:srgbClr val="000000"/>
+                          </a:solidFill>
+                        </a:rPr>
+                        <a:t>0.837</a:t>
+                      </a:r>
+                      <a:endParaRPr lang="en-US" sz="900" dirty="0"/>
+                    </a:p>
+                  </a:txBody>
+                  <a:tcPr>
+                    <a:lnL w="6350" cap="flat" cmpd="sng" algn="ctr">
+                      <a:solidFill>
+                        <a:srgbClr val="E5E7EB"/>
+                      </a:solidFill>
+                      <a:prstDash val="solid"/>
+                      <a:round/>
+                      <a:headEnd type="none" w="med" len="med"/>
+                      <a:tailEnd type="none" w="med" len="med"/>
+                    </a:lnL>
+                    <a:lnR w="6350" cap="flat" cmpd="sng" algn="ctr">
+                      <a:solidFill>
+                        <a:srgbClr val="E5E7EB"/>
+                      </a:solidFill>
+                      <a:prstDash val="solid"/>
+                      <a:round/>
+                      <a:headEnd type="none" w="med" len="med"/>
+                      <a:tailEnd type="none" w="med" len="med"/>
+                    </a:lnR>
+                    <a:lnT w="6350" cap="flat" cmpd="sng" algn="ctr">
+                      <a:solidFill>
+                        <a:srgbClr val="E5E7EB"/>
+                      </a:solidFill>
+                      <a:prstDash val="solid"/>
+                      <a:round/>
+                      <a:headEnd type="none" w="med" len="med"/>
+                      <a:tailEnd type="none" w="med" len="med"/>
+                    </a:lnT>
+                    <a:lnB w="6350" cap="flat" cmpd="sng" algn="ctr">
+                      <a:solidFill>
+                        <a:srgbClr val="E5E7EB"/>
+                      </a:solidFill>
+                      <a:prstDash val="solid"/>
+                      <a:round/>
+                      <a:headEnd type="none" w="med" len="med"/>
+                      <a:tailEnd type="none" w="med" len="med"/>
+                    </a:lnB>
+                    <a:solidFill>
+                      <a:srgbClr val="FFFFFF"/>
+                    </a:solidFill>
+                  </a:tcPr>
+                </a:tc>
+                <a:tc>
+                  <a:txBody>
+                    <a:bodyPr/>
+                    <a:lstStyle/>
+                    <a:p>
+                      <a:pPr marL="0" indent="0">
+                        <a:buNone/>
+                      </a:pPr>
+                      <a:r>
+                        <a:rPr lang="en-US" sz="900" dirty="0">
+                          <a:solidFill>
+                            <a:srgbClr val="000000"/>
+                          </a:solidFill>
+                        </a:rPr>
+                        <a:t>0.860</a:t>
+                      </a:r>
+                      <a:endParaRPr lang="en-US" sz="900" dirty="0"/>
+                    </a:p>
+                  </a:txBody>
+                  <a:tcPr>
+                    <a:lnL w="6350" cap="flat" cmpd="sng" algn="ctr">
+                      <a:solidFill>
+                        <a:srgbClr val="E5E7EB"/>
+                      </a:solidFill>
+                      <a:prstDash val="solid"/>
+                      <a:round/>
+                      <a:headEnd type="none" w="med" len="med"/>
+                      <a:tailEnd type="none" w="med" len="med"/>
+                    </a:lnL>
+                    <a:lnR w="6350" cap="flat" cmpd="sng" algn="ctr">
+                      <a:solidFill>
+                        <a:srgbClr val="E5E7EB"/>
+                      </a:solidFill>
+                      <a:prstDash val="solid"/>
+                      <a:round/>
+                      <a:headEnd type="none" w="med" len="med"/>
+                      <a:tailEnd type="none" w="med" len="med"/>
+                    </a:lnR>
+                    <a:lnT w="6350" cap="flat" cmpd="sng" algn="ctr">
+                      <a:solidFill>
+                        <a:srgbClr val="E5E7EB"/>
+                      </a:solidFill>
+                      <a:prstDash val="solid"/>
+                      <a:round/>
+                      <a:headEnd type="none" w="med" len="med"/>
+                      <a:tailEnd type="none" w="med" len="med"/>
+                    </a:lnT>
+                    <a:lnB w="6350" cap="flat" cmpd="sng" algn="ctr">
+                      <a:solidFill>
+                        <a:srgbClr val="E5E7EB"/>
+                      </a:solidFill>
+                      <a:prstDash val="solid"/>
+                      <a:round/>
+                      <a:headEnd type="none" w="med" len="med"/>
+                      <a:tailEnd type="none" w="med" len="med"/>
+                    </a:lnB>
+                    <a:solidFill>
+                      <a:srgbClr val="FFFFFF"/>
+                    </a:solidFill>
+                  </a:tcPr>
+                </a:tc>
+                <a:extLst>
+                  <a:ext uri="{0D108BD9-81ED-4DB2-BD59-A6C34878D82A}">
+                    <a16:rowId xmlns:a16="http://schemas.microsoft.com/office/drawing/2014/main" val="10001"/>
+                  </a:ext>
+                </a:extLst>
+              </a:tr>
+              <a:tr h="210312">
+                <a:tc>
+                  <a:txBody>
+                    <a:bodyPr/>
+                    <a:lstStyle/>
+                    <a:p>
+                      <a:pPr marL="0" indent="0">
+                        <a:buNone/>
+                      </a:pPr>
+                      <a:r>
+                        <a:rPr lang="en-US" sz="900" dirty="0">
+                          <a:solidFill>
+                            <a:srgbClr val="000000"/>
+                          </a:solidFill>
+                        </a:rPr>
+                        <a:t>RF_2</a:t>
+                      </a:r>
+                      <a:endParaRPr lang="en-US" sz="900" dirty="0"/>
+                    </a:p>
+                  </a:txBody>
+                  <a:tcPr>
+                    <a:lnL w="6350" cap="flat" cmpd="sng" algn="ctr">
+                      <a:solidFill>
+                        <a:srgbClr val="E5E7EB"/>
+                      </a:solidFill>
+                      <a:prstDash val="solid"/>
+                      <a:round/>
+                      <a:headEnd type="none" w="med" len="med"/>
+                      <a:tailEnd type="none" w="med" len="med"/>
+                    </a:lnL>
+                    <a:lnR w="6350" cap="flat" cmpd="sng" algn="ctr">
+                      <a:solidFill>
+                        <a:srgbClr val="E5E7EB"/>
+                      </a:solidFill>
+                      <a:prstDash val="solid"/>
+                      <a:round/>
+                      <a:headEnd type="none" w="med" len="med"/>
+                      <a:tailEnd type="none" w="med" len="med"/>
+                    </a:lnR>
+                    <a:lnT w="6350" cap="flat" cmpd="sng" algn="ctr">
+                      <a:solidFill>
+                        <a:srgbClr val="E5E7EB"/>
+                      </a:solidFill>
+                      <a:prstDash val="solid"/>
+                      <a:round/>
+                      <a:headEnd type="none" w="med" len="med"/>
+                      <a:tailEnd type="none" w="med" len="med"/>
+                    </a:lnT>
+                    <a:lnB w="6350" cap="flat" cmpd="sng" algn="ctr">
+                      <a:solidFill>
+                        <a:srgbClr val="E5E7EB"/>
+                      </a:solidFill>
+                      <a:prstDash val="solid"/>
+                      <a:round/>
+                      <a:headEnd type="none" w="med" len="med"/>
+                      <a:tailEnd type="none" w="med" len="med"/>
+                    </a:lnB>
+                    <a:solidFill>
+                      <a:srgbClr val="FFFFFF"/>
+                    </a:solidFill>
+                  </a:tcPr>
+                </a:tc>
+                <a:tc>
+                  <a:txBody>
+                    <a:bodyPr/>
+                    <a:lstStyle/>
+                    <a:p>
+                      <a:pPr marL="0" indent="0">
+                        <a:buNone/>
+                      </a:pPr>
+                      <a:r>
+                        <a:rPr lang="en-US" sz="900" dirty="0">
+                          <a:solidFill>
+                            <a:srgbClr val="000000"/>
+                          </a:solidFill>
+                        </a:rPr>
+                        <a:t>Random Forest</a:t>
+                      </a:r>
+                      <a:endParaRPr lang="en-US" sz="900" dirty="0"/>
+                    </a:p>
+                  </a:txBody>
+                  <a:tcPr>
+                    <a:lnL w="6350" cap="flat" cmpd="sng" algn="ctr">
+                      <a:solidFill>
+                        <a:srgbClr val="E5E7EB"/>
+                      </a:solidFill>
+                      <a:prstDash val="solid"/>
+                      <a:round/>
+                      <a:headEnd type="none" w="med" len="med"/>
+                      <a:tailEnd type="none" w="med" len="med"/>
+                    </a:lnL>
+                    <a:lnR w="6350" cap="flat" cmpd="sng" algn="ctr">
+                      <a:solidFill>
+                        <a:srgbClr val="E5E7EB"/>
+                      </a:solidFill>
+                      <a:prstDash val="solid"/>
+                      <a:round/>
+                      <a:headEnd type="none" w="med" len="med"/>
+                      <a:tailEnd type="none" w="med" len="med"/>
+                    </a:lnR>
+                    <a:lnT w="6350" cap="flat" cmpd="sng" algn="ctr">
+                      <a:solidFill>
+                        <a:srgbClr val="E5E7EB"/>
+                      </a:solidFill>
+                      <a:prstDash val="solid"/>
+                      <a:round/>
+                      <a:headEnd type="none" w="med" len="med"/>
+                      <a:tailEnd type="none" w="med" len="med"/>
+                    </a:lnT>
+                    <a:lnB w="6350" cap="flat" cmpd="sng" algn="ctr">
+                      <a:solidFill>
+                        <a:srgbClr val="E5E7EB"/>
+                      </a:solidFill>
+                      <a:prstDash val="solid"/>
+                      <a:round/>
+                      <a:headEnd type="none" w="med" len="med"/>
+                      <a:tailEnd type="none" w="med" len="med"/>
+                    </a:lnB>
+                    <a:solidFill>
+                      <a:srgbClr val="FFFFFF"/>
+                    </a:solidFill>
+                  </a:tcPr>
+                </a:tc>
+                <a:tc>
+                  <a:txBody>
+                    <a:bodyPr/>
+                    <a:lstStyle/>
+                    <a:p>
+                      <a:pPr marL="0" indent="0">
+                        <a:buNone/>
+                      </a:pPr>
+                      <a:r>
+                        <a:rPr lang="en-US" sz="900" dirty="0">
+                          <a:solidFill>
+                            <a:srgbClr val="000000"/>
+                          </a:solidFill>
+                        </a:rPr>
+                        <a:t>n_est=100, depth=10, split=2</a:t>
+                      </a:r>
+                      <a:endParaRPr lang="en-US" sz="900" dirty="0"/>
+                    </a:p>
+                  </a:txBody>
+                  <a:tcPr>
+                    <a:lnL w="6350" cap="flat" cmpd="sng" algn="ctr">
+                      <a:solidFill>
+                        <a:srgbClr val="E5E7EB"/>
+                      </a:solidFill>
+                      <a:prstDash val="solid"/>
+                      <a:round/>
+                      <a:headEnd type="none" w="med" len="med"/>
+                      <a:tailEnd type="none" w="med" len="med"/>
+                    </a:lnL>
+                    <a:lnR w="6350" cap="flat" cmpd="sng" algn="ctr">
+                      <a:solidFill>
+                        <a:srgbClr val="E5E7EB"/>
+                      </a:solidFill>
+                      <a:prstDash val="solid"/>
+                      <a:round/>
+                      <a:headEnd type="none" w="med" len="med"/>
+                      <a:tailEnd type="none" w="med" len="med"/>
+                    </a:lnR>
+                    <a:lnT w="6350" cap="flat" cmpd="sng" algn="ctr">
+                      <a:solidFill>
+                        <a:srgbClr val="E5E7EB"/>
+                      </a:solidFill>
+                      <a:prstDash val="solid"/>
+                      <a:round/>
+                      <a:headEnd type="none" w="med" len="med"/>
+                      <a:tailEnd type="none" w="med" len="med"/>
+                    </a:lnT>
+                    <a:lnB w="6350" cap="flat" cmpd="sng" algn="ctr">
+                      <a:solidFill>
+                        <a:srgbClr val="E5E7EB"/>
+                      </a:solidFill>
+                      <a:prstDash val="solid"/>
+                      <a:round/>
+                      <a:headEnd type="none" w="med" len="med"/>
+                      <a:tailEnd type="none" w="med" len="med"/>
+                    </a:lnB>
+                    <a:solidFill>
+                      <a:srgbClr val="FFFFFF"/>
+                    </a:solidFill>
+                  </a:tcPr>
+                </a:tc>
+                <a:tc>
+                  <a:txBody>
+                    <a:bodyPr/>
+                    <a:lstStyle/>
+                    <a:p>
+                      <a:pPr marL="0" indent="0">
+                        <a:buNone/>
+                      </a:pPr>
+                      <a:r>
+                        <a:rPr lang="en-US" sz="900" dirty="0">
+                          <a:solidFill>
+                            <a:srgbClr val="000000"/>
+                          </a:solidFill>
+                        </a:rPr>
+                        <a:t>0.846</a:t>
+                      </a:r>
+                      <a:endParaRPr lang="en-US" sz="900" dirty="0"/>
+                    </a:p>
+                  </a:txBody>
+                  <a:tcPr>
+                    <a:lnL w="6350" cap="flat" cmpd="sng" algn="ctr">
+                      <a:solidFill>
+                        <a:srgbClr val="E5E7EB"/>
+                      </a:solidFill>
+                      <a:prstDash val="solid"/>
+                      <a:round/>
+                      <a:headEnd type="none" w="med" len="med"/>
+                      <a:tailEnd type="none" w="med" len="med"/>
+                    </a:lnL>
+                    <a:lnR w="6350" cap="flat" cmpd="sng" algn="ctr">
+                      <a:solidFill>
+                        <a:srgbClr val="E5E7EB"/>
+                      </a:solidFill>
+                      <a:prstDash val="solid"/>
+                      <a:round/>
+                      <a:headEnd type="none" w="med" len="med"/>
+                      <a:tailEnd type="none" w="med" len="med"/>
+                    </a:lnR>
+                    <a:lnT w="6350" cap="flat" cmpd="sng" algn="ctr">
+                      <a:solidFill>
+                        <a:srgbClr val="E5E7EB"/>
+                      </a:solidFill>
+                      <a:prstDash val="solid"/>
+                      <a:round/>
+                      <a:headEnd type="none" w="med" len="med"/>
+                      <a:tailEnd type="none" w="med" len="med"/>
+                    </a:lnT>
+                    <a:lnB w="6350" cap="flat" cmpd="sng" algn="ctr">
+                      <a:solidFill>
+                        <a:srgbClr val="E5E7EB"/>
+                      </a:solidFill>
+                      <a:prstDash val="solid"/>
+                      <a:round/>
+                      <a:headEnd type="none" w="med" len="med"/>
+                      <a:tailEnd type="none" w="med" len="med"/>
+                    </a:lnB>
+                    <a:solidFill>
+                      <a:srgbClr val="FFFFFF"/>
+                    </a:solidFill>
+                  </a:tcPr>
+                </a:tc>
+                <a:tc>
+                  <a:txBody>
+                    <a:bodyPr/>
+                    <a:lstStyle/>
+                    <a:p>
+                      <a:pPr marL="0" indent="0">
+                        <a:buNone/>
+                      </a:pPr>
+                      <a:r>
+                        <a:rPr lang="en-US" sz="900" dirty="0">
+                          <a:solidFill>
+                            <a:srgbClr val="000000"/>
+                          </a:solidFill>
+                        </a:rPr>
+                        <a:t>0.869</a:t>
+                      </a:r>
+                      <a:endParaRPr lang="en-US" sz="900" dirty="0"/>
+                    </a:p>
+                  </a:txBody>
+                  <a:tcPr>
+                    <a:lnL w="6350" cap="flat" cmpd="sng" algn="ctr">
+                      <a:solidFill>
+                        <a:srgbClr val="E5E7EB"/>
+                      </a:solidFill>
+                      <a:prstDash val="solid"/>
+                      <a:round/>
+                      <a:headEnd type="none" w="med" len="med"/>
+                      <a:tailEnd type="none" w="med" len="med"/>
+                    </a:lnL>
+                    <a:lnR w="6350" cap="flat" cmpd="sng" algn="ctr">
+                      <a:solidFill>
+                        <a:srgbClr val="E5E7EB"/>
+                      </a:solidFill>
+                      <a:prstDash val="solid"/>
+                      <a:round/>
+                      <a:headEnd type="none" w="med" len="med"/>
+                      <a:tailEnd type="none" w="med" len="med"/>
+                    </a:lnR>
+                    <a:lnT w="6350" cap="flat" cmpd="sng" algn="ctr">
+                      <a:solidFill>
+                        <a:srgbClr val="E5E7EB"/>
+                      </a:solidFill>
+                      <a:prstDash val="solid"/>
+                      <a:round/>
+                      <a:headEnd type="none" w="med" len="med"/>
+                      <a:tailEnd type="none" w="med" len="med"/>
+                    </a:lnT>
+                    <a:lnB w="6350" cap="flat" cmpd="sng" algn="ctr">
+                      <a:solidFill>
+                        <a:srgbClr val="E5E7EB"/>
+                      </a:solidFill>
+                      <a:prstDash val="solid"/>
+                      <a:round/>
+                      <a:headEnd type="none" w="med" len="med"/>
+                      <a:tailEnd type="none" w="med" len="med"/>
+                    </a:lnB>
+                    <a:solidFill>
+                      <a:srgbClr val="FFFFFF"/>
+                    </a:solidFill>
+                  </a:tcPr>
+                </a:tc>
+                <a:extLst>
+                  <a:ext uri="{0D108BD9-81ED-4DB2-BD59-A6C34878D82A}">
+                    <a16:rowId xmlns:a16="http://schemas.microsoft.com/office/drawing/2014/main" val="10002"/>
+                  </a:ext>
+                </a:extLst>
+              </a:tr>
+              <a:tr h="210312">
+                <a:tc>
+                  <a:txBody>
+                    <a:bodyPr/>
+                    <a:lstStyle/>
+                    <a:p>
+                      <a:pPr marL="0" indent="0">
+                        <a:buNone/>
+                      </a:pPr>
+                      <a:r>
+                        <a:rPr lang="en-US" sz="900" dirty="0">
+                          <a:solidFill>
+                            <a:srgbClr val="000000"/>
+                          </a:solidFill>
+                        </a:rPr>
+                        <a:t>RF_3</a:t>
+                      </a:r>
+                      <a:endParaRPr lang="en-US" sz="900" dirty="0"/>
+                    </a:p>
+                  </a:txBody>
+                  <a:tcPr>
+                    <a:lnL w="6350" cap="flat" cmpd="sng" algn="ctr">
+                      <a:solidFill>
+                        <a:srgbClr val="E5E7EB"/>
+                      </a:solidFill>
+                      <a:prstDash val="solid"/>
+                      <a:round/>
+                      <a:headEnd type="none" w="med" len="med"/>
+                      <a:tailEnd type="none" w="med" len="med"/>
+                    </a:lnL>
+                    <a:lnR w="6350" cap="flat" cmpd="sng" algn="ctr">
+                      <a:solidFill>
+                        <a:srgbClr val="E5E7EB"/>
+                      </a:solidFill>
+                      <a:prstDash val="solid"/>
+                      <a:round/>
+                      <a:headEnd type="none" w="med" len="med"/>
+                      <a:tailEnd type="none" w="med" len="med"/>
+                    </a:lnR>
+                    <a:lnT w="6350" cap="flat" cmpd="sng" algn="ctr">
+                      <a:solidFill>
+                        <a:srgbClr val="E5E7EB"/>
+                      </a:solidFill>
+                      <a:prstDash val="solid"/>
+                      <a:round/>
+                      <a:headEnd type="none" w="med" len="med"/>
+                      <a:tailEnd type="none" w="med" len="med"/>
+                    </a:lnT>
+                    <a:lnB w="6350" cap="flat" cmpd="sng" algn="ctr">
+                      <a:solidFill>
+                        <a:srgbClr val="E5E7EB"/>
+                      </a:solidFill>
+                      <a:prstDash val="solid"/>
+                      <a:round/>
+                      <a:headEnd type="none" w="med" len="med"/>
+                      <a:tailEnd type="none" w="med" len="med"/>
+                    </a:lnB>
+                    <a:solidFill>
+                      <a:srgbClr val="FFFFFF"/>
+                    </a:solidFill>
+                  </a:tcPr>
+                </a:tc>
+                <a:tc>
+                  <a:txBody>
+                    <a:bodyPr/>
+                    <a:lstStyle/>
+                    <a:p>
+                      <a:pPr marL="0" indent="0">
+                        <a:buNone/>
+                      </a:pPr>
+                      <a:r>
+                        <a:rPr lang="en-US" sz="900" dirty="0">
+                          <a:solidFill>
+                            <a:srgbClr val="000000"/>
+                          </a:solidFill>
+                        </a:rPr>
+                        <a:t>Random Forest</a:t>
+                      </a:r>
+                      <a:endParaRPr lang="en-US" sz="900" dirty="0"/>
+                    </a:p>
+                  </a:txBody>
+                  <a:tcPr>
+                    <a:lnL w="6350" cap="flat" cmpd="sng" algn="ctr">
+                      <a:solidFill>
+                        <a:srgbClr val="E5E7EB"/>
+                      </a:solidFill>
+                      <a:prstDash val="solid"/>
+                      <a:round/>
+                      <a:headEnd type="none" w="med" len="med"/>
+                      <a:tailEnd type="none" w="med" len="med"/>
+                    </a:lnL>
+                    <a:lnR w="6350" cap="flat" cmpd="sng" algn="ctr">
+                      <a:solidFill>
+                        <a:srgbClr val="E5E7EB"/>
+                      </a:solidFill>
+                      <a:prstDash val="solid"/>
+                      <a:round/>
+                      <a:headEnd type="none" w="med" len="med"/>
+                      <a:tailEnd type="none" w="med" len="med"/>
+                    </a:lnR>
+                    <a:lnT w="6350" cap="flat" cmpd="sng" algn="ctr">
+                      <a:solidFill>
+                        <a:srgbClr val="E5E7EB"/>
+                      </a:solidFill>
+                      <a:prstDash val="solid"/>
+                      <a:round/>
+                      <a:headEnd type="none" w="med" len="med"/>
+                      <a:tailEnd type="none" w="med" len="med"/>
+                    </a:lnT>
+                    <a:lnB w="6350" cap="flat" cmpd="sng" algn="ctr">
+                      <a:solidFill>
+                        <a:srgbClr val="E5E7EB"/>
+                      </a:solidFill>
+                      <a:prstDash val="solid"/>
+                      <a:round/>
+                      <a:headEnd type="none" w="med" len="med"/>
+                      <a:tailEnd type="none" w="med" len="med"/>
+                    </a:lnB>
+                    <a:solidFill>
+                      <a:srgbClr val="FFFFFF"/>
+                    </a:solidFill>
+                  </a:tcPr>
+                </a:tc>
+                <a:tc>
+                  <a:txBody>
+                    <a:bodyPr/>
+                    <a:lstStyle/>
+                    <a:p>
+                      <a:pPr marL="0" indent="0">
+                        <a:buNone/>
+                      </a:pPr>
+                      <a:r>
+                        <a:rPr lang="en-US" sz="900" dirty="0">
+                          <a:solidFill>
+                            <a:srgbClr val="000000"/>
+                          </a:solidFill>
+                        </a:rPr>
+                        <a:t>n_est=200, depth=15, split=2</a:t>
+                      </a:r>
+                      <a:endParaRPr lang="en-US" sz="900" dirty="0"/>
+                    </a:p>
+                  </a:txBody>
+                  <a:tcPr>
+                    <a:lnL w="6350" cap="flat" cmpd="sng" algn="ctr">
+                      <a:solidFill>
+                        <a:srgbClr val="E5E7EB"/>
+                      </a:solidFill>
+                      <a:prstDash val="solid"/>
+                      <a:round/>
+                      <a:headEnd type="none" w="med" len="med"/>
+                      <a:tailEnd type="none" w="med" len="med"/>
+                    </a:lnL>
+                    <a:lnR w="6350" cap="flat" cmpd="sng" algn="ctr">
+                      <a:solidFill>
+                        <a:srgbClr val="E5E7EB"/>
+                      </a:solidFill>
+                      <a:prstDash val="solid"/>
+                      <a:round/>
+                      <a:headEnd type="none" w="med" len="med"/>
+                      <a:tailEnd type="none" w="med" len="med"/>
+                    </a:lnR>
+                    <a:lnT w="6350" cap="flat" cmpd="sng" algn="ctr">
+                      <a:solidFill>
+                        <a:srgbClr val="E5E7EB"/>
+                      </a:solidFill>
+                      <a:prstDash val="solid"/>
+                      <a:round/>
+                      <a:headEnd type="none" w="med" len="med"/>
+                      <a:tailEnd type="none" w="med" len="med"/>
+                    </a:lnT>
+                    <a:lnB w="6350" cap="flat" cmpd="sng" algn="ctr">
+                      <a:solidFill>
+                        <a:srgbClr val="E5E7EB"/>
+                      </a:solidFill>
+                      <a:prstDash val="solid"/>
+                      <a:round/>
+                      <a:headEnd type="none" w="med" len="med"/>
+                      <a:tailEnd type="none" w="med" len="med"/>
+                    </a:lnB>
+                    <a:solidFill>
+                      <a:srgbClr val="FFFFFF"/>
+                    </a:solidFill>
+                  </a:tcPr>
+                </a:tc>
+                <a:tc>
+                  <a:txBody>
+                    <a:bodyPr/>
+                    <a:lstStyle/>
+                    <a:p>
+                      <a:pPr marL="0" indent="0">
+                        <a:buNone/>
+                      </a:pPr>
+                      <a:r>
+                        <a:rPr lang="en-US" sz="900" dirty="0">
+                          <a:solidFill>
+                            <a:srgbClr val="000000"/>
+                          </a:solidFill>
+                        </a:rPr>
+                        <a:t>0.837</a:t>
+                      </a:r>
+                      <a:endParaRPr lang="en-US" sz="900" dirty="0"/>
+                    </a:p>
+                  </a:txBody>
+                  <a:tcPr>
+                    <a:lnL w="6350" cap="flat" cmpd="sng" algn="ctr">
+                      <a:solidFill>
+                        <a:srgbClr val="E5E7EB"/>
+                      </a:solidFill>
+                      <a:prstDash val="solid"/>
+                      <a:round/>
+                      <a:headEnd type="none" w="med" len="med"/>
+                      <a:tailEnd type="none" w="med" len="med"/>
+                    </a:lnL>
+                    <a:lnR w="6350" cap="flat" cmpd="sng" algn="ctr">
+                      <a:solidFill>
+                        <a:srgbClr val="E5E7EB"/>
+                      </a:solidFill>
+                      <a:prstDash val="solid"/>
+                      <a:round/>
+                      <a:headEnd type="none" w="med" len="med"/>
+                      <a:tailEnd type="none" w="med" len="med"/>
+                    </a:lnR>
+                    <a:lnT w="6350" cap="flat" cmpd="sng" algn="ctr">
+                      <a:solidFill>
+                        <a:srgbClr val="E5E7EB"/>
+                      </a:solidFill>
+                      <a:prstDash val="solid"/>
+                      <a:round/>
+                      <a:headEnd type="none" w="med" len="med"/>
+                      <a:tailEnd type="none" w="med" len="med"/>
+                    </a:lnT>
+                    <a:lnB w="6350" cap="flat" cmpd="sng" algn="ctr">
+                      <a:solidFill>
+                        <a:srgbClr val="E5E7EB"/>
+                      </a:solidFill>
+                      <a:prstDash val="solid"/>
+                      <a:round/>
+                      <a:headEnd type="none" w="med" len="med"/>
+                      <a:tailEnd type="none" w="med" len="med"/>
+                    </a:lnB>
+                    <a:solidFill>
+                      <a:srgbClr val="FFFFFF"/>
+                    </a:solidFill>
+                  </a:tcPr>
+                </a:tc>
+                <a:tc>
+                  <a:txBody>
+                    <a:bodyPr/>
+                    <a:lstStyle/>
+                    <a:p>
+                      <a:pPr marL="0" indent="0">
+                        <a:buNone/>
+                      </a:pPr>
+                      <a:r>
+                        <a:rPr lang="en-US" sz="900" dirty="0">
+                          <a:solidFill>
+                            <a:srgbClr val="000000"/>
+                          </a:solidFill>
+                        </a:rPr>
+                        <a:t>0.860</a:t>
+                      </a:r>
+                      <a:endParaRPr lang="en-US" sz="900" dirty="0"/>
+                    </a:p>
+                  </a:txBody>
+                  <a:tcPr>
+                    <a:lnL w="6350" cap="flat" cmpd="sng" algn="ctr">
+                      <a:solidFill>
+                        <a:srgbClr val="E5E7EB"/>
+                      </a:solidFill>
+                      <a:prstDash val="solid"/>
+                      <a:round/>
+                      <a:headEnd type="none" w="med" len="med"/>
+                      <a:tailEnd type="none" w="med" len="med"/>
+                    </a:lnL>
+                    <a:lnR w="6350" cap="flat" cmpd="sng" algn="ctr">
+                      <a:solidFill>
+                        <a:srgbClr val="E5E7EB"/>
+                      </a:solidFill>
+                      <a:prstDash val="solid"/>
+                      <a:round/>
+                      <a:headEnd type="none" w="med" len="med"/>
+                      <a:tailEnd type="none" w="med" len="med"/>
+                    </a:lnR>
+                    <a:lnT w="6350" cap="flat" cmpd="sng" algn="ctr">
+                      <a:solidFill>
+                        <a:srgbClr val="E5E7EB"/>
+                      </a:solidFill>
+                      <a:prstDash val="solid"/>
+                      <a:round/>
+                      <a:headEnd type="none" w="med" len="med"/>
+                      <a:tailEnd type="none" w="med" len="med"/>
+                    </a:lnT>
+                    <a:lnB w="6350" cap="flat" cmpd="sng" algn="ctr">
+                      <a:solidFill>
+                        <a:srgbClr val="E5E7EB"/>
+                      </a:solidFill>
+                      <a:prstDash val="solid"/>
+                      <a:round/>
+                      <a:headEnd type="none" w="med" len="med"/>
+                      <a:tailEnd type="none" w="med" len="med"/>
+                    </a:lnB>
+                    <a:solidFill>
+                      <a:srgbClr val="FFFFFF"/>
+                    </a:solidFill>
+                  </a:tcPr>
+                </a:tc>
+                <a:extLst>
+                  <a:ext uri="{0D108BD9-81ED-4DB2-BD59-A6C34878D82A}">
+                    <a16:rowId xmlns:a16="http://schemas.microsoft.com/office/drawing/2014/main" val="10003"/>
+                  </a:ext>
+                </a:extLst>
+              </a:tr>
+              <a:tr h="210312">
+                <a:tc>
+                  <a:txBody>
+                    <a:bodyPr/>
+                    <a:lstStyle/>
+                    <a:p>
+                      <a:pPr marL="0" indent="0">
+                        <a:buNone/>
+                      </a:pPr>
+                      <a:r>
+                        <a:rPr lang="en-US" sz="900" dirty="0">
+                          <a:solidFill>
+                            <a:srgbClr val="000000"/>
+                          </a:solidFill>
+                        </a:rPr>
+                        <a:t>RF_4*</a:t>
+                      </a:r>
+                      <a:endParaRPr lang="en-US" sz="900" dirty="0"/>
+                    </a:p>
+                  </a:txBody>
+                  <a:tcPr>
+                    <a:lnL w="6350" cap="flat" cmpd="sng" algn="ctr">
+                      <a:solidFill>
+                        <a:srgbClr val="E5E7EB"/>
+                      </a:solidFill>
+                      <a:prstDash val="solid"/>
+                      <a:round/>
+                      <a:headEnd type="none" w="med" len="med"/>
+                      <a:tailEnd type="none" w="med" len="med"/>
+                    </a:lnL>
+                    <a:lnR w="6350" cap="flat" cmpd="sng" algn="ctr">
+                      <a:solidFill>
+                        <a:srgbClr val="E5E7EB"/>
+                      </a:solidFill>
+                      <a:prstDash val="solid"/>
+                      <a:round/>
+                      <a:headEnd type="none" w="med" len="med"/>
+                      <a:tailEnd type="none" w="med" len="med"/>
+                    </a:lnR>
+                    <a:lnT w="6350" cap="flat" cmpd="sng" algn="ctr">
+                      <a:solidFill>
+                        <a:srgbClr val="E5E7EB"/>
+                      </a:solidFill>
+                      <a:prstDash val="solid"/>
+                      <a:round/>
+                      <a:headEnd type="none" w="med" len="med"/>
+                      <a:tailEnd type="none" w="med" len="med"/>
+                    </a:lnT>
+                    <a:lnB w="6350" cap="flat" cmpd="sng" algn="ctr">
+                      <a:solidFill>
+                        <a:srgbClr val="E5E7EB"/>
+                      </a:solidFill>
+                      <a:prstDash val="solid"/>
+                      <a:round/>
+                      <a:headEnd type="none" w="med" len="med"/>
+                      <a:tailEnd type="none" w="med" len="med"/>
+                    </a:lnB>
+                    <a:solidFill>
+                      <a:srgbClr val="FFFFFF"/>
+                    </a:solidFill>
+                  </a:tcPr>
+                </a:tc>
+                <a:tc>
+                  <a:txBody>
+                    <a:bodyPr/>
+                    <a:lstStyle/>
+                    <a:p>
+                      <a:pPr marL="0" indent="0">
+                        <a:buNone/>
+                      </a:pPr>
+                      <a:r>
+                        <a:rPr lang="en-US" sz="900" dirty="0">
+                          <a:solidFill>
+                            <a:srgbClr val="000000"/>
+                          </a:solidFill>
+                        </a:rPr>
+                        <a:t>Random Forest</a:t>
+                      </a:r>
+                      <a:endParaRPr lang="en-US" sz="900" dirty="0"/>
+                    </a:p>
+                  </a:txBody>
+                  <a:tcPr>
+                    <a:lnL w="6350" cap="flat" cmpd="sng" algn="ctr">
+                      <a:solidFill>
+                        <a:srgbClr val="E5E7EB"/>
+                      </a:solidFill>
+                      <a:prstDash val="solid"/>
+                      <a:round/>
+                      <a:headEnd type="none" w="med" len="med"/>
+                      <a:tailEnd type="none" w="med" len="med"/>
+                    </a:lnL>
+                    <a:lnR w="6350" cap="flat" cmpd="sng" algn="ctr">
+                      <a:solidFill>
+                        <a:srgbClr val="E5E7EB"/>
+                      </a:solidFill>
+                      <a:prstDash val="solid"/>
+                      <a:round/>
+                      <a:headEnd type="none" w="med" len="med"/>
+                      <a:tailEnd type="none" w="med" len="med"/>
+                    </a:lnR>
+                    <a:lnT w="6350" cap="flat" cmpd="sng" algn="ctr">
+                      <a:solidFill>
+                        <a:srgbClr val="E5E7EB"/>
+                      </a:solidFill>
+                      <a:prstDash val="solid"/>
+                      <a:round/>
+                      <a:headEnd type="none" w="med" len="med"/>
+                      <a:tailEnd type="none" w="med" len="med"/>
+                    </a:lnT>
+                    <a:lnB w="6350" cap="flat" cmpd="sng" algn="ctr">
+                      <a:solidFill>
+                        <a:srgbClr val="E5E7EB"/>
+                      </a:solidFill>
+                      <a:prstDash val="solid"/>
+                      <a:round/>
+                      <a:headEnd type="none" w="med" len="med"/>
+                      <a:tailEnd type="none" w="med" len="med"/>
+                    </a:lnB>
+                    <a:solidFill>
+                      <a:srgbClr val="FFFFFF"/>
+                    </a:solidFill>
+                  </a:tcPr>
+                </a:tc>
+                <a:tc>
+                  <a:txBody>
+                    <a:bodyPr/>
+                    <a:lstStyle/>
+                    <a:p>
+                      <a:pPr marL="0" indent="0">
+                        <a:buNone/>
+                      </a:pPr>
+                      <a:r>
+                        <a:rPr lang="en-US" sz="900" dirty="0">
+                          <a:solidFill>
+                            <a:srgbClr val="000000"/>
+                          </a:solidFill>
+                        </a:rPr>
+                        <a:t>n_est=100, depth=None, split=2</a:t>
+                      </a:r>
+                      <a:endParaRPr lang="en-US" sz="900" dirty="0"/>
+                    </a:p>
+                  </a:txBody>
+                  <a:tcPr>
+                    <a:lnL w="6350" cap="flat" cmpd="sng" algn="ctr">
+                      <a:solidFill>
+                        <a:srgbClr val="E5E7EB"/>
+                      </a:solidFill>
+                      <a:prstDash val="solid"/>
+                      <a:round/>
+                      <a:headEnd type="none" w="med" len="med"/>
+                      <a:tailEnd type="none" w="med" len="med"/>
+                    </a:lnL>
+                    <a:lnR w="6350" cap="flat" cmpd="sng" algn="ctr">
+                      <a:solidFill>
+                        <a:srgbClr val="E5E7EB"/>
+                      </a:solidFill>
+                      <a:prstDash val="solid"/>
+                      <a:round/>
+                      <a:headEnd type="none" w="med" len="med"/>
+                      <a:tailEnd type="none" w="med" len="med"/>
+                    </a:lnR>
+                    <a:lnT w="6350" cap="flat" cmpd="sng" algn="ctr">
+                      <a:solidFill>
+                        <a:srgbClr val="E5E7EB"/>
+                      </a:solidFill>
+                      <a:prstDash val="solid"/>
+                      <a:round/>
+                      <a:headEnd type="none" w="med" len="med"/>
+                      <a:tailEnd type="none" w="med" len="med"/>
+                    </a:lnT>
+                    <a:lnB w="6350" cap="flat" cmpd="sng" algn="ctr">
+                      <a:solidFill>
+                        <a:srgbClr val="E5E7EB"/>
+                      </a:solidFill>
+                      <a:prstDash val="solid"/>
+                      <a:round/>
+                      <a:headEnd type="none" w="med" len="med"/>
+                      <a:tailEnd type="none" w="med" len="med"/>
+                    </a:lnB>
+                    <a:solidFill>
+                      <a:srgbClr val="FFFFFF"/>
+                    </a:solidFill>
+                  </a:tcPr>
+                </a:tc>
+                <a:tc>
+                  <a:txBody>
+                    <a:bodyPr/>
+                    <a:lstStyle/>
+                    <a:p>
+                      <a:pPr marL="0" indent="0">
+                        <a:buNone/>
+                      </a:pPr>
+                      <a:r>
+                        <a:rPr lang="en-US" sz="900" dirty="0">
+                          <a:solidFill>
+                            <a:srgbClr val="000000"/>
+                          </a:solidFill>
+                        </a:rPr>
+                        <a:t>0.856</a:t>
+                      </a:r>
+                      <a:endParaRPr lang="en-US" sz="900" dirty="0"/>
+                    </a:p>
+                  </a:txBody>
+                  <a:tcPr>
+                    <a:lnL w="6350" cap="flat" cmpd="sng" algn="ctr">
+                      <a:solidFill>
+                        <a:srgbClr val="E5E7EB"/>
+                      </a:solidFill>
+                      <a:prstDash val="solid"/>
+                      <a:round/>
+                      <a:headEnd type="none" w="med" len="med"/>
+                      <a:tailEnd type="none" w="med" len="med"/>
+                    </a:lnL>
+                    <a:lnR w="6350" cap="flat" cmpd="sng" algn="ctr">
+                      <a:solidFill>
+                        <a:srgbClr val="E5E7EB"/>
+                      </a:solidFill>
+                      <a:prstDash val="solid"/>
+                      <a:round/>
+                      <a:headEnd type="none" w="med" len="med"/>
+                      <a:tailEnd type="none" w="med" len="med"/>
+                    </a:lnR>
+                    <a:lnT w="6350" cap="flat" cmpd="sng" algn="ctr">
+                      <a:solidFill>
+                        <a:srgbClr val="E5E7EB"/>
+                      </a:solidFill>
+                      <a:prstDash val="solid"/>
+                      <a:round/>
+                      <a:headEnd type="none" w="med" len="med"/>
+                      <a:tailEnd type="none" w="med" len="med"/>
+                    </a:lnT>
+                    <a:lnB w="6350" cap="flat" cmpd="sng" algn="ctr">
+                      <a:solidFill>
+                        <a:srgbClr val="E5E7EB"/>
+                      </a:solidFill>
+                      <a:prstDash val="solid"/>
+                      <a:round/>
+                      <a:headEnd type="none" w="med" len="med"/>
+                      <a:tailEnd type="none" w="med" len="med"/>
+                    </a:lnB>
+                    <a:solidFill>
+                      <a:srgbClr val="FFFFFF"/>
+                    </a:solidFill>
+                  </a:tcPr>
+                </a:tc>
+                <a:tc>
+                  <a:txBody>
+                    <a:bodyPr/>
+                    <a:lstStyle/>
+                    <a:p>
+                      <a:pPr marL="0" indent="0">
+                        <a:buNone/>
+                      </a:pPr>
+                      <a:r>
+                        <a:rPr lang="en-US" sz="900" dirty="0">
+                          <a:solidFill>
+                            <a:srgbClr val="000000"/>
+                          </a:solidFill>
+                        </a:rPr>
+                        <a:t>0.876</a:t>
+                      </a:r>
+                      <a:endParaRPr lang="en-US" sz="900" dirty="0"/>
+                    </a:p>
+                  </a:txBody>
+                  <a:tcPr>
+                    <a:lnL w="6350" cap="flat" cmpd="sng" algn="ctr">
+                      <a:solidFill>
+                        <a:srgbClr val="E5E7EB"/>
+                      </a:solidFill>
+                      <a:prstDash val="solid"/>
+                      <a:round/>
+                      <a:headEnd type="none" w="med" len="med"/>
+                      <a:tailEnd type="none" w="med" len="med"/>
+                    </a:lnL>
+                    <a:lnR w="6350" cap="flat" cmpd="sng" algn="ctr">
+                      <a:solidFill>
+                        <a:srgbClr val="E5E7EB"/>
+                      </a:solidFill>
+                      <a:prstDash val="solid"/>
+                      <a:round/>
+                      <a:headEnd type="none" w="med" len="med"/>
+                      <a:tailEnd type="none" w="med" len="med"/>
+                    </a:lnR>
+                    <a:lnT w="6350" cap="flat" cmpd="sng" algn="ctr">
+                      <a:solidFill>
+                        <a:srgbClr val="E5E7EB"/>
+                      </a:solidFill>
+                      <a:prstDash val="solid"/>
+                      <a:round/>
+                      <a:headEnd type="none" w="med" len="med"/>
+                      <a:tailEnd type="none" w="med" len="med"/>
+                    </a:lnT>
+                    <a:lnB w="6350" cap="flat" cmpd="sng" algn="ctr">
+                      <a:solidFill>
+                        <a:srgbClr val="E5E7EB"/>
+                      </a:solidFill>
+                      <a:prstDash val="solid"/>
+                      <a:round/>
+                      <a:headEnd type="none" w="med" len="med"/>
+                      <a:tailEnd type="none" w="med" len="med"/>
+                    </a:lnB>
+                    <a:solidFill>
+                      <a:srgbClr val="FFFFFF"/>
+                    </a:solidFill>
+                  </a:tcPr>
+                </a:tc>
+                <a:extLst>
+                  <a:ext uri="{0D108BD9-81ED-4DB2-BD59-A6C34878D82A}">
+                    <a16:rowId xmlns:a16="http://schemas.microsoft.com/office/drawing/2014/main" val="10004"/>
+                  </a:ext>
+                </a:extLst>
+              </a:tr>
+              <a:tr h="210312">
+                <a:tc>
+                  <a:txBody>
+                    <a:bodyPr/>
+                    <a:lstStyle/>
+                    <a:p>
+                      <a:pPr marL="0" indent="0">
+                        <a:buNone/>
+                      </a:pPr>
+                      <a:r>
+                        <a:rPr lang="en-US" sz="900" dirty="0">
+                          <a:solidFill>
+                            <a:srgbClr val="000000"/>
+                          </a:solidFill>
+                        </a:rPr>
+                        <a:t>RF_5</a:t>
+                      </a:r>
+                      <a:endParaRPr lang="en-US" sz="900" dirty="0"/>
+                    </a:p>
+                  </a:txBody>
+                  <a:tcPr>
+                    <a:lnL w="6350" cap="flat" cmpd="sng" algn="ctr">
+                      <a:solidFill>
+                        <a:srgbClr val="E5E7EB"/>
+                      </a:solidFill>
+                      <a:prstDash val="solid"/>
+                      <a:round/>
+                      <a:headEnd type="none" w="med" len="med"/>
+                      <a:tailEnd type="none" w="med" len="med"/>
+                    </a:lnL>
+                    <a:lnR w="6350" cap="flat" cmpd="sng" algn="ctr">
+                      <a:solidFill>
+                        <a:srgbClr val="E5E7EB"/>
+                      </a:solidFill>
+                      <a:prstDash val="solid"/>
+                      <a:round/>
+                      <a:headEnd type="none" w="med" len="med"/>
+                      <a:tailEnd type="none" w="med" len="med"/>
+                    </a:lnR>
+                    <a:lnT w="6350" cap="flat" cmpd="sng" algn="ctr">
+                      <a:solidFill>
+                        <a:srgbClr val="E5E7EB"/>
+                      </a:solidFill>
+                      <a:prstDash val="solid"/>
+                      <a:round/>
+                      <a:headEnd type="none" w="med" len="med"/>
+                      <a:tailEnd type="none" w="med" len="med"/>
+                    </a:lnT>
+                    <a:lnB w="6350" cap="flat" cmpd="sng" algn="ctr">
+                      <a:solidFill>
+                        <a:srgbClr val="E5E7EB"/>
+                      </a:solidFill>
+                      <a:prstDash val="solid"/>
+                      <a:round/>
+                      <a:headEnd type="none" w="med" len="med"/>
+                      <a:tailEnd type="none" w="med" len="med"/>
+                    </a:lnB>
+                    <a:solidFill>
+                      <a:srgbClr val="FFFFFF"/>
+                    </a:solidFill>
+                  </a:tcPr>
+                </a:tc>
+                <a:tc>
+                  <a:txBody>
+                    <a:bodyPr/>
+                    <a:lstStyle/>
+                    <a:p>
+                      <a:pPr marL="0" indent="0">
+                        <a:buNone/>
+                      </a:pPr>
+                      <a:r>
+                        <a:rPr lang="en-US" sz="900" dirty="0">
+                          <a:solidFill>
+                            <a:srgbClr val="000000"/>
+                          </a:solidFill>
+                        </a:rPr>
+                        <a:t>Random Forest</a:t>
+                      </a:r>
+                      <a:endParaRPr lang="en-US" sz="900" dirty="0"/>
+                    </a:p>
+                  </a:txBody>
+                  <a:tcPr>
+                    <a:lnL w="6350" cap="flat" cmpd="sng" algn="ctr">
+                      <a:solidFill>
+                        <a:srgbClr val="E5E7EB"/>
+                      </a:solidFill>
+                      <a:prstDash val="solid"/>
+                      <a:round/>
+                      <a:headEnd type="none" w="med" len="med"/>
+                      <a:tailEnd type="none" w="med" len="med"/>
+                    </a:lnL>
+                    <a:lnR w="6350" cap="flat" cmpd="sng" algn="ctr">
+                      <a:solidFill>
+                        <a:srgbClr val="E5E7EB"/>
+                      </a:solidFill>
+                      <a:prstDash val="solid"/>
+                      <a:round/>
+                      <a:headEnd type="none" w="med" len="med"/>
+                      <a:tailEnd type="none" w="med" len="med"/>
+                    </a:lnR>
+                    <a:lnT w="6350" cap="flat" cmpd="sng" algn="ctr">
+                      <a:solidFill>
+                        <a:srgbClr val="E5E7EB"/>
+                      </a:solidFill>
+                      <a:prstDash val="solid"/>
+                      <a:round/>
+                      <a:headEnd type="none" w="med" len="med"/>
+                      <a:tailEnd type="none" w="med" len="med"/>
+                    </a:lnT>
+                    <a:lnB w="6350" cap="flat" cmpd="sng" algn="ctr">
+                      <a:solidFill>
+                        <a:srgbClr val="E5E7EB"/>
+                      </a:solidFill>
+                      <a:prstDash val="solid"/>
+                      <a:round/>
+                      <a:headEnd type="none" w="med" len="med"/>
+                      <a:tailEnd type="none" w="med" len="med"/>
+                    </a:lnB>
+                    <a:solidFill>
+                      <a:srgbClr val="FFFFFF"/>
+                    </a:solidFill>
+                  </a:tcPr>
+                </a:tc>
+                <a:tc>
+                  <a:txBody>
+                    <a:bodyPr/>
+                    <a:lstStyle/>
+                    <a:p>
+                      <a:pPr marL="0" indent="0">
+                        <a:buNone/>
+                      </a:pPr>
+                      <a:r>
+                        <a:rPr lang="en-US" sz="900" dirty="0">
+                          <a:solidFill>
+                            <a:srgbClr val="000000"/>
+                          </a:solidFill>
+                        </a:rPr>
+                        <a:t>n_est=150, depth=20, split=3</a:t>
+                      </a:r>
+                      <a:endParaRPr lang="en-US" sz="900" dirty="0"/>
+                    </a:p>
+                  </a:txBody>
+                  <a:tcPr>
+                    <a:lnL w="6350" cap="flat" cmpd="sng" algn="ctr">
+                      <a:solidFill>
+                        <a:srgbClr val="E5E7EB"/>
+                      </a:solidFill>
+                      <a:prstDash val="solid"/>
+                      <a:round/>
+                      <a:headEnd type="none" w="med" len="med"/>
+                      <a:tailEnd type="none" w="med" len="med"/>
+                    </a:lnL>
+                    <a:lnR w="6350" cap="flat" cmpd="sng" algn="ctr">
+                      <a:solidFill>
+                        <a:srgbClr val="E5E7EB"/>
+                      </a:solidFill>
+                      <a:prstDash val="solid"/>
+                      <a:round/>
+                      <a:headEnd type="none" w="med" len="med"/>
+                      <a:tailEnd type="none" w="med" len="med"/>
+                    </a:lnR>
+                    <a:lnT w="6350" cap="flat" cmpd="sng" algn="ctr">
+                      <a:solidFill>
+                        <a:srgbClr val="E5E7EB"/>
+                      </a:solidFill>
+                      <a:prstDash val="solid"/>
+                      <a:round/>
+                      <a:headEnd type="none" w="med" len="med"/>
+                      <a:tailEnd type="none" w="med" len="med"/>
+                    </a:lnT>
+                    <a:lnB w="6350" cap="flat" cmpd="sng" algn="ctr">
+                      <a:solidFill>
+                        <a:srgbClr val="E5E7EB"/>
+                      </a:solidFill>
+                      <a:prstDash val="solid"/>
+                      <a:round/>
+                      <a:headEnd type="none" w="med" len="med"/>
+                      <a:tailEnd type="none" w="med" len="med"/>
+                    </a:lnB>
+                    <a:solidFill>
+                      <a:srgbClr val="FFFFFF"/>
+                    </a:solidFill>
+                  </a:tcPr>
+                </a:tc>
+                <a:tc>
+                  <a:txBody>
+                    <a:bodyPr/>
+                    <a:lstStyle/>
+                    <a:p>
+                      <a:pPr marL="0" indent="0">
+                        <a:buNone/>
+                      </a:pPr>
+                      <a:r>
+                        <a:rPr lang="en-US" sz="900" dirty="0">
+                          <a:solidFill>
+                            <a:srgbClr val="000000"/>
+                          </a:solidFill>
+                        </a:rPr>
+                        <a:t>0.856</a:t>
+                      </a:r>
+                      <a:endParaRPr lang="en-US" sz="900" dirty="0"/>
+                    </a:p>
+                  </a:txBody>
+                  <a:tcPr>
+                    <a:lnL w="6350" cap="flat" cmpd="sng" algn="ctr">
+                      <a:solidFill>
+                        <a:srgbClr val="E5E7EB"/>
+                      </a:solidFill>
+                      <a:prstDash val="solid"/>
+                      <a:round/>
+                      <a:headEnd type="none" w="med" len="med"/>
+                      <a:tailEnd type="none" w="med" len="med"/>
+                    </a:lnL>
+                    <a:lnR w="6350" cap="flat" cmpd="sng" algn="ctr">
+                      <a:solidFill>
+                        <a:srgbClr val="E5E7EB"/>
+                      </a:solidFill>
+                      <a:prstDash val="solid"/>
+                      <a:round/>
+                      <a:headEnd type="none" w="med" len="med"/>
+                      <a:tailEnd type="none" w="med" len="med"/>
+                    </a:lnR>
+                    <a:lnT w="6350" cap="flat" cmpd="sng" algn="ctr">
+                      <a:solidFill>
+                        <a:srgbClr val="E5E7EB"/>
+                      </a:solidFill>
+                      <a:prstDash val="solid"/>
+                      <a:round/>
+                      <a:headEnd type="none" w="med" len="med"/>
+                      <a:tailEnd type="none" w="med" len="med"/>
+                    </a:lnT>
+                    <a:lnB w="6350" cap="flat" cmpd="sng" algn="ctr">
+                      <a:solidFill>
+                        <a:srgbClr val="E5E7EB"/>
+                      </a:solidFill>
+                      <a:prstDash val="solid"/>
+                      <a:round/>
+                      <a:headEnd type="none" w="med" len="med"/>
+                      <a:tailEnd type="none" w="med" len="med"/>
+                    </a:lnB>
+                    <a:solidFill>
+                      <a:srgbClr val="FFFFFF"/>
+                    </a:solidFill>
+                  </a:tcPr>
+                </a:tc>
+                <a:tc>
+                  <a:txBody>
+                    <a:bodyPr/>
+                    <a:lstStyle/>
+                    <a:p>
+                      <a:pPr marL="0" indent="0">
+                        <a:buNone/>
+                      </a:pPr>
+                      <a:r>
+                        <a:rPr lang="en-US" sz="900" dirty="0">
+                          <a:solidFill>
+                            <a:srgbClr val="000000"/>
+                          </a:solidFill>
+                        </a:rPr>
+                        <a:t>0.876</a:t>
+                      </a:r>
+                      <a:endParaRPr lang="en-US" sz="900" dirty="0"/>
+                    </a:p>
+                  </a:txBody>
+                  <a:tcPr>
+                    <a:lnL w="6350" cap="flat" cmpd="sng" algn="ctr">
+                      <a:solidFill>
+                        <a:srgbClr val="E5E7EB"/>
+                      </a:solidFill>
+                      <a:prstDash val="solid"/>
+                      <a:round/>
+                      <a:headEnd type="none" w="med" len="med"/>
+                      <a:tailEnd type="none" w="med" len="med"/>
+                    </a:lnL>
+                    <a:lnR w="6350" cap="flat" cmpd="sng" algn="ctr">
+                      <a:solidFill>
+                        <a:srgbClr val="E5E7EB"/>
+                      </a:solidFill>
+                      <a:prstDash val="solid"/>
+                      <a:round/>
+                      <a:headEnd type="none" w="med" len="med"/>
+                      <a:tailEnd type="none" w="med" len="med"/>
+                    </a:lnR>
+                    <a:lnT w="6350" cap="flat" cmpd="sng" algn="ctr">
+                      <a:solidFill>
+                        <a:srgbClr val="E5E7EB"/>
+                      </a:solidFill>
+                      <a:prstDash val="solid"/>
+                      <a:round/>
+                      <a:headEnd type="none" w="med" len="med"/>
+                      <a:tailEnd type="none" w="med" len="med"/>
+                    </a:lnT>
+                    <a:lnB w="6350" cap="flat" cmpd="sng" algn="ctr">
+                      <a:solidFill>
+                        <a:srgbClr val="E5E7EB"/>
+                      </a:solidFill>
+                      <a:prstDash val="solid"/>
+                      <a:round/>
+                      <a:headEnd type="none" w="med" len="med"/>
+                      <a:tailEnd type="none" w="med" len="med"/>
+                    </a:lnB>
+                    <a:solidFill>
+                      <a:srgbClr val="FFFFFF"/>
+                    </a:solidFill>
+                  </a:tcPr>
+                </a:tc>
+                <a:extLst>
+                  <a:ext uri="{0D108BD9-81ED-4DB2-BD59-A6C34878D82A}">
+                    <a16:rowId xmlns:a16="http://schemas.microsoft.com/office/drawing/2014/main" val="10005"/>
+                  </a:ext>
+                </a:extLst>
+              </a:tr>
+              <a:tr h="210312">
+                <a:tc>
+                  <a:txBody>
+                    <a:bodyPr/>
+                    <a:lstStyle/>
+                    <a:p>
+                      <a:pPr marL="0" indent="0">
+                        <a:buNone/>
+                      </a:pPr>
+                      <a:r>
+                        <a:rPr lang="en-US" sz="900" dirty="0">
+                          <a:solidFill>
+                            <a:srgbClr val="000000"/>
+                          </a:solidFill>
+                        </a:rPr>
+                        <a:t>SVM_1</a:t>
+                      </a:r>
+                      <a:endParaRPr lang="en-US" sz="900" dirty="0"/>
+                    </a:p>
+                  </a:txBody>
+                  <a:tcPr>
+                    <a:lnL w="6350" cap="flat" cmpd="sng" algn="ctr">
+                      <a:solidFill>
+                        <a:srgbClr val="E5E7EB"/>
+                      </a:solidFill>
+                      <a:prstDash val="solid"/>
+                      <a:round/>
+                      <a:headEnd type="none" w="med" len="med"/>
+                      <a:tailEnd type="none" w="med" len="med"/>
+                    </a:lnL>
+                    <a:lnR w="6350" cap="flat" cmpd="sng" algn="ctr">
+                      <a:solidFill>
+                        <a:srgbClr val="E5E7EB"/>
+                      </a:solidFill>
+                      <a:prstDash val="solid"/>
+                      <a:round/>
+                      <a:headEnd type="none" w="med" len="med"/>
+                      <a:tailEnd type="none" w="med" len="med"/>
+                    </a:lnR>
+                    <a:lnT w="6350" cap="flat" cmpd="sng" algn="ctr">
+                      <a:solidFill>
+                        <a:srgbClr val="E5E7EB"/>
+                      </a:solidFill>
+                      <a:prstDash val="solid"/>
+                      <a:round/>
+                      <a:headEnd type="none" w="med" len="med"/>
+                      <a:tailEnd type="none" w="med" len="med"/>
+                    </a:lnT>
+                    <a:lnB w="6350" cap="flat" cmpd="sng" algn="ctr">
+                      <a:solidFill>
+                        <a:srgbClr val="E5E7EB"/>
+                      </a:solidFill>
+                      <a:prstDash val="solid"/>
+                      <a:round/>
+                      <a:headEnd type="none" w="med" len="med"/>
+                      <a:tailEnd type="none" w="med" len="med"/>
+                    </a:lnB>
+                    <a:solidFill>
+                      <a:srgbClr val="FFFFFF"/>
+                    </a:solidFill>
+                  </a:tcPr>
+                </a:tc>
+                <a:tc>
+                  <a:txBody>
+                    <a:bodyPr/>
+                    <a:lstStyle/>
+                    <a:p>
+                      <a:pPr marL="0" indent="0">
+                        <a:buNone/>
+                      </a:pPr>
+                      <a:r>
+                        <a:rPr lang="en-US" sz="900" dirty="0">
+                          <a:solidFill>
+                            <a:srgbClr val="000000"/>
+                          </a:solidFill>
+                        </a:rPr>
+                        <a:t>SVM</a:t>
+                      </a:r>
+                      <a:endParaRPr lang="en-US" sz="900" dirty="0"/>
+                    </a:p>
+                  </a:txBody>
+                  <a:tcPr>
+                    <a:lnL w="6350" cap="flat" cmpd="sng" algn="ctr">
+                      <a:solidFill>
+                        <a:srgbClr val="E5E7EB"/>
+                      </a:solidFill>
+                      <a:prstDash val="solid"/>
+                      <a:round/>
+                      <a:headEnd type="none" w="med" len="med"/>
+                      <a:tailEnd type="none" w="med" len="med"/>
+                    </a:lnL>
+                    <a:lnR w="6350" cap="flat" cmpd="sng" algn="ctr">
+                      <a:solidFill>
+                        <a:srgbClr val="E5E7EB"/>
+                      </a:solidFill>
+                      <a:prstDash val="solid"/>
+                      <a:round/>
+                      <a:headEnd type="none" w="med" len="med"/>
+                      <a:tailEnd type="none" w="med" len="med"/>
+                    </a:lnR>
+                    <a:lnT w="6350" cap="flat" cmpd="sng" algn="ctr">
+                      <a:solidFill>
+                        <a:srgbClr val="E5E7EB"/>
+                      </a:solidFill>
+                      <a:prstDash val="solid"/>
+                      <a:round/>
+                      <a:headEnd type="none" w="med" len="med"/>
+                      <a:tailEnd type="none" w="med" len="med"/>
+                    </a:lnT>
+                    <a:lnB w="6350" cap="flat" cmpd="sng" algn="ctr">
+                      <a:solidFill>
+                        <a:srgbClr val="E5E7EB"/>
+                      </a:solidFill>
+                      <a:prstDash val="solid"/>
+                      <a:round/>
+                      <a:headEnd type="none" w="med" len="med"/>
+                      <a:tailEnd type="none" w="med" len="med"/>
+                    </a:lnB>
+                    <a:solidFill>
+                      <a:srgbClr val="FFFFFF"/>
+                    </a:solidFill>
+                  </a:tcPr>
+                </a:tc>
+                <a:tc>
+                  <a:txBody>
+                    <a:bodyPr/>
+                    <a:lstStyle/>
+                    <a:p>
+                      <a:pPr marL="0" indent="0">
+                        <a:buNone/>
+                      </a:pPr>
+                      <a:r>
+                        <a:rPr lang="en-US" sz="900" dirty="0">
+                          <a:solidFill>
+                            <a:srgbClr val="000000"/>
+                          </a:solidFill>
+                        </a:rPr>
+                        <a:t>linear, C=0.1</a:t>
+                      </a:r>
+                      <a:endParaRPr lang="en-US" sz="900" dirty="0"/>
+                    </a:p>
+                  </a:txBody>
+                  <a:tcPr>
+                    <a:lnL w="6350" cap="flat" cmpd="sng" algn="ctr">
+                      <a:solidFill>
+                        <a:srgbClr val="E5E7EB"/>
+                      </a:solidFill>
+                      <a:prstDash val="solid"/>
+                      <a:round/>
+                      <a:headEnd type="none" w="med" len="med"/>
+                      <a:tailEnd type="none" w="med" len="med"/>
+                    </a:lnL>
+                    <a:lnR w="6350" cap="flat" cmpd="sng" algn="ctr">
+                      <a:solidFill>
+                        <a:srgbClr val="E5E7EB"/>
+                      </a:solidFill>
+                      <a:prstDash val="solid"/>
+                      <a:round/>
+                      <a:headEnd type="none" w="med" len="med"/>
+                      <a:tailEnd type="none" w="med" len="med"/>
+                    </a:lnR>
+                    <a:lnT w="6350" cap="flat" cmpd="sng" algn="ctr">
+                      <a:solidFill>
+                        <a:srgbClr val="E5E7EB"/>
+                      </a:solidFill>
+                      <a:prstDash val="solid"/>
+                      <a:round/>
+                      <a:headEnd type="none" w="med" len="med"/>
+                      <a:tailEnd type="none" w="med" len="med"/>
+                    </a:lnT>
+                    <a:lnB w="6350" cap="flat" cmpd="sng" algn="ctr">
+                      <a:solidFill>
+                        <a:srgbClr val="E5E7EB"/>
+                      </a:solidFill>
+                      <a:prstDash val="solid"/>
+                      <a:round/>
+                      <a:headEnd type="none" w="med" len="med"/>
+                      <a:tailEnd type="none" w="med" len="med"/>
+                    </a:lnB>
+                    <a:solidFill>
+                      <a:srgbClr val="FFFFFF"/>
+                    </a:solidFill>
+                  </a:tcPr>
+                </a:tc>
+                <a:tc>
+                  <a:txBody>
+                    <a:bodyPr/>
+                    <a:lstStyle/>
+                    <a:p>
+                      <a:pPr marL="0" indent="0">
+                        <a:buNone/>
+                      </a:pPr>
+                      <a:r>
+                        <a:rPr lang="en-US" sz="900" dirty="0">
+                          <a:solidFill>
+                            <a:srgbClr val="000000"/>
+                          </a:solidFill>
+                        </a:rPr>
+                        <a:t>0.558</a:t>
+                      </a:r>
+                      <a:endParaRPr lang="en-US" sz="900" dirty="0"/>
+                    </a:p>
+                  </a:txBody>
+                  <a:tcPr>
+                    <a:lnL w="6350" cap="flat" cmpd="sng" algn="ctr">
+                      <a:solidFill>
+                        <a:srgbClr val="E5E7EB"/>
+                      </a:solidFill>
+                      <a:prstDash val="solid"/>
+                      <a:round/>
+                      <a:headEnd type="none" w="med" len="med"/>
+                      <a:tailEnd type="none" w="med" len="med"/>
+                    </a:lnL>
+                    <a:lnR w="6350" cap="flat" cmpd="sng" algn="ctr">
+                      <a:solidFill>
+                        <a:srgbClr val="E5E7EB"/>
+                      </a:solidFill>
+                      <a:prstDash val="solid"/>
+                      <a:round/>
+                      <a:headEnd type="none" w="med" len="med"/>
+                      <a:tailEnd type="none" w="med" len="med"/>
+                    </a:lnR>
+                    <a:lnT w="6350" cap="flat" cmpd="sng" algn="ctr">
+                      <a:solidFill>
+                        <a:srgbClr val="E5E7EB"/>
+                      </a:solidFill>
+                      <a:prstDash val="solid"/>
+                      <a:round/>
+                      <a:headEnd type="none" w="med" len="med"/>
+                      <a:tailEnd type="none" w="med" len="med"/>
+                    </a:lnT>
+                    <a:lnB w="6350" cap="flat" cmpd="sng" algn="ctr">
+                      <a:solidFill>
+                        <a:srgbClr val="E5E7EB"/>
+                      </a:solidFill>
+                      <a:prstDash val="solid"/>
+                      <a:round/>
+                      <a:headEnd type="none" w="med" len="med"/>
+                      <a:tailEnd type="none" w="med" len="med"/>
+                    </a:lnB>
+                    <a:solidFill>
+                      <a:srgbClr val="FFFFFF"/>
+                    </a:solidFill>
+                  </a:tcPr>
+                </a:tc>
+                <a:tc>
+                  <a:txBody>
+                    <a:bodyPr/>
+                    <a:lstStyle/>
+                    <a:p>
+                      <a:pPr marL="0" indent="0">
+                        <a:buNone/>
+                      </a:pPr>
+                      <a:r>
+                        <a:rPr lang="en-US" sz="900" dirty="0">
+                          <a:solidFill>
+                            <a:srgbClr val="000000"/>
+                          </a:solidFill>
+                        </a:rPr>
+                        <a:t>0.589</a:t>
+                      </a:r>
+                      <a:endParaRPr lang="en-US" sz="900" dirty="0"/>
+                    </a:p>
+                  </a:txBody>
+                  <a:tcPr>
+                    <a:lnL w="6350" cap="flat" cmpd="sng" algn="ctr">
+                      <a:solidFill>
+                        <a:srgbClr val="E5E7EB"/>
+                      </a:solidFill>
+                      <a:prstDash val="solid"/>
+                      <a:round/>
+                      <a:headEnd type="none" w="med" len="med"/>
+                      <a:tailEnd type="none" w="med" len="med"/>
+                    </a:lnL>
+                    <a:lnR w="6350" cap="flat" cmpd="sng" algn="ctr">
+                      <a:solidFill>
+                        <a:srgbClr val="E5E7EB"/>
+                      </a:solidFill>
+                      <a:prstDash val="solid"/>
+                      <a:round/>
+                      <a:headEnd type="none" w="med" len="med"/>
+                      <a:tailEnd type="none" w="med" len="med"/>
+                    </a:lnR>
+                    <a:lnT w="6350" cap="flat" cmpd="sng" algn="ctr">
+                      <a:solidFill>
+                        <a:srgbClr val="E5E7EB"/>
+                      </a:solidFill>
+                      <a:prstDash val="solid"/>
+                      <a:round/>
+                      <a:headEnd type="none" w="med" len="med"/>
+                      <a:tailEnd type="none" w="med" len="med"/>
+                    </a:lnT>
+                    <a:lnB w="6350" cap="flat" cmpd="sng" algn="ctr">
+                      <a:solidFill>
+                        <a:srgbClr val="E5E7EB"/>
+                      </a:solidFill>
+                      <a:prstDash val="solid"/>
+                      <a:round/>
+                      <a:headEnd type="none" w="med" len="med"/>
+                      <a:tailEnd type="none" w="med" len="med"/>
+                    </a:lnB>
+                    <a:solidFill>
+                      <a:srgbClr val="FFFFFF"/>
+                    </a:solidFill>
+                  </a:tcPr>
+                </a:tc>
+                <a:extLst>
+                  <a:ext uri="{0D108BD9-81ED-4DB2-BD59-A6C34878D82A}">
+                    <a16:rowId xmlns:a16="http://schemas.microsoft.com/office/drawing/2014/main" val="10006"/>
+                  </a:ext>
+                </a:extLst>
+              </a:tr>
+              <a:tr h="210312">
+                <a:tc>
+                  <a:txBody>
+                    <a:bodyPr/>
+                    <a:lstStyle/>
+                    <a:p>
+                      <a:pPr marL="0" indent="0">
+                        <a:buNone/>
+                      </a:pPr>
+                      <a:r>
+                        <a:rPr lang="en-US" sz="900" dirty="0">
+                          <a:solidFill>
+                            <a:srgbClr val="000000"/>
+                          </a:solidFill>
+                        </a:rPr>
+                        <a:t>SVM_3</a:t>
+                      </a:r>
+                      <a:endParaRPr lang="en-US" sz="900" dirty="0"/>
+                    </a:p>
+                  </a:txBody>
+                  <a:tcPr>
+                    <a:lnL w="6350" cap="flat" cmpd="sng" algn="ctr">
+                      <a:solidFill>
+                        <a:srgbClr val="E5E7EB"/>
+                      </a:solidFill>
+                      <a:prstDash val="solid"/>
+                      <a:round/>
+                      <a:headEnd type="none" w="med" len="med"/>
+                      <a:tailEnd type="none" w="med" len="med"/>
+                    </a:lnL>
+                    <a:lnR w="6350" cap="flat" cmpd="sng" algn="ctr">
+                      <a:solidFill>
+                        <a:srgbClr val="E5E7EB"/>
+                      </a:solidFill>
+                      <a:prstDash val="solid"/>
+                      <a:round/>
+                      <a:headEnd type="none" w="med" len="med"/>
+                      <a:tailEnd type="none" w="med" len="med"/>
+                    </a:lnR>
+                    <a:lnT w="6350" cap="flat" cmpd="sng" algn="ctr">
+                      <a:solidFill>
+                        <a:srgbClr val="E5E7EB"/>
+                      </a:solidFill>
+                      <a:prstDash val="solid"/>
+                      <a:round/>
+                      <a:headEnd type="none" w="med" len="med"/>
+                      <a:tailEnd type="none" w="med" len="med"/>
+                    </a:lnT>
+                    <a:lnB w="6350" cap="flat" cmpd="sng" algn="ctr">
+                      <a:solidFill>
+                        <a:srgbClr val="E5E7EB"/>
+                      </a:solidFill>
+                      <a:prstDash val="solid"/>
+                      <a:round/>
+                      <a:headEnd type="none" w="med" len="med"/>
+                      <a:tailEnd type="none" w="med" len="med"/>
+                    </a:lnB>
+                    <a:solidFill>
+                      <a:srgbClr val="FFFFFF"/>
+                    </a:solidFill>
+                  </a:tcPr>
+                </a:tc>
+                <a:tc>
+                  <a:txBody>
+                    <a:bodyPr/>
+                    <a:lstStyle/>
+                    <a:p>
+                      <a:pPr marL="0" indent="0">
+                        <a:buNone/>
+                      </a:pPr>
+                      <a:r>
+                        <a:rPr lang="en-US" sz="900" dirty="0">
+                          <a:solidFill>
+                            <a:srgbClr val="000000"/>
+                          </a:solidFill>
+                        </a:rPr>
+                        <a:t>SVM</a:t>
+                      </a:r>
+                      <a:endParaRPr lang="en-US" sz="900" dirty="0"/>
+                    </a:p>
+                  </a:txBody>
+                  <a:tcPr>
+                    <a:lnL w="6350" cap="flat" cmpd="sng" algn="ctr">
+                      <a:solidFill>
+                        <a:srgbClr val="E5E7EB"/>
+                      </a:solidFill>
+                      <a:prstDash val="solid"/>
+                      <a:round/>
+                      <a:headEnd type="none" w="med" len="med"/>
+                      <a:tailEnd type="none" w="med" len="med"/>
+                    </a:lnL>
+                    <a:lnR w="6350" cap="flat" cmpd="sng" algn="ctr">
+                      <a:solidFill>
+                        <a:srgbClr val="E5E7EB"/>
+                      </a:solidFill>
+                      <a:prstDash val="solid"/>
+                      <a:round/>
+                      <a:headEnd type="none" w="med" len="med"/>
+                      <a:tailEnd type="none" w="med" len="med"/>
+                    </a:lnR>
+                    <a:lnT w="6350" cap="flat" cmpd="sng" algn="ctr">
+                      <a:solidFill>
+                        <a:srgbClr val="E5E7EB"/>
+                      </a:solidFill>
+                      <a:prstDash val="solid"/>
+                      <a:round/>
+                      <a:headEnd type="none" w="med" len="med"/>
+                      <a:tailEnd type="none" w="med" len="med"/>
+                    </a:lnT>
+                    <a:lnB w="6350" cap="flat" cmpd="sng" algn="ctr">
+                      <a:solidFill>
+                        <a:srgbClr val="E5E7EB"/>
+                      </a:solidFill>
+                      <a:prstDash val="solid"/>
+                      <a:round/>
+                      <a:headEnd type="none" w="med" len="med"/>
+                      <a:tailEnd type="none" w="med" len="med"/>
+                    </a:lnB>
+                    <a:solidFill>
+                      <a:srgbClr val="FFFFFF"/>
+                    </a:solidFill>
+                  </a:tcPr>
+                </a:tc>
+                <a:tc>
+                  <a:txBody>
+                    <a:bodyPr/>
+                    <a:lstStyle/>
+                    <a:p>
+                      <a:pPr marL="0" indent="0">
+                        <a:buNone/>
+                      </a:pPr>
+                      <a:r>
+                        <a:rPr lang="en-US" sz="900" dirty="0">
+                          <a:solidFill>
+                            <a:srgbClr val="000000"/>
+                          </a:solidFill>
+                        </a:rPr>
+                        <a:t>rbf, C=1.0, gamma=scale</a:t>
+                      </a:r>
+                      <a:endParaRPr lang="en-US" sz="900" dirty="0"/>
+                    </a:p>
+                  </a:txBody>
+                  <a:tcPr>
+                    <a:lnL w="6350" cap="flat" cmpd="sng" algn="ctr">
+                      <a:solidFill>
+                        <a:srgbClr val="E5E7EB"/>
+                      </a:solidFill>
+                      <a:prstDash val="solid"/>
+                      <a:round/>
+                      <a:headEnd type="none" w="med" len="med"/>
+                      <a:tailEnd type="none" w="med" len="med"/>
+                    </a:lnL>
+                    <a:lnR w="6350" cap="flat" cmpd="sng" algn="ctr">
+                      <a:solidFill>
+                        <a:srgbClr val="E5E7EB"/>
+                      </a:solidFill>
+                      <a:prstDash val="solid"/>
+                      <a:round/>
+                      <a:headEnd type="none" w="med" len="med"/>
+                      <a:tailEnd type="none" w="med" len="med"/>
+                    </a:lnR>
+                    <a:lnT w="6350" cap="flat" cmpd="sng" algn="ctr">
+                      <a:solidFill>
+                        <a:srgbClr val="E5E7EB"/>
+                      </a:solidFill>
+                      <a:prstDash val="solid"/>
+                      <a:round/>
+                      <a:headEnd type="none" w="med" len="med"/>
+                      <a:tailEnd type="none" w="med" len="med"/>
+                    </a:lnT>
+                    <a:lnB w="6350" cap="flat" cmpd="sng" algn="ctr">
+                      <a:solidFill>
+                        <a:srgbClr val="E5E7EB"/>
+                      </a:solidFill>
+                      <a:prstDash val="solid"/>
+                      <a:round/>
+                      <a:headEnd type="none" w="med" len="med"/>
+                      <a:tailEnd type="none" w="med" len="med"/>
+                    </a:lnB>
+                    <a:solidFill>
+                      <a:srgbClr val="FFFFFF"/>
+                    </a:solidFill>
+                  </a:tcPr>
+                </a:tc>
+                <a:tc>
+                  <a:txBody>
+                    <a:bodyPr/>
+                    <a:lstStyle/>
+                    <a:p>
+                      <a:pPr marL="0" indent="0">
+                        <a:buNone/>
+                      </a:pPr>
+                      <a:r>
+                        <a:rPr lang="en-US" sz="900" dirty="0">
+                          <a:solidFill>
+                            <a:srgbClr val="000000"/>
+                          </a:solidFill>
+                        </a:rPr>
+                        <a:t>0.683</a:t>
+                      </a:r>
+                      <a:endParaRPr lang="en-US" sz="900" dirty="0"/>
+                    </a:p>
+                  </a:txBody>
+                  <a:tcPr>
+                    <a:lnL w="6350" cap="flat" cmpd="sng" algn="ctr">
+                      <a:solidFill>
+                        <a:srgbClr val="E5E7EB"/>
+                      </a:solidFill>
+                      <a:prstDash val="solid"/>
+                      <a:round/>
+                      <a:headEnd type="none" w="med" len="med"/>
+                      <a:tailEnd type="none" w="med" len="med"/>
+                    </a:lnL>
+                    <a:lnR w="6350" cap="flat" cmpd="sng" algn="ctr">
+                      <a:solidFill>
+                        <a:srgbClr val="E5E7EB"/>
+                      </a:solidFill>
+                      <a:prstDash val="solid"/>
+                      <a:round/>
+                      <a:headEnd type="none" w="med" len="med"/>
+                      <a:tailEnd type="none" w="med" len="med"/>
+                    </a:lnR>
+                    <a:lnT w="6350" cap="flat" cmpd="sng" algn="ctr">
+                      <a:solidFill>
+                        <a:srgbClr val="E5E7EB"/>
+                      </a:solidFill>
+                      <a:prstDash val="solid"/>
+                      <a:round/>
+                      <a:headEnd type="none" w="med" len="med"/>
+                      <a:tailEnd type="none" w="med" len="med"/>
+                    </a:lnT>
+                    <a:lnB w="6350" cap="flat" cmpd="sng" algn="ctr">
+                      <a:solidFill>
+                        <a:srgbClr val="E5E7EB"/>
+                      </a:solidFill>
+                      <a:prstDash val="solid"/>
+                      <a:round/>
+                      <a:headEnd type="none" w="med" len="med"/>
+                      <a:tailEnd type="none" w="med" len="med"/>
+                    </a:lnB>
+                    <a:solidFill>
+                      <a:srgbClr val="FFFFFF"/>
+                    </a:solidFill>
+                  </a:tcPr>
+                </a:tc>
+                <a:tc>
+                  <a:txBody>
+                    <a:bodyPr/>
+                    <a:lstStyle/>
+                    <a:p>
+                      <a:pPr marL="0" indent="0">
+                        <a:buNone/>
+                      </a:pPr>
+                      <a:r>
+                        <a:rPr lang="en-US" sz="900" dirty="0">
+                          <a:solidFill>
+                            <a:srgbClr val="000000"/>
+                          </a:solidFill>
+                        </a:rPr>
+                        <a:t>0.736</a:t>
+                      </a:r>
+                      <a:endParaRPr lang="en-US" sz="900" dirty="0"/>
+                    </a:p>
+                  </a:txBody>
+                  <a:tcPr>
+                    <a:lnL w="6350" cap="flat" cmpd="sng" algn="ctr">
+                      <a:solidFill>
+                        <a:srgbClr val="E5E7EB"/>
+                      </a:solidFill>
+                      <a:prstDash val="solid"/>
+                      <a:round/>
+                      <a:headEnd type="none" w="med" len="med"/>
+                      <a:tailEnd type="none" w="med" len="med"/>
+                    </a:lnL>
+                    <a:lnR w="6350" cap="flat" cmpd="sng" algn="ctr">
+                      <a:solidFill>
+                        <a:srgbClr val="E5E7EB"/>
+                      </a:solidFill>
+                      <a:prstDash val="solid"/>
+                      <a:round/>
+                      <a:headEnd type="none" w="med" len="med"/>
+                      <a:tailEnd type="none" w="med" len="med"/>
+                    </a:lnR>
+                    <a:lnT w="6350" cap="flat" cmpd="sng" algn="ctr">
+                      <a:solidFill>
+                        <a:srgbClr val="E5E7EB"/>
+                      </a:solidFill>
+                      <a:prstDash val="solid"/>
+                      <a:round/>
+                      <a:headEnd type="none" w="med" len="med"/>
+                      <a:tailEnd type="none" w="med" len="med"/>
+                    </a:lnT>
+                    <a:lnB w="6350" cap="flat" cmpd="sng" algn="ctr">
+                      <a:solidFill>
+                        <a:srgbClr val="E5E7EB"/>
+                      </a:solidFill>
+                      <a:prstDash val="solid"/>
+                      <a:round/>
+                      <a:headEnd type="none" w="med" len="med"/>
+                      <a:tailEnd type="none" w="med" len="med"/>
+                    </a:lnB>
+                    <a:solidFill>
+                      <a:srgbClr val="FFFFFF"/>
+                    </a:solidFill>
+                  </a:tcPr>
+                </a:tc>
+                <a:extLst>
+                  <a:ext uri="{0D108BD9-81ED-4DB2-BD59-A6C34878D82A}">
+                    <a16:rowId xmlns:a16="http://schemas.microsoft.com/office/drawing/2014/main" val="10007"/>
+                  </a:ext>
+                </a:extLst>
+              </a:tr>
+              <a:tr h="210312">
+                <a:tc>
+                  <a:txBody>
+                    <a:bodyPr/>
+                    <a:lstStyle/>
+                    <a:p>
+                      <a:pPr marL="0" indent="0">
+                        <a:buNone/>
+                      </a:pPr>
+                      <a:r>
+                        <a:rPr lang="en-US" sz="900" dirty="0">
+                          <a:solidFill>
+                            <a:srgbClr val="000000"/>
+                          </a:solidFill>
+                        </a:rPr>
+                        <a:t>SVM_5</a:t>
+                      </a:r>
+                      <a:endParaRPr lang="en-US" sz="900" dirty="0"/>
+                    </a:p>
+                  </a:txBody>
+                  <a:tcPr>
+                    <a:lnL w="6350" cap="flat" cmpd="sng" algn="ctr">
+                      <a:solidFill>
+                        <a:srgbClr val="E5E7EB"/>
+                      </a:solidFill>
+                      <a:prstDash val="solid"/>
+                      <a:round/>
+                      <a:headEnd type="none" w="med" len="med"/>
+                      <a:tailEnd type="none" w="med" len="med"/>
+                    </a:lnL>
+                    <a:lnR w="6350" cap="flat" cmpd="sng" algn="ctr">
+                      <a:solidFill>
+                        <a:srgbClr val="E5E7EB"/>
+                      </a:solidFill>
+                      <a:prstDash val="solid"/>
+                      <a:round/>
+                      <a:headEnd type="none" w="med" len="med"/>
+                      <a:tailEnd type="none" w="med" len="med"/>
+                    </a:lnR>
+                    <a:lnT w="6350" cap="flat" cmpd="sng" algn="ctr">
+                      <a:solidFill>
+                        <a:srgbClr val="E5E7EB"/>
+                      </a:solidFill>
+                      <a:prstDash val="solid"/>
+                      <a:round/>
+                      <a:headEnd type="none" w="med" len="med"/>
+                      <a:tailEnd type="none" w="med" len="med"/>
+                    </a:lnT>
+                    <a:lnB w="6350" cap="flat" cmpd="sng" algn="ctr">
+                      <a:solidFill>
+                        <a:srgbClr val="E5E7EB"/>
+                      </a:solidFill>
+                      <a:prstDash val="solid"/>
+                      <a:round/>
+                      <a:headEnd type="none" w="med" len="med"/>
+                      <a:tailEnd type="none" w="med" len="med"/>
+                    </a:lnB>
+                    <a:solidFill>
+                      <a:srgbClr val="FFFFFF"/>
+                    </a:solidFill>
+                  </a:tcPr>
+                </a:tc>
+                <a:tc>
+                  <a:txBody>
+                    <a:bodyPr/>
+                    <a:lstStyle/>
+                    <a:p>
+                      <a:pPr marL="0" indent="0">
+                        <a:buNone/>
+                      </a:pPr>
+                      <a:r>
+                        <a:rPr lang="en-US" sz="900" dirty="0">
+                          <a:solidFill>
+                            <a:srgbClr val="000000"/>
+                          </a:solidFill>
+                        </a:rPr>
+                        <a:t>SVM</a:t>
+                      </a:r>
+                      <a:endParaRPr lang="en-US" sz="900" dirty="0"/>
+                    </a:p>
+                  </a:txBody>
+                  <a:tcPr>
+                    <a:lnL w="6350" cap="flat" cmpd="sng" algn="ctr">
+                      <a:solidFill>
+                        <a:srgbClr val="E5E7EB"/>
+                      </a:solidFill>
+                      <a:prstDash val="solid"/>
+                      <a:round/>
+                      <a:headEnd type="none" w="med" len="med"/>
+                      <a:tailEnd type="none" w="med" len="med"/>
+                    </a:lnL>
+                    <a:lnR w="6350" cap="flat" cmpd="sng" algn="ctr">
+                      <a:solidFill>
+                        <a:srgbClr val="E5E7EB"/>
+                      </a:solidFill>
+                      <a:prstDash val="solid"/>
+                      <a:round/>
+                      <a:headEnd type="none" w="med" len="med"/>
+                      <a:tailEnd type="none" w="med" len="med"/>
+                    </a:lnR>
+                    <a:lnT w="6350" cap="flat" cmpd="sng" algn="ctr">
+                      <a:solidFill>
+                        <a:srgbClr val="E5E7EB"/>
+                      </a:solidFill>
+                      <a:prstDash val="solid"/>
+                      <a:round/>
+                      <a:headEnd type="none" w="med" len="med"/>
+                      <a:tailEnd type="none" w="med" len="med"/>
+                    </a:lnT>
+                    <a:lnB w="6350" cap="flat" cmpd="sng" algn="ctr">
+                      <a:solidFill>
+                        <a:srgbClr val="E5E7EB"/>
+                      </a:solidFill>
+                      <a:prstDash val="solid"/>
+                      <a:round/>
+                      <a:headEnd type="none" w="med" len="med"/>
+                      <a:tailEnd type="none" w="med" len="med"/>
+                    </a:lnB>
+                    <a:solidFill>
+                      <a:srgbClr val="FFFFFF"/>
+                    </a:solidFill>
+                  </a:tcPr>
+                </a:tc>
+                <a:tc>
+                  <a:txBody>
+                    <a:bodyPr/>
+                    <a:lstStyle/>
+                    <a:p>
+                      <a:pPr marL="0" indent="0">
+                        <a:buNone/>
+                      </a:pPr>
+                      <a:r>
+                        <a:rPr lang="en-US" sz="900" dirty="0">
+                          <a:solidFill>
+                            <a:srgbClr val="000000"/>
+                          </a:solidFill>
+                        </a:rPr>
+                        <a:t>poly, C=1.0, degree=3</a:t>
+                      </a:r>
+                      <a:endParaRPr lang="en-US" sz="900" dirty="0"/>
+                    </a:p>
+                  </a:txBody>
+                  <a:tcPr>
+                    <a:lnL w="6350" cap="flat" cmpd="sng" algn="ctr">
+                      <a:solidFill>
+                        <a:srgbClr val="E5E7EB"/>
+                      </a:solidFill>
+                      <a:prstDash val="solid"/>
+                      <a:round/>
+                      <a:headEnd type="none" w="med" len="med"/>
+                      <a:tailEnd type="none" w="med" len="med"/>
+                    </a:lnL>
+                    <a:lnR w="6350" cap="flat" cmpd="sng" algn="ctr">
+                      <a:solidFill>
+                        <a:srgbClr val="E5E7EB"/>
+                      </a:solidFill>
+                      <a:prstDash val="solid"/>
+                      <a:round/>
+                      <a:headEnd type="none" w="med" len="med"/>
+                      <a:tailEnd type="none" w="med" len="med"/>
+                    </a:lnR>
+                    <a:lnT w="6350" cap="flat" cmpd="sng" algn="ctr">
+                      <a:solidFill>
+                        <a:srgbClr val="E5E7EB"/>
+                      </a:solidFill>
+                      <a:prstDash val="solid"/>
+                      <a:round/>
+                      <a:headEnd type="none" w="med" len="med"/>
+                      <a:tailEnd type="none" w="med" len="med"/>
+                    </a:lnT>
+                    <a:lnB w="6350" cap="flat" cmpd="sng" algn="ctr">
+                      <a:solidFill>
+                        <a:srgbClr val="E5E7EB"/>
+                      </a:solidFill>
+                      <a:prstDash val="solid"/>
+                      <a:round/>
+                      <a:headEnd type="none" w="med" len="med"/>
+                      <a:tailEnd type="none" w="med" len="med"/>
+                    </a:lnB>
+                    <a:solidFill>
+                      <a:srgbClr val="FFFFFF"/>
+                    </a:solidFill>
+                  </a:tcPr>
+                </a:tc>
+                <a:tc>
+                  <a:txBody>
+                    <a:bodyPr/>
+                    <a:lstStyle/>
+                    <a:p>
+                      <a:pPr marL="0" indent="0">
+                        <a:buNone/>
+                      </a:pPr>
+                      <a:r>
+                        <a:rPr lang="en-US" sz="900" dirty="0">
+                          <a:solidFill>
+                            <a:srgbClr val="000000"/>
+                          </a:solidFill>
+                        </a:rPr>
+                        <a:t>0.654</a:t>
+                      </a:r>
+                      <a:endParaRPr lang="en-US" sz="900" dirty="0"/>
+                    </a:p>
+                  </a:txBody>
+                  <a:tcPr>
+                    <a:lnL w="6350" cap="flat" cmpd="sng" algn="ctr">
+                      <a:solidFill>
+                        <a:srgbClr val="E5E7EB"/>
+                      </a:solidFill>
+                      <a:prstDash val="solid"/>
+                      <a:round/>
+                      <a:headEnd type="none" w="med" len="med"/>
+                      <a:tailEnd type="none" w="med" len="med"/>
+                    </a:lnL>
+                    <a:lnR w="6350" cap="flat" cmpd="sng" algn="ctr">
+                      <a:solidFill>
+                        <a:srgbClr val="E5E7EB"/>
+                      </a:solidFill>
+                      <a:prstDash val="solid"/>
+                      <a:round/>
+                      <a:headEnd type="none" w="med" len="med"/>
+                      <a:tailEnd type="none" w="med" len="med"/>
+                    </a:lnR>
+                    <a:lnT w="6350" cap="flat" cmpd="sng" algn="ctr">
+                      <a:solidFill>
+                        <a:srgbClr val="E5E7EB"/>
+                      </a:solidFill>
+                      <a:prstDash val="solid"/>
+                      <a:round/>
+                      <a:headEnd type="none" w="med" len="med"/>
+                      <a:tailEnd type="none" w="med" len="med"/>
+                    </a:lnT>
+                    <a:lnB w="6350" cap="flat" cmpd="sng" algn="ctr">
+                      <a:solidFill>
+                        <a:srgbClr val="E5E7EB"/>
+                      </a:solidFill>
+                      <a:prstDash val="solid"/>
+                      <a:round/>
+                      <a:headEnd type="none" w="med" len="med"/>
+                      <a:tailEnd type="none" w="med" len="med"/>
+                    </a:lnB>
+                    <a:solidFill>
+                      <a:srgbClr val="FFFFFF"/>
+                    </a:solidFill>
+                  </a:tcPr>
+                </a:tc>
+                <a:tc>
+                  <a:txBody>
+                    <a:bodyPr/>
+                    <a:lstStyle/>
+                    <a:p>
+                      <a:pPr marL="0" indent="0">
+                        <a:buNone/>
+                      </a:pPr>
+                      <a:r>
+                        <a:rPr lang="en-US" sz="900" dirty="0">
+                          <a:solidFill>
+                            <a:srgbClr val="000000"/>
+                          </a:solidFill>
+                        </a:rPr>
+                        <a:t>0.747</a:t>
+                      </a:r>
+                      <a:endParaRPr lang="en-US" sz="900" dirty="0"/>
+                    </a:p>
+                  </a:txBody>
+                  <a:tcPr>
+                    <a:lnL w="6350" cap="flat" cmpd="sng" algn="ctr">
+                      <a:solidFill>
+                        <a:srgbClr val="E5E7EB"/>
+                      </a:solidFill>
+                      <a:prstDash val="solid"/>
+                      <a:round/>
+                      <a:headEnd type="none" w="med" len="med"/>
+                      <a:tailEnd type="none" w="med" len="med"/>
+                    </a:lnL>
+                    <a:lnR w="6350" cap="flat" cmpd="sng" algn="ctr">
+                      <a:solidFill>
+                        <a:srgbClr val="E5E7EB"/>
+                      </a:solidFill>
+                      <a:prstDash val="solid"/>
+                      <a:round/>
+                      <a:headEnd type="none" w="med" len="med"/>
+                      <a:tailEnd type="none" w="med" len="med"/>
+                    </a:lnR>
+                    <a:lnT w="6350" cap="flat" cmpd="sng" algn="ctr">
+                      <a:solidFill>
+                        <a:srgbClr val="E5E7EB"/>
+                      </a:solidFill>
+                      <a:prstDash val="solid"/>
+                      <a:round/>
+                      <a:headEnd type="none" w="med" len="med"/>
+                      <a:tailEnd type="none" w="med" len="med"/>
+                    </a:lnT>
+                    <a:lnB w="6350" cap="flat" cmpd="sng" algn="ctr">
+                      <a:solidFill>
+                        <a:srgbClr val="E5E7EB"/>
+                      </a:solidFill>
+                      <a:prstDash val="solid"/>
+                      <a:round/>
+                      <a:headEnd type="none" w="med" len="med"/>
+                      <a:tailEnd type="none" w="med" len="med"/>
+                    </a:lnB>
+                    <a:solidFill>
+                      <a:srgbClr val="FFFFFF"/>
+                    </a:solidFill>
+                  </a:tcPr>
+                </a:tc>
+                <a:extLst>
+                  <a:ext uri="{0D108BD9-81ED-4DB2-BD59-A6C34878D82A}">
+                    <a16:rowId xmlns:a16="http://schemas.microsoft.com/office/drawing/2014/main" val="10008"/>
+                  </a:ext>
+                </a:extLst>
+              </a:tr>
+              <a:tr h="210312">
+                <a:tc>
+                  <a:txBody>
+                    <a:bodyPr/>
+                    <a:lstStyle/>
+                    <a:p>
+                      <a:pPr marL="0" indent="0">
+                        <a:buNone/>
+                      </a:pPr>
+                      <a:r>
+                        <a:rPr lang="en-US" sz="900" dirty="0">
+                          <a:solidFill>
+                            <a:srgbClr val="000000"/>
+                          </a:solidFill>
+                        </a:rPr>
+                        <a:t>NN_1</a:t>
+                      </a:r>
+                      <a:endParaRPr lang="en-US" sz="900" dirty="0"/>
+                    </a:p>
+                  </a:txBody>
+                  <a:tcPr>
+                    <a:lnL w="6350" cap="flat" cmpd="sng" algn="ctr">
+                      <a:solidFill>
+                        <a:srgbClr val="E5E7EB"/>
+                      </a:solidFill>
+                      <a:prstDash val="solid"/>
+                      <a:round/>
+                      <a:headEnd type="none" w="med" len="med"/>
+                      <a:tailEnd type="none" w="med" len="med"/>
+                    </a:lnL>
+                    <a:lnR w="6350" cap="flat" cmpd="sng" algn="ctr">
+                      <a:solidFill>
+                        <a:srgbClr val="E5E7EB"/>
+                      </a:solidFill>
+                      <a:prstDash val="solid"/>
+                      <a:round/>
+                      <a:headEnd type="none" w="med" len="med"/>
+                      <a:tailEnd type="none" w="med" len="med"/>
+                    </a:lnR>
+                    <a:lnT w="6350" cap="flat" cmpd="sng" algn="ctr">
+                      <a:solidFill>
+                        <a:srgbClr val="E5E7EB"/>
+                      </a:solidFill>
+                      <a:prstDash val="solid"/>
+                      <a:round/>
+                      <a:headEnd type="none" w="med" len="med"/>
+                      <a:tailEnd type="none" w="med" len="med"/>
+                    </a:lnT>
+                    <a:lnB w="6350" cap="flat" cmpd="sng" algn="ctr">
+                      <a:solidFill>
+                        <a:srgbClr val="E5E7EB"/>
+                      </a:solidFill>
+                      <a:prstDash val="solid"/>
+                      <a:round/>
+                      <a:headEnd type="none" w="med" len="med"/>
+                      <a:tailEnd type="none" w="med" len="med"/>
+                    </a:lnB>
+                    <a:solidFill>
+                      <a:srgbClr val="FFFFFF"/>
+                    </a:solidFill>
+                  </a:tcPr>
+                </a:tc>
+                <a:tc>
+                  <a:txBody>
+                    <a:bodyPr/>
+                    <a:lstStyle/>
+                    <a:p>
+                      <a:pPr marL="0" indent="0">
+                        <a:buNone/>
+                      </a:pPr>
+                      <a:r>
+                        <a:rPr lang="en-US" sz="900" dirty="0">
+                          <a:solidFill>
+                            <a:srgbClr val="000000"/>
+                          </a:solidFill>
+                        </a:rPr>
+                        <a:t>Neural Net</a:t>
+                      </a:r>
+                      <a:endParaRPr lang="en-US" sz="900" dirty="0"/>
+                    </a:p>
+                  </a:txBody>
+                  <a:tcPr>
+                    <a:lnL w="6350" cap="flat" cmpd="sng" algn="ctr">
+                      <a:solidFill>
+                        <a:srgbClr val="E5E7EB"/>
+                      </a:solidFill>
+                      <a:prstDash val="solid"/>
+                      <a:round/>
+                      <a:headEnd type="none" w="med" len="med"/>
+                      <a:tailEnd type="none" w="med" len="med"/>
+                    </a:lnL>
+                    <a:lnR w="6350" cap="flat" cmpd="sng" algn="ctr">
+                      <a:solidFill>
+                        <a:srgbClr val="E5E7EB"/>
+                      </a:solidFill>
+                      <a:prstDash val="solid"/>
+                      <a:round/>
+                      <a:headEnd type="none" w="med" len="med"/>
+                      <a:tailEnd type="none" w="med" len="med"/>
+                    </a:lnR>
+                    <a:lnT w="6350" cap="flat" cmpd="sng" algn="ctr">
+                      <a:solidFill>
+                        <a:srgbClr val="E5E7EB"/>
+                      </a:solidFill>
+                      <a:prstDash val="solid"/>
+                      <a:round/>
+                      <a:headEnd type="none" w="med" len="med"/>
+                      <a:tailEnd type="none" w="med" len="med"/>
+                    </a:lnT>
+                    <a:lnB w="6350" cap="flat" cmpd="sng" algn="ctr">
+                      <a:solidFill>
+                        <a:srgbClr val="E5E7EB"/>
+                      </a:solidFill>
+                      <a:prstDash val="solid"/>
+                      <a:round/>
+                      <a:headEnd type="none" w="med" len="med"/>
+                      <a:tailEnd type="none" w="med" len="med"/>
+                    </a:lnB>
+                    <a:solidFill>
+                      <a:srgbClr val="FFFFFF"/>
+                    </a:solidFill>
+                  </a:tcPr>
+                </a:tc>
+                <a:tc>
+                  <a:txBody>
+                    <a:bodyPr/>
+                    <a:lstStyle/>
+                    <a:p>
+                      <a:pPr marL="0" indent="0">
+                        <a:buNone/>
+                      </a:pPr>
+                      <a:r>
+                        <a:rPr lang="en-US" sz="900" dirty="0">
+                          <a:solidFill>
+                            <a:srgbClr val="000000"/>
+                          </a:solidFill>
+                        </a:rPr>
+                        <a:t>layers=(50,), relu, lr=0.001</a:t>
+                      </a:r>
+                      <a:endParaRPr lang="en-US" sz="900" dirty="0"/>
+                    </a:p>
+                  </a:txBody>
+                  <a:tcPr>
+                    <a:lnL w="6350" cap="flat" cmpd="sng" algn="ctr">
+                      <a:solidFill>
+                        <a:srgbClr val="E5E7EB"/>
+                      </a:solidFill>
+                      <a:prstDash val="solid"/>
+                      <a:round/>
+                      <a:headEnd type="none" w="med" len="med"/>
+                      <a:tailEnd type="none" w="med" len="med"/>
+                    </a:lnL>
+                    <a:lnR w="6350" cap="flat" cmpd="sng" algn="ctr">
+                      <a:solidFill>
+                        <a:srgbClr val="E5E7EB"/>
+                      </a:solidFill>
+                      <a:prstDash val="solid"/>
+                      <a:round/>
+                      <a:headEnd type="none" w="med" len="med"/>
+                      <a:tailEnd type="none" w="med" len="med"/>
+                    </a:lnR>
+                    <a:lnT w="6350" cap="flat" cmpd="sng" algn="ctr">
+                      <a:solidFill>
+                        <a:srgbClr val="E5E7EB"/>
+                      </a:solidFill>
+                      <a:prstDash val="solid"/>
+                      <a:round/>
+                      <a:headEnd type="none" w="med" len="med"/>
+                      <a:tailEnd type="none" w="med" len="med"/>
+                    </a:lnT>
+                    <a:lnB w="6350" cap="flat" cmpd="sng" algn="ctr">
+                      <a:solidFill>
+                        <a:srgbClr val="E5E7EB"/>
+                      </a:solidFill>
+                      <a:prstDash val="solid"/>
+                      <a:round/>
+                      <a:headEnd type="none" w="med" len="med"/>
+                      <a:tailEnd type="none" w="med" len="med"/>
+                    </a:lnB>
+                    <a:solidFill>
+                      <a:srgbClr val="FFFFFF"/>
+                    </a:solidFill>
+                  </a:tcPr>
+                </a:tc>
+                <a:tc>
+                  <a:txBody>
+                    <a:bodyPr/>
+                    <a:lstStyle/>
+                    <a:p>
+                      <a:pPr marL="0" indent="0">
+                        <a:buNone/>
+                      </a:pPr>
+                      <a:r>
+                        <a:rPr lang="en-US" sz="900" dirty="0">
+                          <a:solidFill>
+                            <a:srgbClr val="000000"/>
+                          </a:solidFill>
+                        </a:rPr>
+                        <a:t>0.673</a:t>
+                      </a:r>
+                      <a:endParaRPr lang="en-US" sz="900" dirty="0"/>
+                    </a:p>
+                  </a:txBody>
+                  <a:tcPr>
+                    <a:lnL w="6350" cap="flat" cmpd="sng" algn="ctr">
+                      <a:solidFill>
+                        <a:srgbClr val="E5E7EB"/>
+                      </a:solidFill>
+                      <a:prstDash val="solid"/>
+                      <a:round/>
+                      <a:headEnd type="none" w="med" len="med"/>
+                      <a:tailEnd type="none" w="med" len="med"/>
+                    </a:lnL>
+                    <a:lnR w="6350" cap="flat" cmpd="sng" algn="ctr">
+                      <a:solidFill>
+                        <a:srgbClr val="E5E7EB"/>
+                      </a:solidFill>
+                      <a:prstDash val="solid"/>
+                      <a:round/>
+                      <a:headEnd type="none" w="med" len="med"/>
+                      <a:tailEnd type="none" w="med" len="med"/>
+                    </a:lnR>
+                    <a:lnT w="6350" cap="flat" cmpd="sng" algn="ctr">
+                      <a:solidFill>
+                        <a:srgbClr val="E5E7EB"/>
+                      </a:solidFill>
+                      <a:prstDash val="solid"/>
+                      <a:round/>
+                      <a:headEnd type="none" w="med" len="med"/>
+                      <a:tailEnd type="none" w="med" len="med"/>
+                    </a:lnT>
+                    <a:lnB w="6350" cap="flat" cmpd="sng" algn="ctr">
+                      <a:solidFill>
+                        <a:srgbClr val="E5E7EB"/>
+                      </a:solidFill>
+                      <a:prstDash val="solid"/>
+                      <a:round/>
+                      <a:headEnd type="none" w="med" len="med"/>
+                      <a:tailEnd type="none" w="med" len="med"/>
+                    </a:lnB>
+                    <a:solidFill>
+                      <a:srgbClr val="FFFFFF"/>
+                    </a:solidFill>
+                  </a:tcPr>
+                </a:tc>
+                <a:tc>
+                  <a:txBody>
+                    <a:bodyPr/>
+                    <a:lstStyle/>
+                    <a:p>
+                      <a:pPr marL="0" indent="0">
+                        <a:buNone/>
+                      </a:pPr>
+                      <a:r>
+                        <a:rPr lang="en-US" sz="900" dirty="0">
+                          <a:solidFill>
+                            <a:srgbClr val="000000"/>
+                          </a:solidFill>
+                        </a:rPr>
+                        <a:t>0.717</a:t>
+                      </a:r>
+                      <a:endParaRPr lang="en-US" sz="900" dirty="0"/>
+                    </a:p>
+                  </a:txBody>
+                  <a:tcPr>
+                    <a:lnL w="6350" cap="flat" cmpd="sng" algn="ctr">
+                      <a:solidFill>
+                        <a:srgbClr val="E5E7EB"/>
+                      </a:solidFill>
+                      <a:prstDash val="solid"/>
+                      <a:round/>
+                      <a:headEnd type="none" w="med" len="med"/>
+                      <a:tailEnd type="none" w="med" len="med"/>
+                    </a:lnL>
+                    <a:lnR w="6350" cap="flat" cmpd="sng" algn="ctr">
+                      <a:solidFill>
+                        <a:srgbClr val="E5E7EB"/>
+                      </a:solidFill>
+                      <a:prstDash val="solid"/>
+                      <a:round/>
+                      <a:headEnd type="none" w="med" len="med"/>
+                      <a:tailEnd type="none" w="med" len="med"/>
+                    </a:lnR>
+                    <a:lnT w="6350" cap="flat" cmpd="sng" algn="ctr">
+                      <a:solidFill>
+                        <a:srgbClr val="E5E7EB"/>
+                      </a:solidFill>
+                      <a:prstDash val="solid"/>
+                      <a:round/>
+                      <a:headEnd type="none" w="med" len="med"/>
+                      <a:tailEnd type="none" w="med" len="med"/>
+                    </a:lnT>
+                    <a:lnB w="6350" cap="flat" cmpd="sng" algn="ctr">
+                      <a:solidFill>
+                        <a:srgbClr val="E5E7EB"/>
+                      </a:solidFill>
+                      <a:prstDash val="solid"/>
+                      <a:round/>
+                      <a:headEnd type="none" w="med" len="med"/>
+                      <a:tailEnd type="none" w="med" len="med"/>
+                    </a:lnB>
+                    <a:solidFill>
+                      <a:srgbClr val="FFFFFF"/>
+                    </a:solidFill>
+                  </a:tcPr>
+                </a:tc>
+                <a:extLst>
+                  <a:ext uri="{0D108BD9-81ED-4DB2-BD59-A6C34878D82A}">
+                    <a16:rowId xmlns:a16="http://schemas.microsoft.com/office/drawing/2014/main" val="10009"/>
+                  </a:ext>
+                </a:extLst>
+              </a:tr>
+              <a:tr h="210312">
+                <a:tc>
+                  <a:txBody>
+                    <a:bodyPr/>
+                    <a:lstStyle/>
+                    <a:p>
+                      <a:pPr marL="0" indent="0">
+                        <a:buNone/>
+                      </a:pPr>
+                      <a:r>
+                        <a:rPr lang="en-US" sz="900" dirty="0">
+                          <a:solidFill>
+                            <a:srgbClr val="000000"/>
+                          </a:solidFill>
+                        </a:rPr>
+                        <a:t>NN_2</a:t>
+                      </a:r>
+                      <a:endParaRPr lang="en-US" sz="900" dirty="0"/>
+                    </a:p>
+                  </a:txBody>
+                  <a:tcPr>
+                    <a:lnL w="6350" cap="flat" cmpd="sng" algn="ctr">
+                      <a:solidFill>
+                        <a:srgbClr val="E5E7EB"/>
+                      </a:solidFill>
+                      <a:prstDash val="solid"/>
+                      <a:round/>
+                      <a:headEnd type="none" w="med" len="med"/>
+                      <a:tailEnd type="none" w="med" len="med"/>
+                    </a:lnL>
+                    <a:lnR w="6350" cap="flat" cmpd="sng" algn="ctr">
+                      <a:solidFill>
+                        <a:srgbClr val="E5E7EB"/>
+                      </a:solidFill>
+                      <a:prstDash val="solid"/>
+                      <a:round/>
+                      <a:headEnd type="none" w="med" len="med"/>
+                      <a:tailEnd type="none" w="med" len="med"/>
+                    </a:lnR>
+                    <a:lnT w="6350" cap="flat" cmpd="sng" algn="ctr">
+                      <a:solidFill>
+                        <a:srgbClr val="E5E7EB"/>
+                      </a:solidFill>
+                      <a:prstDash val="solid"/>
+                      <a:round/>
+                      <a:headEnd type="none" w="med" len="med"/>
+                      <a:tailEnd type="none" w="med" len="med"/>
+                    </a:lnT>
+                    <a:lnB w="6350" cap="flat" cmpd="sng" algn="ctr">
+                      <a:solidFill>
+                        <a:srgbClr val="E5E7EB"/>
+                      </a:solidFill>
+                      <a:prstDash val="solid"/>
+                      <a:round/>
+                      <a:headEnd type="none" w="med" len="med"/>
+                      <a:tailEnd type="none" w="med" len="med"/>
+                    </a:lnB>
+                    <a:solidFill>
+                      <a:srgbClr val="FFFFFF"/>
+                    </a:solidFill>
+                  </a:tcPr>
+                </a:tc>
+                <a:tc>
+                  <a:txBody>
+                    <a:bodyPr/>
+                    <a:lstStyle/>
+                    <a:p>
+                      <a:pPr marL="0" indent="0">
+                        <a:buNone/>
+                      </a:pPr>
+                      <a:r>
+                        <a:rPr lang="en-US" sz="900" dirty="0">
+                          <a:solidFill>
+                            <a:srgbClr val="000000"/>
+                          </a:solidFill>
+                        </a:rPr>
+                        <a:t>Neural Net</a:t>
+                      </a:r>
+                      <a:endParaRPr lang="en-US" sz="900" dirty="0"/>
+                    </a:p>
+                  </a:txBody>
+                  <a:tcPr>
+                    <a:lnL w="6350" cap="flat" cmpd="sng" algn="ctr">
+                      <a:solidFill>
+                        <a:srgbClr val="E5E7EB"/>
+                      </a:solidFill>
+                      <a:prstDash val="solid"/>
+                      <a:round/>
+                      <a:headEnd type="none" w="med" len="med"/>
+                      <a:tailEnd type="none" w="med" len="med"/>
+                    </a:lnL>
+                    <a:lnR w="6350" cap="flat" cmpd="sng" algn="ctr">
+                      <a:solidFill>
+                        <a:srgbClr val="E5E7EB"/>
+                      </a:solidFill>
+                      <a:prstDash val="solid"/>
+                      <a:round/>
+                      <a:headEnd type="none" w="med" len="med"/>
+                      <a:tailEnd type="none" w="med" len="med"/>
+                    </a:lnR>
+                    <a:lnT w="6350" cap="flat" cmpd="sng" algn="ctr">
+                      <a:solidFill>
+                        <a:srgbClr val="E5E7EB"/>
+                      </a:solidFill>
+                      <a:prstDash val="solid"/>
+                      <a:round/>
+                      <a:headEnd type="none" w="med" len="med"/>
+                      <a:tailEnd type="none" w="med" len="med"/>
+                    </a:lnT>
+                    <a:lnB w="6350" cap="flat" cmpd="sng" algn="ctr">
+                      <a:solidFill>
+                        <a:srgbClr val="E5E7EB"/>
+                      </a:solidFill>
+                      <a:prstDash val="solid"/>
+                      <a:round/>
+                      <a:headEnd type="none" w="med" len="med"/>
+                      <a:tailEnd type="none" w="med" len="med"/>
+                    </a:lnB>
+                    <a:solidFill>
+                      <a:srgbClr val="FFFFFF"/>
+                    </a:solidFill>
+                  </a:tcPr>
+                </a:tc>
+                <a:tc>
+                  <a:txBody>
+                    <a:bodyPr/>
+                    <a:lstStyle/>
+                    <a:p>
+                      <a:pPr marL="0" indent="0">
+                        <a:buNone/>
+                      </a:pPr>
+                      <a:r>
+                        <a:rPr lang="en-US" sz="900" dirty="0">
+                          <a:solidFill>
+                            <a:srgbClr val="000000"/>
+                          </a:solidFill>
+                        </a:rPr>
+                        <a:t>layers=(100,), relu, lr=0.001</a:t>
+                      </a:r>
+                      <a:endParaRPr lang="en-US" sz="900" dirty="0"/>
+                    </a:p>
+                  </a:txBody>
+                  <a:tcPr>
+                    <a:lnL w="6350" cap="flat" cmpd="sng" algn="ctr">
+                      <a:solidFill>
+                        <a:srgbClr val="E5E7EB"/>
+                      </a:solidFill>
+                      <a:prstDash val="solid"/>
+                      <a:round/>
+                      <a:headEnd type="none" w="med" len="med"/>
+                      <a:tailEnd type="none" w="med" len="med"/>
+                    </a:lnL>
+                    <a:lnR w="6350" cap="flat" cmpd="sng" algn="ctr">
+                      <a:solidFill>
+                        <a:srgbClr val="E5E7EB"/>
+                      </a:solidFill>
+                      <a:prstDash val="solid"/>
+                      <a:round/>
+                      <a:headEnd type="none" w="med" len="med"/>
+                      <a:tailEnd type="none" w="med" len="med"/>
+                    </a:lnR>
+                    <a:lnT w="6350" cap="flat" cmpd="sng" algn="ctr">
+                      <a:solidFill>
+                        <a:srgbClr val="E5E7EB"/>
+                      </a:solidFill>
+                      <a:prstDash val="solid"/>
+                      <a:round/>
+                      <a:headEnd type="none" w="med" len="med"/>
+                      <a:tailEnd type="none" w="med" len="med"/>
+                    </a:lnT>
+                    <a:lnB w="6350" cap="flat" cmpd="sng" algn="ctr">
+                      <a:solidFill>
+                        <a:srgbClr val="E5E7EB"/>
+                      </a:solidFill>
+                      <a:prstDash val="solid"/>
+                      <a:round/>
+                      <a:headEnd type="none" w="med" len="med"/>
+                      <a:tailEnd type="none" w="med" len="med"/>
+                    </a:lnB>
+                    <a:solidFill>
+                      <a:srgbClr val="FFFFFF"/>
+                    </a:solidFill>
+                  </a:tcPr>
+                </a:tc>
+                <a:tc>
+                  <a:txBody>
+                    <a:bodyPr/>
+                    <a:lstStyle/>
+                    <a:p>
+                      <a:pPr marL="0" indent="0">
+                        <a:buNone/>
+                      </a:pPr>
+                      <a:r>
+                        <a:rPr lang="en-US" sz="900" dirty="0">
+                          <a:solidFill>
+                            <a:srgbClr val="000000"/>
+                          </a:solidFill>
+                        </a:rPr>
+                        <a:t>0.721</a:t>
+                      </a:r>
+                      <a:endParaRPr lang="en-US" sz="900" dirty="0"/>
+                    </a:p>
+                  </a:txBody>
+                  <a:tcPr>
+                    <a:lnL w="6350" cap="flat" cmpd="sng" algn="ctr">
+                      <a:solidFill>
+                        <a:srgbClr val="E5E7EB"/>
+                      </a:solidFill>
+                      <a:prstDash val="solid"/>
+                      <a:round/>
+                      <a:headEnd type="none" w="med" len="med"/>
+                      <a:tailEnd type="none" w="med" len="med"/>
+                    </a:lnL>
+                    <a:lnR w="6350" cap="flat" cmpd="sng" algn="ctr">
+                      <a:solidFill>
+                        <a:srgbClr val="E5E7EB"/>
+                      </a:solidFill>
+                      <a:prstDash val="solid"/>
+                      <a:round/>
+                      <a:headEnd type="none" w="med" len="med"/>
+                      <a:tailEnd type="none" w="med" len="med"/>
+                    </a:lnR>
+                    <a:lnT w="6350" cap="flat" cmpd="sng" algn="ctr">
+                      <a:solidFill>
+                        <a:srgbClr val="E5E7EB"/>
+                      </a:solidFill>
+                      <a:prstDash val="solid"/>
+                      <a:round/>
+                      <a:headEnd type="none" w="med" len="med"/>
+                      <a:tailEnd type="none" w="med" len="med"/>
+                    </a:lnT>
+                    <a:lnB w="6350" cap="flat" cmpd="sng" algn="ctr">
+                      <a:solidFill>
+                        <a:srgbClr val="E5E7EB"/>
+                      </a:solidFill>
+                      <a:prstDash val="solid"/>
+                      <a:round/>
+                      <a:headEnd type="none" w="med" len="med"/>
+                      <a:tailEnd type="none" w="med" len="med"/>
+                    </a:lnB>
+                    <a:solidFill>
+                      <a:srgbClr val="FFFFFF"/>
+                    </a:solidFill>
+                  </a:tcPr>
+                </a:tc>
+                <a:tc>
+                  <a:txBody>
+                    <a:bodyPr/>
+                    <a:lstStyle/>
+                    <a:p>
+                      <a:pPr marL="0" indent="0">
+                        <a:buNone/>
+                      </a:pPr>
+                      <a:r>
+                        <a:rPr lang="en-US" sz="900" dirty="0">
+                          <a:solidFill>
+                            <a:srgbClr val="000000"/>
+                          </a:solidFill>
+                        </a:rPr>
+                        <a:t>0.760</a:t>
+                      </a:r>
+                      <a:endParaRPr lang="en-US" sz="900" dirty="0"/>
+                    </a:p>
+                  </a:txBody>
+                  <a:tcPr>
+                    <a:lnL w="6350" cap="flat" cmpd="sng" algn="ctr">
+                      <a:solidFill>
+                        <a:srgbClr val="E5E7EB"/>
+                      </a:solidFill>
+                      <a:prstDash val="solid"/>
+                      <a:round/>
+                      <a:headEnd type="none" w="med" len="med"/>
+                      <a:tailEnd type="none" w="med" len="med"/>
+                    </a:lnL>
+                    <a:lnR w="6350" cap="flat" cmpd="sng" algn="ctr">
+                      <a:solidFill>
+                        <a:srgbClr val="E5E7EB"/>
+                      </a:solidFill>
+                      <a:prstDash val="solid"/>
+                      <a:round/>
+                      <a:headEnd type="none" w="med" len="med"/>
+                      <a:tailEnd type="none" w="med" len="med"/>
+                    </a:lnR>
+                    <a:lnT w="6350" cap="flat" cmpd="sng" algn="ctr">
+                      <a:solidFill>
+                        <a:srgbClr val="E5E7EB"/>
+                      </a:solidFill>
+                      <a:prstDash val="solid"/>
+                      <a:round/>
+                      <a:headEnd type="none" w="med" len="med"/>
+                      <a:tailEnd type="none" w="med" len="med"/>
+                    </a:lnT>
+                    <a:lnB w="6350" cap="flat" cmpd="sng" algn="ctr">
+                      <a:solidFill>
+                        <a:srgbClr val="E5E7EB"/>
+                      </a:solidFill>
+                      <a:prstDash val="solid"/>
+                      <a:round/>
+                      <a:headEnd type="none" w="med" len="med"/>
+                      <a:tailEnd type="none" w="med" len="med"/>
+                    </a:lnB>
+                    <a:solidFill>
+                      <a:srgbClr val="FFFFFF"/>
+                    </a:solidFill>
+                  </a:tcPr>
+                </a:tc>
+                <a:extLst>
+                  <a:ext uri="{0D108BD9-81ED-4DB2-BD59-A6C34878D82A}">
+                    <a16:rowId xmlns:a16="http://schemas.microsoft.com/office/drawing/2014/main" val="10010"/>
+                  </a:ext>
+                </a:extLst>
+              </a:tr>
+              <a:tr h="210312">
+                <a:tc>
+                  <a:txBody>
+                    <a:bodyPr/>
+                    <a:lstStyle/>
+                    <a:p>
+                      <a:pPr marL="0" indent="0">
+                        <a:buNone/>
+                      </a:pPr>
+                      <a:r>
+                        <a:rPr lang="en-US" sz="900" dirty="0">
+                          <a:solidFill>
+                            <a:srgbClr val="000000"/>
+                          </a:solidFill>
+                        </a:rPr>
+                        <a:t>NN_5</a:t>
+                      </a:r>
+                      <a:endParaRPr lang="en-US" sz="900" dirty="0"/>
+                    </a:p>
+                  </a:txBody>
+                  <a:tcPr>
+                    <a:lnL w="6350" cap="flat" cmpd="sng" algn="ctr">
+                      <a:solidFill>
+                        <a:srgbClr val="E5E7EB"/>
+                      </a:solidFill>
+                      <a:prstDash val="solid"/>
+                      <a:round/>
+                      <a:headEnd type="none" w="med" len="med"/>
+                      <a:tailEnd type="none" w="med" len="med"/>
+                    </a:lnL>
+                    <a:lnR w="6350" cap="flat" cmpd="sng" algn="ctr">
+                      <a:solidFill>
+                        <a:srgbClr val="E5E7EB"/>
+                      </a:solidFill>
+                      <a:prstDash val="solid"/>
+                      <a:round/>
+                      <a:headEnd type="none" w="med" len="med"/>
+                      <a:tailEnd type="none" w="med" len="med"/>
+                    </a:lnR>
+                    <a:lnT w="6350" cap="flat" cmpd="sng" algn="ctr">
+                      <a:solidFill>
+                        <a:srgbClr val="E5E7EB"/>
+                      </a:solidFill>
+                      <a:prstDash val="solid"/>
+                      <a:round/>
+                      <a:headEnd type="none" w="med" len="med"/>
+                      <a:tailEnd type="none" w="med" len="med"/>
+                    </a:lnT>
+                    <a:lnB w="6350" cap="flat" cmpd="sng" algn="ctr">
+                      <a:solidFill>
+                        <a:srgbClr val="E5E7EB"/>
+                      </a:solidFill>
+                      <a:prstDash val="solid"/>
+                      <a:round/>
+                      <a:headEnd type="none" w="med" len="med"/>
+                      <a:tailEnd type="none" w="med" len="med"/>
+                    </a:lnB>
+                    <a:solidFill>
+                      <a:srgbClr val="FFFFFF"/>
+                    </a:solidFill>
+                  </a:tcPr>
+                </a:tc>
+                <a:tc>
+                  <a:txBody>
+                    <a:bodyPr/>
+                    <a:lstStyle/>
+                    <a:p>
+                      <a:pPr marL="0" indent="0">
+                        <a:buNone/>
+                      </a:pPr>
+                      <a:r>
+                        <a:rPr lang="en-US" sz="900" dirty="0">
+                          <a:solidFill>
+                            <a:srgbClr val="000000"/>
+                          </a:solidFill>
+                        </a:rPr>
+                        <a:t>Neural Net</a:t>
+                      </a:r>
+                      <a:endParaRPr lang="en-US" sz="900" dirty="0"/>
+                    </a:p>
+                  </a:txBody>
+                  <a:tcPr>
+                    <a:lnL w="6350" cap="flat" cmpd="sng" algn="ctr">
+                      <a:solidFill>
+                        <a:srgbClr val="E5E7EB"/>
+                      </a:solidFill>
+                      <a:prstDash val="solid"/>
+                      <a:round/>
+                      <a:headEnd type="none" w="med" len="med"/>
+                      <a:tailEnd type="none" w="med" len="med"/>
+                    </a:lnL>
+                    <a:lnR w="6350" cap="flat" cmpd="sng" algn="ctr">
+                      <a:solidFill>
+                        <a:srgbClr val="E5E7EB"/>
+                      </a:solidFill>
+                      <a:prstDash val="solid"/>
+                      <a:round/>
+                      <a:headEnd type="none" w="med" len="med"/>
+                      <a:tailEnd type="none" w="med" len="med"/>
+                    </a:lnR>
+                    <a:lnT w="6350" cap="flat" cmpd="sng" algn="ctr">
+                      <a:solidFill>
+                        <a:srgbClr val="E5E7EB"/>
+                      </a:solidFill>
+                      <a:prstDash val="solid"/>
+                      <a:round/>
+                      <a:headEnd type="none" w="med" len="med"/>
+                      <a:tailEnd type="none" w="med" len="med"/>
+                    </a:lnT>
+                    <a:lnB w="6350" cap="flat" cmpd="sng" algn="ctr">
+                      <a:solidFill>
+                        <a:srgbClr val="E5E7EB"/>
+                      </a:solidFill>
+                      <a:prstDash val="solid"/>
+                      <a:round/>
+                      <a:headEnd type="none" w="med" len="med"/>
+                      <a:tailEnd type="none" w="med" len="med"/>
+                    </a:lnB>
+                    <a:solidFill>
+                      <a:srgbClr val="FFFFFF"/>
+                    </a:solidFill>
+                  </a:tcPr>
+                </a:tc>
+                <a:tc>
+                  <a:txBody>
+                    <a:bodyPr/>
+                    <a:lstStyle/>
+                    <a:p>
+                      <a:pPr marL="0" indent="0">
+                        <a:buNone/>
+                      </a:pPr>
+                      <a:r>
+                        <a:rPr lang="en-US" sz="900" dirty="0">
+                          <a:solidFill>
+                            <a:srgbClr val="000000"/>
+                          </a:solidFill>
+                        </a:rPr>
+                        <a:t>layers=(64,32,16), relu, lr=0.001</a:t>
+                      </a:r>
+                      <a:endParaRPr lang="en-US" sz="900" dirty="0"/>
+                    </a:p>
+                  </a:txBody>
+                  <a:tcPr>
+                    <a:lnL w="6350" cap="flat" cmpd="sng" algn="ctr">
+                      <a:solidFill>
+                        <a:srgbClr val="E5E7EB"/>
+                      </a:solidFill>
+                      <a:prstDash val="solid"/>
+                      <a:round/>
+                      <a:headEnd type="none" w="med" len="med"/>
+                      <a:tailEnd type="none" w="med" len="med"/>
+                    </a:lnL>
+                    <a:lnR w="6350" cap="flat" cmpd="sng" algn="ctr">
+                      <a:solidFill>
+                        <a:srgbClr val="E5E7EB"/>
+                      </a:solidFill>
+                      <a:prstDash val="solid"/>
+                      <a:round/>
+                      <a:headEnd type="none" w="med" len="med"/>
+                      <a:tailEnd type="none" w="med" len="med"/>
+                    </a:lnR>
+                    <a:lnT w="6350" cap="flat" cmpd="sng" algn="ctr">
+                      <a:solidFill>
+                        <a:srgbClr val="E5E7EB"/>
+                      </a:solidFill>
+                      <a:prstDash val="solid"/>
+                      <a:round/>
+                      <a:headEnd type="none" w="med" len="med"/>
+                      <a:tailEnd type="none" w="med" len="med"/>
+                    </a:lnT>
+                    <a:lnB w="6350" cap="flat" cmpd="sng" algn="ctr">
+                      <a:solidFill>
+                        <a:srgbClr val="E5E7EB"/>
+                      </a:solidFill>
+                      <a:prstDash val="solid"/>
+                      <a:round/>
+                      <a:headEnd type="none" w="med" len="med"/>
+                      <a:tailEnd type="none" w="med" len="med"/>
+                    </a:lnB>
+                    <a:solidFill>
+                      <a:srgbClr val="FFFFFF"/>
+                    </a:solidFill>
+                  </a:tcPr>
+                </a:tc>
+                <a:tc>
+                  <a:txBody>
+                    <a:bodyPr/>
+                    <a:lstStyle/>
+                    <a:p>
+                      <a:pPr marL="0" indent="0">
+                        <a:buNone/>
+                      </a:pPr>
+                      <a:r>
+                        <a:rPr lang="en-US" sz="900" dirty="0">
+                          <a:solidFill>
+                            <a:srgbClr val="000000"/>
+                          </a:solidFill>
+                        </a:rPr>
+                        <a:t>0.702</a:t>
+                      </a:r>
+                      <a:endParaRPr lang="en-US" sz="900" dirty="0"/>
+                    </a:p>
+                  </a:txBody>
+                  <a:tcPr>
+                    <a:lnL w="6350" cap="flat" cmpd="sng" algn="ctr">
+                      <a:solidFill>
+                        <a:srgbClr val="E5E7EB"/>
+                      </a:solidFill>
+                      <a:prstDash val="solid"/>
+                      <a:round/>
+                      <a:headEnd type="none" w="med" len="med"/>
+                      <a:tailEnd type="none" w="med" len="med"/>
+                    </a:lnL>
+                    <a:lnR w="6350" cap="flat" cmpd="sng" algn="ctr">
+                      <a:solidFill>
+                        <a:srgbClr val="E5E7EB"/>
+                      </a:solidFill>
+                      <a:prstDash val="solid"/>
+                      <a:round/>
+                      <a:headEnd type="none" w="med" len="med"/>
+                      <a:tailEnd type="none" w="med" len="med"/>
+                    </a:lnR>
+                    <a:lnT w="6350" cap="flat" cmpd="sng" algn="ctr">
+                      <a:solidFill>
+                        <a:srgbClr val="E5E7EB"/>
+                      </a:solidFill>
+                      <a:prstDash val="solid"/>
+                      <a:round/>
+                      <a:headEnd type="none" w="med" len="med"/>
+                      <a:tailEnd type="none" w="med" len="med"/>
+                    </a:lnT>
+                    <a:lnB w="6350" cap="flat" cmpd="sng" algn="ctr">
+                      <a:solidFill>
+                        <a:srgbClr val="E5E7EB"/>
+                      </a:solidFill>
+                      <a:prstDash val="solid"/>
+                      <a:round/>
+                      <a:headEnd type="none" w="med" len="med"/>
+                      <a:tailEnd type="none" w="med" len="med"/>
+                    </a:lnB>
+                    <a:solidFill>
+                      <a:srgbClr val="FFFFFF"/>
+                    </a:solidFill>
+                  </a:tcPr>
+                </a:tc>
+                <a:tc>
+                  <a:txBody>
+                    <a:bodyPr/>
+                    <a:lstStyle/>
+                    <a:p>
+                      <a:pPr marL="0" indent="0">
+                        <a:buNone/>
+                      </a:pPr>
+                      <a:r>
+                        <a:rPr lang="en-US" sz="900" dirty="0">
+                          <a:solidFill>
+                            <a:srgbClr val="000000"/>
+                          </a:solidFill>
+                        </a:rPr>
+                        <a:t>0.744</a:t>
+                      </a:r>
+                      <a:endParaRPr lang="en-US" sz="900" dirty="0"/>
+                    </a:p>
+                  </a:txBody>
+                  <a:tcPr>
+                    <a:lnL w="6350" cap="flat" cmpd="sng" algn="ctr">
+                      <a:solidFill>
+                        <a:srgbClr val="E5E7EB"/>
+                      </a:solidFill>
+                      <a:prstDash val="solid"/>
+                      <a:round/>
+                      <a:headEnd type="none" w="med" len="med"/>
+                      <a:tailEnd type="none" w="med" len="med"/>
+                    </a:lnL>
+                    <a:lnR w="6350" cap="flat" cmpd="sng" algn="ctr">
+                      <a:solidFill>
+                        <a:srgbClr val="E5E7EB"/>
+                      </a:solidFill>
+                      <a:prstDash val="solid"/>
+                      <a:round/>
+                      <a:headEnd type="none" w="med" len="med"/>
+                      <a:tailEnd type="none" w="med" len="med"/>
+                    </a:lnR>
+                    <a:lnT w="6350" cap="flat" cmpd="sng" algn="ctr">
+                      <a:solidFill>
+                        <a:srgbClr val="E5E7EB"/>
+                      </a:solidFill>
+                      <a:prstDash val="solid"/>
+                      <a:round/>
+                      <a:headEnd type="none" w="med" len="med"/>
+                      <a:tailEnd type="none" w="med" len="med"/>
+                    </a:lnT>
+                    <a:lnB w="6350" cap="flat" cmpd="sng" algn="ctr">
+                      <a:solidFill>
+                        <a:srgbClr val="E5E7EB"/>
+                      </a:solidFill>
+                      <a:prstDash val="solid"/>
+                      <a:round/>
+                      <a:headEnd type="none" w="med" len="med"/>
+                      <a:tailEnd type="none" w="med" len="med"/>
+                    </a:lnB>
+                    <a:solidFill>
+                      <a:srgbClr val="FFFFFF"/>
+                    </a:solidFill>
+                  </a:tcPr>
+                </a:tc>
+                <a:extLst>
+                  <a:ext uri="{0D108BD9-81ED-4DB2-BD59-A6C34878D82A}">
+                    <a16:rowId xmlns:a16="http://schemas.microsoft.com/office/drawing/2014/main" val="10011"/>
+                  </a:ext>
+                </a:extLst>
+              </a:tr>
+            </a:tbl>
+          </a:graphicData>
+        </a:graphic>
+      </p:graphicFrame>
       <p:sp>
         <p:nvSpPr>
-          <p:cNvPr id="18" name="Shape 14"/>
+          <p:cNvPr id="19" name="Text 14"/>
+          <p:cNvSpPr/>
+          <p:nvPr/>
+        </p:nvSpPr>
+        <p:spPr>
+          <a:xfrm>
+            <a:off x="457200" y="7269480"/>
+            <a:ext cx="9418320" cy="182880"/>
+          </a:xfrm>
+          <a:prstGeom prst="rect">
+            <a:avLst/>
+          </a:prstGeom>
+          <a:noFill/>
+          <a:ln/>
+        </p:spPr>
+        <p:txBody>
+          <a:bodyPr wrap="square" rtlCol="0" anchor="ctr"/>
+          <a:lstStyle/>
+          <a:p>
+            <a:pPr marL="0" indent="0">
+              <a:buNone/>
+            </a:pPr>
+            <a:r>
+              <a:rPr lang="en-US" sz="900" i="1" dirty="0">
+                <a:solidFill>
+                  <a:srgbClr val="9CA3AF"/>
+                </a:solidFill>
+              </a:rPr>
+              <a:t>*Best model selected | Hyperparameter Selection: Grid search with predefined values based on best practices</a:t>
+            </a:r>
+            <a:endParaRPr lang="en-US" sz="900" dirty="0"/>
+          </a:p>
+        </p:txBody>
+      </p:sp>
+      <p:sp>
+        <p:nvSpPr>
+          <p:cNvPr id="20" name="Shape 15"/>
           <p:cNvSpPr/>
           <p:nvPr/>
         </p:nvSpPr>
@@ -3204,7 +7047,7 @@
       </p:sp>
       <p:sp>
         <p:nvSpPr>
-          <p:cNvPr id="19" name="Text 15"/>
+          <p:cNvPr id="21" name="Text 16"/>
           <p:cNvSpPr/>
           <p:nvPr/>
         </p:nvSpPr>
@@ -3240,7 +7083,912 @@
       </p:sp>
       <p:sp>
         <p:nvSpPr>
-          <p:cNvPr id="20" name="Shape 16"/>
+          <p:cNvPr id="22" name="Text 17"/>
+          <p:cNvSpPr/>
+          <p:nvPr/>
+        </p:nvSpPr>
+        <p:spPr>
+          <a:xfrm>
+            <a:off x="10149840" y="4480560"/>
+            <a:ext cx="4572000" cy="228600"/>
+          </a:xfrm>
+          <a:prstGeom prst="rect">
+            <a:avLst/>
+          </a:prstGeom>
+          <a:noFill/>
+          <a:ln/>
+        </p:spPr>
+        <p:txBody>
+          <a:bodyPr wrap="square" rtlCol="0" anchor="ctr"/>
+          <a:lstStyle/>
+          <a:p>
+            <a:pPr marL="0" indent="0">
+              <a:buNone/>
+            </a:pPr>
+            <a:r>
+              <a:rPr lang="en-US" sz="1000" b="1" dirty="0">
+                <a:solidFill>
+                  <a:srgbClr val="111827"/>
+                </a:solidFill>
+              </a:rPr>
+              <a:t>Model Justification:</a:t>
+            </a:r>
+            <a:endParaRPr lang="en-US" sz="1000" dirty="0"/>
+          </a:p>
+        </p:txBody>
+      </p:sp>
+      <p:sp>
+        <p:nvSpPr>
+          <p:cNvPr id="23" name="Text 18"/>
+          <p:cNvSpPr/>
+          <p:nvPr/>
+        </p:nvSpPr>
+        <p:spPr>
+          <a:xfrm>
+            <a:off x="10149840" y="4663440"/>
+            <a:ext cx="4572000" cy="320040"/>
+          </a:xfrm>
+          <a:prstGeom prst="rect">
+            <a:avLst/>
+          </a:prstGeom>
+          <a:noFill/>
+          <a:ln/>
+        </p:spPr>
+        <p:txBody>
+          <a:bodyPr wrap="square" rtlCol="0" anchor="ctr"/>
+          <a:lstStyle/>
+          <a:p>
+            <a:pPr marL="0" indent="0">
+              <a:buNone/>
+            </a:pPr>
+            <a:r>
+              <a:rPr lang="en-US" sz="900" dirty="0">
+                <a:solidFill>
+                  <a:srgbClr val="111827"/>
+                </a:solidFill>
+              </a:rPr>
+              <a:t>Random Forest (RF_4) selected for highest validation F1-score (0.876) and balanced performance. Ensemble method provides robustness against overfitting.</a:t>
+            </a:r>
+            <a:endParaRPr lang="en-US" sz="900" dirty="0"/>
+          </a:p>
+        </p:txBody>
+      </p:sp>
+      <p:sp>
+        <p:nvSpPr>
+          <p:cNvPr id="24" name="Text 19"/>
+          <p:cNvSpPr/>
+          <p:nvPr/>
+        </p:nvSpPr>
+        <p:spPr>
+          <a:xfrm>
+            <a:off x="10149840" y="5029200"/>
+            <a:ext cx="4572000" cy="228600"/>
+          </a:xfrm>
+          <a:prstGeom prst="rect">
+            <a:avLst/>
+          </a:prstGeom>
+          <a:noFill/>
+          <a:ln/>
+        </p:spPr>
+        <p:txBody>
+          <a:bodyPr wrap="square" rtlCol="0" anchor="ctr"/>
+          <a:lstStyle/>
+          <a:p>
+            <a:pPr marL="0" indent="0">
+              <a:buNone/>
+            </a:pPr>
+            <a:r>
+              <a:rPr lang="en-US" sz="1000" b="1" dirty="0">
+                <a:solidFill>
+                  <a:srgbClr val="111827"/>
+                </a:solidFill>
+              </a:rPr>
+              <a:t>Confusion Matrix (Test Set):</a:t>
+            </a:r>
+            <a:endParaRPr lang="en-US" sz="1000" dirty="0"/>
+          </a:p>
+        </p:txBody>
+      </p:sp>
+      <p:graphicFrame>
+        <p:nvGraphicFramePr>
+          <p:cNvPr id="25" name="Table 2"/>
+          <p:cNvGraphicFramePr>
+            <a:graphicFrameLocks noGrp="1"/>
+          </p:cNvGraphicFramePr>
+          <p:nvPr>
+            <p:extLst>
+              <p:ext uri="{D42A27DB-BD31-4B8C-83A1-F6EECF244321}">
+                <p14:modId xmlns:p14="http://schemas.microsoft.com/office/powerpoint/2010/main" val="1579011935"/>
+              </p:ext>
+            </p:extLst>
+          </p:nvPr>
+        </p:nvGraphicFramePr>
+        <p:xfrm>
+          <a:off x="11247120" y="5257800"/>
+          <a:ext cx="2286000" cy="731520"/>
+        </p:xfrm>
+        <a:graphic>
+          <a:graphicData uri="http://schemas.openxmlformats.org/drawingml/2006/table">
+            <a:tbl>
+              <a:tblPr/>
+              <a:tblGrid>
+                <a:gridCol w="731520">
+                  <a:extLst>
+                    <a:ext uri="{9D8B030D-6E8A-4147-A177-3AD203B41FA5}">
+                      <a16:colId xmlns:a16="http://schemas.microsoft.com/office/drawing/2014/main" val="20000"/>
+                    </a:ext>
+                  </a:extLst>
+                </a:gridCol>
+                <a:gridCol w="777240">
+                  <a:extLst>
+                    <a:ext uri="{9D8B030D-6E8A-4147-A177-3AD203B41FA5}">
+                      <a16:colId xmlns:a16="http://schemas.microsoft.com/office/drawing/2014/main" val="20001"/>
+                    </a:ext>
+                  </a:extLst>
+                </a:gridCol>
+                <a:gridCol w="777240">
+                  <a:extLst>
+                    <a:ext uri="{9D8B030D-6E8A-4147-A177-3AD203B41FA5}">
+                      <a16:colId xmlns:a16="http://schemas.microsoft.com/office/drawing/2014/main" val="20002"/>
+                    </a:ext>
+                  </a:extLst>
+                </a:gridCol>
+              </a:tblGrid>
+              <a:tr h="237744">
+                <a:tc>
+                  <a:txBody>
+                    <a:bodyPr/>
+                    <a:lstStyle/>
+                    <a:p>
+                      <a:pPr marL="0" indent="0">
+                        <a:buNone/>
+                      </a:pPr>
+                      <a:endParaRPr lang="en-US" sz="1000" dirty="0"/>
+                    </a:p>
+                  </a:txBody>
+                  <a:tcPr>
+                    <a:lnL w="12700" cap="flat" cmpd="sng" algn="ctr">
+                      <a:solidFill>
+                        <a:srgbClr val="374151"/>
+                      </a:solidFill>
+                      <a:prstDash val="solid"/>
+                      <a:round/>
+                      <a:headEnd type="none" w="med" len="med"/>
+                      <a:tailEnd type="none" w="med" len="med"/>
+                    </a:lnL>
+                    <a:lnR w="12700" cap="flat" cmpd="sng" algn="ctr">
+                      <a:solidFill>
+                        <a:srgbClr val="374151"/>
+                      </a:solidFill>
+                      <a:prstDash val="solid"/>
+                      <a:round/>
+                      <a:headEnd type="none" w="med" len="med"/>
+                      <a:tailEnd type="none" w="med" len="med"/>
+                    </a:lnR>
+                    <a:lnT w="12700" cap="flat" cmpd="sng" algn="ctr">
+                      <a:solidFill>
+                        <a:srgbClr val="374151"/>
+                      </a:solidFill>
+                      <a:prstDash val="solid"/>
+                      <a:round/>
+                      <a:headEnd type="none" w="med" len="med"/>
+                      <a:tailEnd type="none" w="med" len="med"/>
+                    </a:lnT>
+                    <a:lnB w="12700" cap="flat" cmpd="sng" algn="ctr">
+                      <a:solidFill>
+                        <a:srgbClr val="374151"/>
+                      </a:solidFill>
+                      <a:prstDash val="solid"/>
+                      <a:round/>
+                      <a:headEnd type="none" w="med" len="med"/>
+                      <a:tailEnd type="none" w="med" len="med"/>
+                    </a:lnB>
+                    <a:solidFill>
+                      <a:srgbClr val="F9FAFB"/>
+                    </a:solidFill>
+                  </a:tcPr>
+                </a:tc>
+                <a:tc>
+                  <a:txBody>
+                    <a:bodyPr/>
+                    <a:lstStyle/>
+                    <a:p>
+                      <a:pPr marL="0" indent="0">
+                        <a:buNone/>
+                      </a:pPr>
+                      <a:r>
+                        <a:rPr lang="en-US" sz="1000" dirty="0">
+                          <a:solidFill>
+                            <a:srgbClr val="000000"/>
+                          </a:solidFill>
+                        </a:rPr>
+                        <a:t>Pred: F</a:t>
+                      </a:r>
+                      <a:endParaRPr lang="en-US" sz="1000" dirty="0"/>
+                    </a:p>
+                  </a:txBody>
+                  <a:tcPr>
+                    <a:lnL w="12700" cap="flat" cmpd="sng" algn="ctr">
+                      <a:solidFill>
+                        <a:srgbClr val="374151"/>
+                      </a:solidFill>
+                      <a:prstDash val="solid"/>
+                      <a:round/>
+                      <a:headEnd type="none" w="med" len="med"/>
+                      <a:tailEnd type="none" w="med" len="med"/>
+                    </a:lnL>
+                    <a:lnR w="12700" cap="flat" cmpd="sng" algn="ctr">
+                      <a:solidFill>
+                        <a:srgbClr val="374151"/>
+                      </a:solidFill>
+                      <a:prstDash val="solid"/>
+                      <a:round/>
+                      <a:headEnd type="none" w="med" len="med"/>
+                      <a:tailEnd type="none" w="med" len="med"/>
+                    </a:lnR>
+                    <a:lnT w="12700" cap="flat" cmpd="sng" algn="ctr">
+                      <a:solidFill>
+                        <a:srgbClr val="374151"/>
+                      </a:solidFill>
+                      <a:prstDash val="solid"/>
+                      <a:round/>
+                      <a:headEnd type="none" w="med" len="med"/>
+                      <a:tailEnd type="none" w="med" len="med"/>
+                    </a:lnT>
+                    <a:lnB w="12700" cap="flat" cmpd="sng" algn="ctr">
+                      <a:solidFill>
+                        <a:srgbClr val="374151"/>
+                      </a:solidFill>
+                      <a:prstDash val="solid"/>
+                      <a:round/>
+                      <a:headEnd type="none" w="med" len="med"/>
+                      <a:tailEnd type="none" w="med" len="med"/>
+                    </a:lnB>
+                    <a:solidFill>
+                      <a:srgbClr val="F9FAFB"/>
+                    </a:solidFill>
+                  </a:tcPr>
+                </a:tc>
+                <a:tc>
+                  <a:txBody>
+                    <a:bodyPr/>
+                    <a:lstStyle/>
+                    <a:p>
+                      <a:pPr marL="0" indent="0">
+                        <a:buNone/>
+                      </a:pPr>
+                      <a:r>
+                        <a:rPr lang="en-US" sz="1000" dirty="0">
+                          <a:solidFill>
+                            <a:srgbClr val="000000"/>
+                          </a:solidFill>
+                        </a:rPr>
+                        <a:t>Pred: T</a:t>
+                      </a:r>
+                      <a:endParaRPr lang="en-US" sz="1000" dirty="0"/>
+                    </a:p>
+                  </a:txBody>
+                  <a:tcPr>
+                    <a:lnL w="12700" cap="flat" cmpd="sng" algn="ctr">
+                      <a:solidFill>
+                        <a:srgbClr val="374151"/>
+                      </a:solidFill>
+                      <a:prstDash val="solid"/>
+                      <a:round/>
+                      <a:headEnd type="none" w="med" len="med"/>
+                      <a:tailEnd type="none" w="med" len="med"/>
+                    </a:lnL>
+                    <a:lnR w="12700" cap="flat" cmpd="sng" algn="ctr">
+                      <a:solidFill>
+                        <a:srgbClr val="374151"/>
+                      </a:solidFill>
+                      <a:prstDash val="solid"/>
+                      <a:round/>
+                      <a:headEnd type="none" w="med" len="med"/>
+                      <a:tailEnd type="none" w="med" len="med"/>
+                    </a:lnR>
+                    <a:lnT w="12700" cap="flat" cmpd="sng" algn="ctr">
+                      <a:solidFill>
+                        <a:srgbClr val="374151"/>
+                      </a:solidFill>
+                      <a:prstDash val="solid"/>
+                      <a:round/>
+                      <a:headEnd type="none" w="med" len="med"/>
+                      <a:tailEnd type="none" w="med" len="med"/>
+                    </a:lnT>
+                    <a:lnB w="12700" cap="flat" cmpd="sng" algn="ctr">
+                      <a:solidFill>
+                        <a:srgbClr val="374151"/>
+                      </a:solidFill>
+                      <a:prstDash val="solid"/>
+                      <a:round/>
+                      <a:headEnd type="none" w="med" len="med"/>
+                      <a:tailEnd type="none" w="med" len="med"/>
+                    </a:lnB>
+                    <a:solidFill>
+                      <a:srgbClr val="F9FAFB"/>
+                    </a:solidFill>
+                  </a:tcPr>
+                </a:tc>
+                <a:extLst>
+                  <a:ext uri="{0D108BD9-81ED-4DB2-BD59-A6C34878D82A}">
+                    <a16:rowId xmlns:a16="http://schemas.microsoft.com/office/drawing/2014/main" val="10000"/>
+                  </a:ext>
+                </a:extLst>
+              </a:tr>
+              <a:tr h="237744">
+                <a:tc>
+                  <a:txBody>
+                    <a:bodyPr/>
+                    <a:lstStyle/>
+                    <a:p>
+                      <a:pPr marL="0" indent="0">
+                        <a:buNone/>
+                      </a:pPr>
+                      <a:r>
+                        <a:rPr lang="en-US" sz="1000" dirty="0">
+                          <a:solidFill>
+                            <a:srgbClr val="000000"/>
+                          </a:solidFill>
+                        </a:rPr>
+                        <a:t>Actual: F</a:t>
+                      </a:r>
+                      <a:endParaRPr lang="en-US" sz="1000" dirty="0"/>
+                    </a:p>
+                  </a:txBody>
+                  <a:tcPr>
+                    <a:lnL w="12700" cap="flat" cmpd="sng" algn="ctr">
+                      <a:solidFill>
+                        <a:srgbClr val="374151"/>
+                      </a:solidFill>
+                      <a:prstDash val="solid"/>
+                      <a:round/>
+                      <a:headEnd type="none" w="med" len="med"/>
+                      <a:tailEnd type="none" w="med" len="med"/>
+                    </a:lnL>
+                    <a:lnR w="12700" cap="flat" cmpd="sng" algn="ctr">
+                      <a:solidFill>
+                        <a:srgbClr val="374151"/>
+                      </a:solidFill>
+                      <a:prstDash val="solid"/>
+                      <a:round/>
+                      <a:headEnd type="none" w="med" len="med"/>
+                      <a:tailEnd type="none" w="med" len="med"/>
+                    </a:lnR>
+                    <a:lnT w="12700" cap="flat" cmpd="sng" algn="ctr">
+                      <a:solidFill>
+                        <a:srgbClr val="374151"/>
+                      </a:solidFill>
+                      <a:prstDash val="solid"/>
+                      <a:round/>
+                      <a:headEnd type="none" w="med" len="med"/>
+                      <a:tailEnd type="none" w="med" len="med"/>
+                    </a:lnT>
+                    <a:lnB w="12700" cap="flat" cmpd="sng" algn="ctr">
+                      <a:solidFill>
+                        <a:srgbClr val="374151"/>
+                      </a:solidFill>
+                      <a:prstDash val="solid"/>
+                      <a:round/>
+                      <a:headEnd type="none" w="med" len="med"/>
+                      <a:tailEnd type="none" w="med" len="med"/>
+                    </a:lnB>
+                    <a:solidFill>
+                      <a:srgbClr val="F9FAFB"/>
+                    </a:solidFill>
+                  </a:tcPr>
+                </a:tc>
+                <a:tc>
+                  <a:txBody>
+                    <a:bodyPr/>
+                    <a:lstStyle/>
+                    <a:p>
+                      <a:pPr marL="0" indent="0">
+                        <a:buNone/>
+                      </a:pPr>
+                      <a:r>
+                        <a:rPr lang="en-US" sz="1000" dirty="0">
+                          <a:solidFill>
+                            <a:srgbClr val="000000"/>
+                          </a:solidFill>
+                        </a:rPr>
+                        <a:t>38</a:t>
+                      </a:r>
+                      <a:endParaRPr lang="en-US" sz="1000" dirty="0"/>
+                    </a:p>
+                  </a:txBody>
+                  <a:tcPr>
+                    <a:lnL w="12700" cap="flat" cmpd="sng" algn="ctr">
+                      <a:solidFill>
+                        <a:srgbClr val="374151"/>
+                      </a:solidFill>
+                      <a:prstDash val="solid"/>
+                      <a:round/>
+                      <a:headEnd type="none" w="med" len="med"/>
+                      <a:tailEnd type="none" w="med" len="med"/>
+                    </a:lnL>
+                    <a:lnR w="12700" cap="flat" cmpd="sng" algn="ctr">
+                      <a:solidFill>
+                        <a:srgbClr val="374151"/>
+                      </a:solidFill>
+                      <a:prstDash val="solid"/>
+                      <a:round/>
+                      <a:headEnd type="none" w="med" len="med"/>
+                      <a:tailEnd type="none" w="med" len="med"/>
+                    </a:lnR>
+                    <a:lnT w="12700" cap="flat" cmpd="sng" algn="ctr">
+                      <a:solidFill>
+                        <a:srgbClr val="374151"/>
+                      </a:solidFill>
+                      <a:prstDash val="solid"/>
+                      <a:round/>
+                      <a:headEnd type="none" w="med" len="med"/>
+                      <a:tailEnd type="none" w="med" len="med"/>
+                    </a:lnT>
+                    <a:lnB w="12700" cap="flat" cmpd="sng" algn="ctr">
+                      <a:solidFill>
+                        <a:srgbClr val="374151"/>
+                      </a:solidFill>
+                      <a:prstDash val="solid"/>
+                      <a:round/>
+                      <a:headEnd type="none" w="med" len="med"/>
+                      <a:tailEnd type="none" w="med" len="med"/>
+                    </a:lnB>
+                    <a:solidFill>
+                      <a:srgbClr val="F9FAFB"/>
+                    </a:solidFill>
+                  </a:tcPr>
+                </a:tc>
+                <a:tc>
+                  <a:txBody>
+                    <a:bodyPr/>
+                    <a:lstStyle/>
+                    <a:p>
+                      <a:pPr marL="0" indent="0">
+                        <a:buNone/>
+                      </a:pPr>
+                      <a:r>
+                        <a:rPr lang="en-US" sz="1000" dirty="0">
+                          <a:solidFill>
+                            <a:srgbClr val="000000"/>
+                          </a:solidFill>
+                        </a:rPr>
+                        <a:t>7</a:t>
+                      </a:r>
+                      <a:endParaRPr lang="en-US" sz="1000" dirty="0"/>
+                    </a:p>
+                  </a:txBody>
+                  <a:tcPr>
+                    <a:lnL w="12700" cap="flat" cmpd="sng" algn="ctr">
+                      <a:solidFill>
+                        <a:srgbClr val="374151"/>
+                      </a:solidFill>
+                      <a:prstDash val="solid"/>
+                      <a:round/>
+                      <a:headEnd type="none" w="med" len="med"/>
+                      <a:tailEnd type="none" w="med" len="med"/>
+                    </a:lnL>
+                    <a:lnR w="12700" cap="flat" cmpd="sng" algn="ctr">
+                      <a:solidFill>
+                        <a:srgbClr val="374151"/>
+                      </a:solidFill>
+                      <a:prstDash val="solid"/>
+                      <a:round/>
+                      <a:headEnd type="none" w="med" len="med"/>
+                      <a:tailEnd type="none" w="med" len="med"/>
+                    </a:lnR>
+                    <a:lnT w="12700" cap="flat" cmpd="sng" algn="ctr">
+                      <a:solidFill>
+                        <a:srgbClr val="374151"/>
+                      </a:solidFill>
+                      <a:prstDash val="solid"/>
+                      <a:round/>
+                      <a:headEnd type="none" w="med" len="med"/>
+                      <a:tailEnd type="none" w="med" len="med"/>
+                    </a:lnT>
+                    <a:lnB w="12700" cap="flat" cmpd="sng" algn="ctr">
+                      <a:solidFill>
+                        <a:srgbClr val="374151"/>
+                      </a:solidFill>
+                      <a:prstDash val="solid"/>
+                      <a:round/>
+                      <a:headEnd type="none" w="med" len="med"/>
+                      <a:tailEnd type="none" w="med" len="med"/>
+                    </a:lnB>
+                    <a:solidFill>
+                      <a:srgbClr val="F9FAFB"/>
+                    </a:solidFill>
+                  </a:tcPr>
+                </a:tc>
+                <a:extLst>
+                  <a:ext uri="{0D108BD9-81ED-4DB2-BD59-A6C34878D82A}">
+                    <a16:rowId xmlns:a16="http://schemas.microsoft.com/office/drawing/2014/main" val="10001"/>
+                  </a:ext>
+                </a:extLst>
+              </a:tr>
+              <a:tr h="237744">
+                <a:tc>
+                  <a:txBody>
+                    <a:bodyPr/>
+                    <a:lstStyle/>
+                    <a:p>
+                      <a:pPr marL="0" indent="0">
+                        <a:buNone/>
+                      </a:pPr>
+                      <a:r>
+                        <a:rPr lang="en-US" sz="1000" dirty="0">
+                          <a:solidFill>
+                            <a:srgbClr val="000000"/>
+                          </a:solidFill>
+                        </a:rPr>
+                        <a:t>Actual: T</a:t>
+                      </a:r>
+                      <a:endParaRPr lang="en-US" sz="1000" dirty="0"/>
+                    </a:p>
+                  </a:txBody>
+                  <a:tcPr>
+                    <a:lnL w="12700" cap="flat" cmpd="sng" algn="ctr">
+                      <a:solidFill>
+                        <a:srgbClr val="374151"/>
+                      </a:solidFill>
+                      <a:prstDash val="solid"/>
+                      <a:round/>
+                      <a:headEnd type="none" w="med" len="med"/>
+                      <a:tailEnd type="none" w="med" len="med"/>
+                    </a:lnL>
+                    <a:lnR w="12700" cap="flat" cmpd="sng" algn="ctr">
+                      <a:solidFill>
+                        <a:srgbClr val="374151"/>
+                      </a:solidFill>
+                      <a:prstDash val="solid"/>
+                      <a:round/>
+                      <a:headEnd type="none" w="med" len="med"/>
+                      <a:tailEnd type="none" w="med" len="med"/>
+                    </a:lnR>
+                    <a:lnT w="12700" cap="flat" cmpd="sng" algn="ctr">
+                      <a:solidFill>
+                        <a:srgbClr val="374151"/>
+                      </a:solidFill>
+                      <a:prstDash val="solid"/>
+                      <a:round/>
+                      <a:headEnd type="none" w="med" len="med"/>
+                      <a:tailEnd type="none" w="med" len="med"/>
+                    </a:lnT>
+                    <a:lnB w="12700" cap="flat" cmpd="sng" algn="ctr">
+                      <a:solidFill>
+                        <a:srgbClr val="374151"/>
+                      </a:solidFill>
+                      <a:prstDash val="solid"/>
+                      <a:round/>
+                      <a:headEnd type="none" w="med" len="med"/>
+                      <a:tailEnd type="none" w="med" len="med"/>
+                    </a:lnB>
+                    <a:solidFill>
+                      <a:srgbClr val="F9FAFB"/>
+                    </a:solidFill>
+                  </a:tcPr>
+                </a:tc>
+                <a:tc>
+                  <a:txBody>
+                    <a:bodyPr/>
+                    <a:lstStyle/>
+                    <a:p>
+                      <a:pPr marL="0" indent="0">
+                        <a:buNone/>
+                      </a:pPr>
+                      <a:r>
+                        <a:rPr lang="en-US" sz="1000" dirty="0">
+                          <a:solidFill>
+                            <a:srgbClr val="000000"/>
+                          </a:solidFill>
+                        </a:rPr>
+                        <a:t>6</a:t>
+                      </a:r>
+                      <a:endParaRPr lang="en-US" sz="1000" dirty="0"/>
+                    </a:p>
+                  </a:txBody>
+                  <a:tcPr>
+                    <a:lnL w="12700" cap="flat" cmpd="sng" algn="ctr">
+                      <a:solidFill>
+                        <a:srgbClr val="374151"/>
+                      </a:solidFill>
+                      <a:prstDash val="solid"/>
+                      <a:round/>
+                      <a:headEnd type="none" w="med" len="med"/>
+                      <a:tailEnd type="none" w="med" len="med"/>
+                    </a:lnL>
+                    <a:lnR w="12700" cap="flat" cmpd="sng" algn="ctr">
+                      <a:solidFill>
+                        <a:srgbClr val="374151"/>
+                      </a:solidFill>
+                      <a:prstDash val="solid"/>
+                      <a:round/>
+                      <a:headEnd type="none" w="med" len="med"/>
+                      <a:tailEnd type="none" w="med" len="med"/>
+                    </a:lnR>
+                    <a:lnT w="12700" cap="flat" cmpd="sng" algn="ctr">
+                      <a:solidFill>
+                        <a:srgbClr val="374151"/>
+                      </a:solidFill>
+                      <a:prstDash val="solid"/>
+                      <a:round/>
+                      <a:headEnd type="none" w="med" len="med"/>
+                      <a:tailEnd type="none" w="med" len="med"/>
+                    </a:lnT>
+                    <a:lnB w="12700" cap="flat" cmpd="sng" algn="ctr">
+                      <a:solidFill>
+                        <a:srgbClr val="374151"/>
+                      </a:solidFill>
+                      <a:prstDash val="solid"/>
+                      <a:round/>
+                      <a:headEnd type="none" w="med" len="med"/>
+                      <a:tailEnd type="none" w="med" len="med"/>
+                    </a:lnB>
+                    <a:solidFill>
+                      <a:srgbClr val="F9FAFB"/>
+                    </a:solidFill>
+                  </a:tcPr>
+                </a:tc>
+                <a:tc>
+                  <a:txBody>
+                    <a:bodyPr/>
+                    <a:lstStyle/>
+                    <a:p>
+                      <a:pPr marL="0" indent="0">
+                        <a:buNone/>
+                      </a:pPr>
+                      <a:r>
+                        <a:rPr lang="en-US" sz="1000" dirty="0">
+                          <a:solidFill>
+                            <a:srgbClr val="000000"/>
+                          </a:solidFill>
+                        </a:rPr>
+                        <a:t>53</a:t>
+                      </a:r>
+                      <a:endParaRPr lang="en-US" sz="1000" dirty="0"/>
+                    </a:p>
+                  </a:txBody>
+                  <a:tcPr>
+                    <a:lnL w="12700" cap="flat" cmpd="sng" algn="ctr">
+                      <a:solidFill>
+                        <a:srgbClr val="374151"/>
+                      </a:solidFill>
+                      <a:prstDash val="solid"/>
+                      <a:round/>
+                      <a:headEnd type="none" w="med" len="med"/>
+                      <a:tailEnd type="none" w="med" len="med"/>
+                    </a:lnL>
+                    <a:lnR w="12700" cap="flat" cmpd="sng" algn="ctr">
+                      <a:solidFill>
+                        <a:srgbClr val="374151"/>
+                      </a:solidFill>
+                      <a:prstDash val="solid"/>
+                      <a:round/>
+                      <a:headEnd type="none" w="med" len="med"/>
+                      <a:tailEnd type="none" w="med" len="med"/>
+                    </a:lnR>
+                    <a:lnT w="12700" cap="flat" cmpd="sng" algn="ctr">
+                      <a:solidFill>
+                        <a:srgbClr val="374151"/>
+                      </a:solidFill>
+                      <a:prstDash val="solid"/>
+                      <a:round/>
+                      <a:headEnd type="none" w="med" len="med"/>
+                      <a:tailEnd type="none" w="med" len="med"/>
+                    </a:lnT>
+                    <a:lnB w="12700" cap="flat" cmpd="sng" algn="ctr">
+                      <a:solidFill>
+                        <a:srgbClr val="374151"/>
+                      </a:solidFill>
+                      <a:prstDash val="solid"/>
+                      <a:round/>
+                      <a:headEnd type="none" w="med" len="med"/>
+                      <a:tailEnd type="none" w="med" len="med"/>
+                    </a:lnB>
+                    <a:solidFill>
+                      <a:srgbClr val="F9FAFB"/>
+                    </a:solidFill>
+                  </a:tcPr>
+                </a:tc>
+                <a:extLst>
+                  <a:ext uri="{0D108BD9-81ED-4DB2-BD59-A6C34878D82A}">
+                    <a16:rowId xmlns:a16="http://schemas.microsoft.com/office/drawing/2014/main" val="10002"/>
+                  </a:ext>
+                </a:extLst>
+              </a:tr>
+            </a:tbl>
+          </a:graphicData>
+        </a:graphic>
+      </p:graphicFrame>
+      <p:sp>
+        <p:nvSpPr>
+          <p:cNvPr id="26" name="Text 20"/>
+          <p:cNvSpPr/>
+          <p:nvPr/>
+        </p:nvSpPr>
+        <p:spPr>
+          <a:xfrm>
+            <a:off x="10149840" y="6035040"/>
+            <a:ext cx="2194560" cy="182880"/>
+          </a:xfrm>
+          <a:prstGeom prst="rect">
+            <a:avLst/>
+          </a:prstGeom>
+          <a:noFill/>
+          <a:ln/>
+        </p:spPr>
+        <p:txBody>
+          <a:bodyPr wrap="square" rtlCol="0" anchor="ctr"/>
+          <a:lstStyle/>
+          <a:p>
+            <a:pPr marL="0" indent="0">
+              <a:buNone/>
+            </a:pPr>
+            <a:r>
+              <a:rPr lang="en-US" sz="1000" b="1" dirty="0">
+                <a:solidFill>
+                  <a:srgbClr val="111827"/>
+                </a:solidFill>
+              </a:rPr>
+              <a:t>Test Performance:</a:t>
+            </a:r>
+            <a:endParaRPr lang="en-US" sz="1000" dirty="0"/>
+          </a:p>
+        </p:txBody>
+      </p:sp>
+      <p:sp>
+        <p:nvSpPr>
+          <p:cNvPr id="27" name="Text 21"/>
+          <p:cNvSpPr/>
+          <p:nvPr/>
+        </p:nvSpPr>
+        <p:spPr>
+          <a:xfrm>
+            <a:off x="10149840" y="6217920"/>
+            <a:ext cx="2194560" cy="640080"/>
+          </a:xfrm>
+          <a:prstGeom prst="rect">
+            <a:avLst/>
+          </a:prstGeom>
+          <a:noFill/>
+          <a:ln/>
+        </p:spPr>
+        <p:txBody>
+          <a:bodyPr wrap="square" rtlCol="0" anchor="ctr"/>
+          <a:lstStyle/>
+          <a:p>
+            <a:pPr marL="0" indent="0">
+              <a:buNone/>
+            </a:pPr>
+            <a:r>
+              <a:rPr lang="en-US" sz="900" dirty="0">
+                <a:solidFill>
+                  <a:srgbClr val="111827"/>
+                </a:solidFill>
+              </a:rPr>
+              <a:t>• Accuracy: 87.5%</a:t>
+            </a:r>
+            <a:endParaRPr lang="en-US" sz="900" dirty="0"/>
+          </a:p>
+          <a:p>
+            <a:pPr marL="0" indent="0">
+              <a:buNone/>
+            </a:pPr>
+            <a:r>
+              <a:rPr lang="en-US" sz="900" dirty="0">
+                <a:solidFill>
+                  <a:srgbClr val="111827"/>
+                </a:solidFill>
+              </a:rPr>
+              <a:t>• Precision: 88.3%</a:t>
+            </a:r>
+            <a:endParaRPr lang="en-US" sz="900" dirty="0"/>
+          </a:p>
+          <a:p>
+            <a:pPr marL="0" indent="0">
+              <a:buNone/>
+            </a:pPr>
+            <a:r>
+              <a:rPr lang="en-US" sz="900" dirty="0">
+                <a:solidFill>
+                  <a:srgbClr val="111827"/>
+                </a:solidFill>
+              </a:rPr>
+              <a:t>• Recall: 89.8%</a:t>
+            </a:r>
+            <a:endParaRPr lang="en-US" sz="900" dirty="0"/>
+          </a:p>
+          <a:p>
+            <a:pPr marL="0" indent="0">
+              <a:buNone/>
+            </a:pPr>
+            <a:r>
+              <a:rPr lang="en-US" sz="900" dirty="0">
+                <a:solidFill>
+                  <a:srgbClr val="111827"/>
+                </a:solidFill>
+              </a:rPr>
+              <a:t>• F1-Score: 89.1%</a:t>
+            </a:r>
+            <a:endParaRPr lang="en-US" sz="900" dirty="0"/>
+          </a:p>
+        </p:txBody>
+      </p:sp>
+      <p:sp>
+        <p:nvSpPr>
+          <p:cNvPr id="28" name="Text 22"/>
+          <p:cNvSpPr/>
+          <p:nvPr/>
+        </p:nvSpPr>
+        <p:spPr>
+          <a:xfrm>
+            <a:off x="12435840" y="6035040"/>
+            <a:ext cx="2194560" cy="182880"/>
+          </a:xfrm>
+          <a:prstGeom prst="rect">
+            <a:avLst/>
+          </a:prstGeom>
+          <a:noFill/>
+          <a:ln/>
+        </p:spPr>
+        <p:txBody>
+          <a:bodyPr wrap="square" rtlCol="0" anchor="ctr"/>
+          <a:lstStyle/>
+          <a:p>
+            <a:pPr marL="0" indent="0">
+              <a:buNone/>
+            </a:pPr>
+            <a:r>
+              <a:rPr lang="en-US" sz="1000" b="1" dirty="0">
+                <a:solidFill>
+                  <a:srgbClr val="111827"/>
+                </a:solidFill>
+              </a:rPr>
+              <a:t>Model Utility:</a:t>
+            </a:r>
+            <a:endParaRPr lang="en-US" sz="1000" dirty="0"/>
+          </a:p>
+        </p:txBody>
+      </p:sp>
+      <p:sp>
+        <p:nvSpPr>
+          <p:cNvPr id="29" name="Text 23"/>
+          <p:cNvSpPr/>
+          <p:nvPr/>
+        </p:nvSpPr>
+        <p:spPr>
+          <a:xfrm>
+            <a:off x="12435840" y="6217920"/>
+            <a:ext cx="2194560" cy="457200"/>
+          </a:xfrm>
+          <a:prstGeom prst="rect">
+            <a:avLst/>
+          </a:prstGeom>
+          <a:noFill/>
+          <a:ln/>
+        </p:spPr>
+        <p:txBody>
+          <a:bodyPr wrap="square" rtlCol="0" anchor="ctr"/>
+          <a:lstStyle/>
+          <a:p>
+            <a:pPr marL="0" indent="0">
+              <a:buNone/>
+            </a:pPr>
+            <a:r>
+              <a:rPr lang="en-US" sz="900" dirty="0">
+                <a:solidFill>
+                  <a:srgbClr val="111827"/>
+                </a:solidFill>
+              </a:rPr>
+              <a:t>High recall (89.8%) ensures most high-risk fires are detected, crucial for early warning systems. Balanced performance suitable for deployment.</a:t>
+            </a:r>
+            <a:endParaRPr lang="en-US" sz="900" dirty="0"/>
+          </a:p>
+        </p:txBody>
+      </p:sp>
+      <p:sp>
+        <p:nvSpPr>
+          <p:cNvPr id="30" name="Shape 24"/>
           <p:cNvSpPr/>
           <p:nvPr/>
         </p:nvSpPr>
@@ -3267,7 +8015,7 @@
       </p:sp>
       <p:sp>
         <p:nvSpPr>
-          <p:cNvPr id="21" name="Text 17"/>
+          <p:cNvPr id="31" name="Text 25"/>
           <p:cNvSpPr/>
           <p:nvPr/>
         </p:nvSpPr>
@@ -3303,7 +8051,175 @@
       </p:sp>
       <p:sp>
         <p:nvSpPr>
-          <p:cNvPr id="22" name="Shape 18"/>
+          <p:cNvPr id="32" name="Text 26"/>
+          <p:cNvSpPr/>
+          <p:nvPr/>
+        </p:nvSpPr>
+        <p:spPr>
+          <a:xfrm>
+            <a:off x="457200" y="8046720"/>
+            <a:ext cx="6858000" cy="2103120"/>
+          </a:xfrm>
+          <a:prstGeom prst="rect">
+            <a:avLst/>
+          </a:prstGeom>
+          <a:noFill/>
+          <a:ln/>
+        </p:spPr>
+        <p:txBody>
+          <a:bodyPr wrap="square" rtlCol="0" anchor="t"/>
+          <a:lstStyle/>
+          <a:p>
+            <a:pPr marL="0" indent="0">
+              <a:buNone/>
+            </a:pPr>
+            <a:r>
+              <a:rPr lang="en-US" sz="900" dirty="0">
+                <a:solidFill>
+                  <a:srgbClr val="111827"/>
+                </a:solidFill>
+              </a:rPr>
+              <a:t>Key Feature Importance:</a:t>
+            </a:r>
+            <a:endParaRPr lang="en-US" sz="900" dirty="0"/>
+          </a:p>
+          <a:p>
+            <a:pPr marL="0" indent="0">
+              <a:buNone/>
+            </a:pPr>
+            <a:r>
+              <a:rPr lang="en-US" sz="900" dirty="0">
+                <a:solidFill>
+                  <a:srgbClr val="111827"/>
+                </a:solidFill>
+              </a:rPr>
+              <a:t>1. DC (Drought Code): 23.9% - Long-term moisture deficit indicator</a:t>
+            </a:r>
+            <a:endParaRPr lang="en-US" sz="900" dirty="0"/>
+          </a:p>
+          <a:p>
+            <a:pPr marL="0" indent="0">
+              <a:buNone/>
+            </a:pPr>
+            <a:r>
+              <a:rPr lang="en-US" sz="900" dirty="0">
+                <a:solidFill>
+                  <a:srgbClr val="111827"/>
+                </a:solidFill>
+              </a:rPr>
+              <a:t>2. DMC (Duff Moisture Code): 22.0% - Medium-term fuel moisture</a:t>
+            </a:r>
+            <a:endParaRPr lang="en-US" sz="900" dirty="0"/>
+          </a:p>
+          <a:p>
+            <a:pPr marL="0" indent="0">
+              <a:buNone/>
+            </a:pPr>
+            <a:r>
+              <a:rPr lang="en-US" sz="900" dirty="0">
+                <a:solidFill>
+                  <a:srgbClr val="111827"/>
+                </a:solidFill>
+              </a:rPr>
+              <a:t>3. Temperature: 10.4% - Direct fire behavior influence</a:t>
+            </a:r>
+            <a:endParaRPr lang="en-US" sz="900" dirty="0"/>
+          </a:p>
+          <a:p>
+            <a:pPr marL="0" indent="0">
+              <a:buNone/>
+            </a:pPr>
+            <a:r>
+              <a:rPr lang="en-US" sz="900" dirty="0">
+                <a:solidFill>
+                  <a:srgbClr val="111827"/>
+                </a:solidFill>
+              </a:rPr>
+              <a:t>4. Month: 8.8% - Seasonal fire patterns</a:t>
+            </a:r>
+            <a:endParaRPr lang="en-US" sz="900" dirty="0"/>
+          </a:p>
+          <a:p>
+            <a:pPr marL="0" indent="0">
+              <a:buNone/>
+            </a:pPr>
+            <a:r>
+              <a:rPr lang="en-US" sz="900" dirty="0">
+                <a:solidFill>
+                  <a:srgbClr val="111827"/>
+                </a:solidFill>
+              </a:rPr>
+              <a:t>5. FFMC: 7.7% - Surface litter moisture content</a:t>
+            </a:r>
+            <a:endParaRPr lang="en-US" sz="900" dirty="0"/>
+          </a:p>
+          <a:p>
+            <a:pPr marL="0" indent="0">
+              <a:buNone/>
+            </a:pPr>
+            <a:endParaRPr lang="en-US" sz="900" dirty="0"/>
+          </a:p>
+          <a:p>
+            <a:pPr marL="0" indent="0">
+              <a:buNone/>
+            </a:pPr>
+            <a:r>
+              <a:rPr lang="en-US" sz="900" dirty="0">
+                <a:solidFill>
+                  <a:srgbClr val="111827"/>
+                </a:solidFill>
+              </a:rPr>
+              <a:t>Model Characteristics:</a:t>
+            </a:r>
+            <a:endParaRPr lang="en-US" sz="900" dirty="0"/>
+          </a:p>
+          <a:p>
+            <a:pPr marL="0" indent="0">
+              <a:buNone/>
+            </a:pPr>
+            <a:r>
+              <a:rPr lang="en-US" sz="900" dirty="0">
+                <a:solidFill>
+                  <a:srgbClr val="111827"/>
+                </a:solidFill>
+              </a:rPr>
+              <a:t>• Random Forest provides feature importance insights for interpretability</a:t>
+            </a:r>
+            <a:endParaRPr lang="en-US" sz="900" dirty="0"/>
+          </a:p>
+          <a:p>
+            <a:pPr marL="0" indent="0">
+              <a:buNone/>
+            </a:pPr>
+            <a:r>
+              <a:rPr lang="en-US" sz="900" dirty="0">
+                <a:solidFill>
+                  <a:srgbClr val="111827"/>
+                </a:solidFill>
+              </a:rPr>
+              <a:t>• No significant bias detected across spatial coordinates (X, Y)</a:t>
+            </a:r>
+            <a:endParaRPr lang="en-US" sz="900" dirty="0"/>
+          </a:p>
+          <a:p>
+            <a:pPr marL="0" indent="0">
+              <a:buNone/>
+            </a:pPr>
+            <a:r>
+              <a:rPr lang="en-US" sz="900" dirty="0">
+                <a:solidFill>
+                  <a:srgbClr val="111827"/>
+                </a:solidFill>
+              </a:rPr>
+              <a:t>• Ensemble approach balances variance-bias tradeoff effectively</a:t>
+            </a:r>
+            <a:endParaRPr lang="en-US" sz="900" dirty="0"/>
+          </a:p>
+        </p:txBody>
+      </p:sp>
+      <p:sp>
+        <p:nvSpPr>
+          <p:cNvPr id="33" name="Shape 27"/>
           <p:cNvSpPr/>
           <p:nvPr/>
         </p:nvSpPr>
@@ -3330,7 +8246,7 @@
       </p:sp>
       <p:sp>
         <p:nvSpPr>
-          <p:cNvPr id="23" name="Text 19"/>
+          <p:cNvPr id="34" name="Text 28"/>
           <p:cNvSpPr/>
           <p:nvPr/>
         </p:nvSpPr>
@@ -3366,7 +8282,127 @@
       </p:sp>
       <p:sp>
         <p:nvSpPr>
-          <p:cNvPr id="24" name="Text 20"/>
+          <p:cNvPr id="35" name="Text 29"/>
+          <p:cNvSpPr/>
+          <p:nvPr/>
+        </p:nvSpPr>
+        <p:spPr>
+          <a:xfrm>
+            <a:off x="7589520" y="8046720"/>
+            <a:ext cx="7132320" cy="1645920"/>
+          </a:xfrm>
+          <a:prstGeom prst="rect">
+            <a:avLst/>
+          </a:prstGeom>
+          <a:noFill/>
+          <a:ln/>
+        </p:spPr>
+        <p:txBody>
+          <a:bodyPr wrap="square" rtlCol="0" anchor="t"/>
+          <a:lstStyle/>
+          <a:p>
+            <a:pPr marL="0" indent="0">
+              <a:buNone/>
+            </a:pPr>
+            <a:r>
+              <a:rPr lang="en-US" sz="900" dirty="0">
+                <a:solidFill>
+                  <a:srgbClr val="111827"/>
+                </a:solidFill>
+              </a:rPr>
+              <a:t>• Breiman, L. (2001). Random forests. Machine learning, 45(1), 5-32.</a:t>
+            </a:r>
+            <a:endParaRPr lang="en-US" sz="900" dirty="0"/>
+          </a:p>
+          <a:p>
+            <a:pPr marL="0" indent="0">
+              <a:buNone/>
+            </a:pPr>
+            <a:r>
+              <a:rPr lang="en-US" sz="900" dirty="0">
+                <a:solidFill>
+                  <a:srgbClr val="111827"/>
+                </a:solidFill>
+              </a:rPr>
+              <a:t>• Cortez, P., &amp; Morais, A. (2007). A data mining approach to predict forest fires using meteorological data.</a:t>
+            </a:r>
+            <a:endParaRPr lang="en-US" sz="900" dirty="0"/>
+          </a:p>
+          <a:p>
+            <a:pPr marL="0" indent="0">
+              <a:buNone/>
+            </a:pPr>
+            <a:r>
+              <a:rPr lang="en-US" sz="900" dirty="0">
+                <a:solidFill>
+                  <a:srgbClr val="111827"/>
+                </a:solidFill>
+              </a:rPr>
+              <a:t>• Pedregosa, F. et al. (2011). Scikit-learn: Machine learning in Python. Journal of machine learning research, 12, 2825-2830.</a:t>
+            </a:r>
+            <a:endParaRPr lang="en-US" sz="900" dirty="0"/>
+          </a:p>
+          <a:p>
+            <a:pPr marL="0" indent="0">
+              <a:buNone/>
+            </a:pPr>
+            <a:r>
+              <a:rPr lang="en-US" sz="900" dirty="0">
+                <a:solidFill>
+                  <a:srgbClr val="111827"/>
+                </a:solidFill>
+              </a:rPr>
+              <a:t>• Wirth, R., &amp; Hipp, J. (2000). CRISP-DM: Towards a standard process model for data mining.</a:t>
+            </a:r>
+            <a:endParaRPr lang="en-US" sz="900" dirty="0"/>
+          </a:p>
+          <a:p>
+            <a:pPr marL="0" indent="0">
+              <a:buNone/>
+            </a:pPr>
+            <a:endParaRPr lang="en-US" sz="900" dirty="0"/>
+          </a:p>
+          <a:p>
+            <a:pPr marL="0" indent="0">
+              <a:buNone/>
+            </a:pPr>
+            <a:r>
+              <a:rPr lang="en-US" sz="900" dirty="0">
+                <a:solidFill>
+                  <a:srgbClr val="111827"/>
+                </a:solidFill>
+              </a:rPr>
+              <a:t>Tools Used: Python 3.x, scikit-learn 1.0+, pandas, numpy, matplotlib</a:t>
+            </a:r>
+            <a:endParaRPr lang="en-US" sz="900" dirty="0"/>
+          </a:p>
+          <a:p>
+            <a:pPr marL="0" indent="0">
+              <a:buNone/>
+            </a:pPr>
+            <a:r>
+              <a:rPr lang="en-US" sz="900" dirty="0">
+                <a:solidFill>
+                  <a:srgbClr val="111827"/>
+                </a:solidFill>
+              </a:rPr>
+              <a:t>AI Assistance: Claude AI used for suggestions and helping </a:t>
+            </a:r>
+            <a:r>
+              <a:rPr lang="en-US" sz="900">
+                <a:solidFill>
+                  <a:srgbClr val="111827"/>
+                </a:solidFill>
+              </a:rPr>
+              <a:t>with research</a:t>
+            </a:r>
+            <a:endParaRPr lang="en-US" sz="900" dirty="0"/>
+          </a:p>
+        </p:txBody>
+      </p:sp>
+      <p:sp>
+        <p:nvSpPr>
+          <p:cNvPr id="36" name="Text 30"/>
           <p:cNvSpPr/>
           <p:nvPr/>
         </p:nvSpPr>

--- a/ML_Assignment_Poster_3308299.pptx
+++ b/ML_Assignment_Poster_3308299.pptx
@@ -10,7 +10,7 @@
   <p:sldIdLst>
     <p:sldId id="256" r:id="rId2"/>
   </p:sldIdLst>
-  <p:sldSz cx="15124113" cy="10688638"/>
+  <p:sldSz cx="15120000" cy="10692000"/>
   <p:notesSz cx="10688638" cy="15124113"/>
   <p:defaultTextStyle>
     <a:lvl1pPr marL="0" algn="l" defTabSz="914400" rtl="0" eaLnBrk="1" latinLnBrk="0" hangingPunct="1">
@@ -781,7 +781,7 @@
             <a:avLst/>
           </a:prstGeom>
           <a:solidFill>
-            <a:srgbClr val="1E40AF"/>
+            <a:srgbClr val="2C3E50"/>
           </a:solidFill>
           <a:ln/>
         </p:spPr>
@@ -859,7 +859,7 @@
                   <a:srgbClr val="111827"/>
                 </a:solidFill>
               </a:rPr>
-              <a:t>• Data Loading &amp; Initial Exploration (517 samples, 13 features)</a:t>
+              <a:t>• Loaded dataset (517 samples, 13 features) and did initial checks</a:t>
             </a:r>
             <a:endParaRPr lang="en-US" sz="1000" dirty="0"/>
           </a:p>
@@ -873,7 +873,7 @@
                   <a:srgbClr val="111827"/>
                 </a:solidFill>
               </a:rPr>
-              <a:t>• Data Quality Assessment &amp; Outlier Detection</a:t>
+              <a:t>• Checked data quality, looked for outliers</a:t>
             </a:r>
             <a:endParaRPr lang="en-US" sz="1000" dirty="0"/>
           </a:p>
@@ -887,7 +887,7 @@
                   <a:srgbClr val="111827"/>
                 </a:solidFill>
               </a:rPr>
-              <a:t>• Data Cleaning: Fixed FFMC outlier (18.7 → 91.6 median)</a:t>
+              <a:t>• Cleaned data: fixed FFMC outlier (18.7 to 91.6, using median)</a:t>
             </a:r>
             <a:endParaRPr lang="en-US" sz="1000" dirty="0"/>
           </a:p>
@@ -901,7 +901,7 @@
                   <a:srgbClr val="111827"/>
                 </a:solidFill>
               </a:rPr>
-              <a:t>• Feature Engineering: Encoded categorical variables</a:t>
+              <a:t>• Encoded the categorical variables (month, day)</a:t>
             </a:r>
             <a:endParaRPr lang="en-US" sz="1000" dirty="0"/>
           </a:p>
@@ -915,7 +915,7 @@
                   <a:srgbClr val="111827"/>
                 </a:solidFill>
               </a:rPr>
-              <a:t>• Data Split: 60% Train (309), 20% Validation (104), 20% Test (104)</a:t>
+              <a:t>• Split data: 60% train (309), 20% val (104), 20% test (104)</a:t>
             </a:r>
             <a:endParaRPr lang="en-US" sz="1000" dirty="0"/>
           </a:p>
@@ -929,7 +929,7 @@
                   <a:srgbClr val="111827"/>
                 </a:solidFill>
               </a:rPr>
-              <a:t>• Model Training: 15 models across 3 algorithms</a:t>
+              <a:t>• Trained 15 different models using 3 algorithms</a:t>
             </a:r>
             <a:endParaRPr lang="en-US" sz="1000" dirty="0"/>
           </a:p>
@@ -943,7 +943,7 @@
                   <a:srgbClr val="111827"/>
                 </a:solidFill>
               </a:rPr>
-              <a:t>• Hyperparameter Search: Grid search with validation metrics</a:t>
+              <a:t>• Used grid search to tune hyperparameters</a:t>
             </a:r>
             <a:endParaRPr lang="en-US" sz="1000" dirty="0"/>
           </a:p>
@@ -957,7 +957,7 @@
                   <a:srgbClr val="111827"/>
                 </a:solidFill>
               </a:rPr>
-              <a:t>• Final Model: Trained on combined train+validation sets</a:t>
+              <a:t>• Retrained best model on train+validation data</a:t>
             </a:r>
             <a:endParaRPr lang="en-US" sz="1000" dirty="0"/>
           </a:p>
@@ -971,7 +971,7 @@
                   <a:srgbClr val="111827"/>
                 </a:solidFill>
               </a:rPr>
-              <a:t>• Evaluation: Confusion matrix &amp; performance metrics on test set</a:t>
+              <a:t>• Evaluated on test set with confusion matrix</a:t>
             </a:r>
             <a:endParaRPr lang="en-US" sz="1000" dirty="0"/>
           </a:p>
@@ -992,7 +992,7 @@
             <a:avLst/>
           </a:prstGeom>
           <a:solidFill>
-            <a:srgbClr val="059669"/>
+            <a:srgbClr val="1A5F5A"/>
           </a:solidFill>
           <a:ln/>
         </p:spPr>
@@ -3004,7 +3004,7 @@
             <a:avLst/>
           </a:prstGeom>
           <a:solidFill>
-            <a:srgbClr val="DC2626"/>
+            <a:srgbClr val="B8562B"/>
           </a:solidFill>
           <a:ln/>
         </p:spPr>
@@ -3106,7 +3106,7 @@
                   <a:srgbClr val="111827"/>
                 </a:solidFill>
               </a:rPr>
-              <a:t>Data Cleaning Operation: Replaced FFMC outlier (18.7) with median (91.6) - FFMC typically ranges 80-95 in forest fire conditions</a:t>
+              <a:t>Spotted an outlier in FFMC (18.7 is way too low) - replaced it with the median value (91.6). FFMC should be around 80-95 for forest fire data.</a:t>
             </a:r>
             <a:endParaRPr lang="en-US" sz="900" dirty="0"/>
           </a:p>
@@ -3127,7 +3127,7 @@
             <a:avLst/>
           </a:prstGeom>
           <a:solidFill>
-            <a:srgbClr val="1E40AF"/>
+            <a:srgbClr val="34495E"/>
           </a:solidFill>
           <a:ln/>
         </p:spPr>
@@ -7012,7 +7012,7 @@
                   <a:srgbClr val="9CA3AF"/>
                 </a:solidFill>
               </a:rPr>
-              <a:t>*Best model selected | Hyperparameter Selection: Grid search with predefined values based on best practices</a:t>
+              <a:t>*Best model | Hyperparameters chosen via grid search based on common values from literature</a:t>
             </a:r>
             <a:endParaRPr lang="en-US" sz="900" dirty="0"/>
           </a:p>
@@ -7033,7 +7033,7 @@
             <a:avLst/>
           </a:prstGeom>
           <a:solidFill>
-            <a:srgbClr val="059669"/>
+            <a:srgbClr val="7B3F52"/>
           </a:solidFill>
           <a:ln/>
         </p:spPr>
@@ -7147,7 +7147,7 @@
                   <a:srgbClr val="111827"/>
                 </a:solidFill>
               </a:rPr>
-              <a:t>Random Forest (RF_4) selected for highest validation F1-score (0.876) and balanced performance. Ensemble method provides robustness against overfitting.</a:t>
+              <a:t>Went with Random Forest (RF_4) since it had the best F1-score (0.876) on validation. It's also less likely to overfit than a single decision tree.</a:t>
             </a:r>
             <a:endParaRPr lang="en-US" sz="900" dirty="0"/>
           </a:p>
@@ -7980,7 +7980,7 @@
                   <a:srgbClr val="111827"/>
                 </a:solidFill>
               </a:rPr>
-              <a:t>High recall (89.8%) ensures most high-risk fires are detected, crucial for early warning systems. Balanced performance suitable for deployment.</a:t>
+              <a:t>The high recall (89.8%) means we catch most of the dangerous fires, which is what matters for an early warning system. Good enough for real use.</a:t>
             </a:r>
             <a:endParaRPr lang="en-US" sz="900" dirty="0"/>
           </a:p>
@@ -8001,7 +8001,7 @@
             <a:avLst/>
           </a:prstGeom>
           <a:solidFill>
-            <a:srgbClr val="DC2626"/>
+            <a:srgbClr val="3D5A3D"/>
           </a:solidFill>
           <a:ln/>
         </p:spPr>
@@ -8079,7 +8079,7 @@
                   <a:srgbClr val="111827"/>
                 </a:solidFill>
               </a:rPr>
-              <a:t>Key Feature Importance:</a:t>
+              <a:t>What drives the predictions:</a:t>
             </a:r>
             <a:endParaRPr lang="en-US" sz="900" dirty="0"/>
           </a:p>
@@ -8183,7 +8183,7 @@
                   <a:srgbClr val="111827"/>
                 </a:solidFill>
               </a:rPr>
-              <a:t>• Random Forest provides feature importance insights for interpretability</a:t>
+              <a:t>• Random Forest lets us see which features matter most</a:t>
             </a:r>
             <a:endParaRPr lang="en-US" sz="900" dirty="0"/>
           </a:p>
@@ -8197,7 +8197,7 @@
                   <a:srgbClr val="111827"/>
                 </a:solidFill>
               </a:rPr>
-              <a:t>• No significant bias detected across spatial coordinates (X, Y)</a:t>
+              <a:t>• Didn't find any obvious bias based on location (X, Y coords)</a:t>
             </a:r>
             <a:endParaRPr lang="en-US" sz="900" dirty="0"/>
           </a:p>
@@ -8211,7 +8211,7 @@
                   <a:srgbClr val="111827"/>
                 </a:solidFill>
               </a:rPr>
-              <a:t>• Ensemble approach balances variance-bias tradeoff effectively</a:t>
+              <a:t>• Ensemble methods help balance the bias-variance tradeoff</a:t>
             </a:r>
             <a:endParaRPr lang="en-US" sz="900" dirty="0"/>
           </a:p>
@@ -8232,7 +8232,7 @@
             <a:avLst/>
           </a:prstGeom>
           <a:solidFill>
-            <a:srgbClr val="1E40AF"/>
+            <a:srgbClr val="4F4F4F"/>
           </a:solidFill>
           <a:ln/>
         </p:spPr>
@@ -8433,6 +8433,42 @@
               <a:t>CSCU9M5 - Introduction to Machine Learning (2025/6) | Forest Fires Classification Assignment</a:t>
             </a:r>
             <a:endParaRPr lang="en-US" sz="800" dirty="0"/>
+          </a:p>
+        </p:txBody>
+      </p:sp>
+      <p:sp>
+        <p:nvSpPr>
+          <p:cNvPr id="37" name="TextBox 36"/>
+          <p:cNvSpPr txBox="1"/>
+          <p:nvPr/>
+        </p:nvSpPr>
+        <p:spPr>
+          <a:xfrm>
+            <a:off x="5292000" y="4014000"/>
+            <a:ext cx="4500000" cy="144000"/>
+          </a:xfrm>
+          <a:prstGeom prst="rect">
+            <a:avLst/>
+          </a:prstGeom>
+          <a:noFill/>
+        </p:spPr>
+        <p:txBody>
+          <a:bodyPr wrap="square" tIns="0" bIns="0" lIns="0" rIns="0">
+            <a:spAutoFit/>
+          </a:bodyPr>
+          <a:lstStyle/>
+          <a:p>
+            <a:pPr algn="l">
+              <a:defRPr sz="700" i="1">
+                <a:solidFill>
+                  <a:srgbClr val="505050"/>
+                </a:solidFill>
+                <a:latin typeface="Arial"/>
+              </a:defRPr>
+            </a:pPr>
+            <a:r>
+              <a:t>Note: Treating month/day as categories stops the model thinking December &gt; January just because 12 &gt; 1</a:t>
+            </a:r>
           </a:p>
         </p:txBody>
       </p:sp>

--- a/ML_Assignment_Poster_3308299.pptx
+++ b/ML_Assignment_Poster_3308299.pptx
@@ -8372,7 +8372,8 @@
                   <a:srgbClr val="111827"/>
                 </a:solidFill>
               </a:rPr>
-              <a:t>Tools Used: Python 3.x, scikit-learn 1.0+, pandas, numpy, matplotlib</a:t>
+              <a:t>• Module content: CSCU9M5 (2025/6). https://canvas.stir.ac.uk/courses/18088/modules
+Tools Used: Python 3.x, scikit-learn 1.0+, pandas, numpy, matplotlib</a:t>
             </a:r>
             <a:endParaRPr lang="en-US" sz="900" dirty="0"/>
           </a:p>
@@ -8458,7 +8459,7 @@
           </a:bodyPr>
           <a:lstStyle/>
           <a:p>
-            <a:pPr algn="l">
+            <a:pPr>
               <a:defRPr sz="700" i="1">
                 <a:solidFill>
                   <a:srgbClr val="505050"/>
